--- a/SQCM_Qiskit_Fall_Fest_2025_Meetup_Oct_18.pptx
+++ b/SQCM_Qiskit_Fall_Fest_2025_Meetup_Oct_18.pptx
@@ -24648,7 +24648,7 @@
           </a:ln>
           <a:extLst>
             <a:ext uri="{C572A759-6A51-4108-AA02-DFA0A04FC94B}">
-              <ma14:wrappingTextBoxFlag xmlns:ma14="http://schemas.microsoft.com/office/mac/drawingml/2011/main" xmlns:a14="http://schemas.microsoft.com/office/drawing/2010/main" xmlns:m="http://schemas.openxmlformats.org/officeDocument/2006/math" xmlns="" val="1"/>
+              <ma14:wrappingTextBoxFlag xmlns="" xmlns:m="http://schemas.openxmlformats.org/officeDocument/2006/math" xmlns:a14="http://schemas.microsoft.com/office/drawing/2010/main" xmlns:ma14="http://schemas.microsoft.com/office/mac/drawingml/2011/main" val="1"/>
             </a:ext>
           </a:extLst>
         </p:spPr>
@@ -24686,7 +24686,7 @@
           </a:ln>
           <a:extLst>
             <a:ext uri="{C572A759-6A51-4108-AA02-DFA0A04FC94B}">
-              <ma14:wrappingTextBoxFlag xmlns:ma14="http://schemas.microsoft.com/office/mac/drawingml/2011/main" xmlns:a14="http://schemas.microsoft.com/office/drawing/2010/main" xmlns:m="http://schemas.openxmlformats.org/officeDocument/2006/math" xmlns="" val="1"/>
+              <ma14:wrappingTextBoxFlag xmlns="" xmlns:m="http://schemas.openxmlformats.org/officeDocument/2006/math" xmlns:a14="http://schemas.microsoft.com/office/drawing/2010/main" xmlns:ma14="http://schemas.microsoft.com/office/mac/drawingml/2011/main" val="1"/>
             </a:ext>
           </a:extLst>
         </p:spPr>
@@ -26084,19 +26084,27 @@
               <a:t>Fall Fest 2025,</a:t>
             </a:r>
             <a:br>
-              <a:rPr lang="en-US" sz="8600" dirty="0">
+              <a:rPr lang="en-US" sz="8600">
                 <a:solidFill>
                   <a:schemeClr val="tx1"/>
                 </a:solidFill>
               </a:rPr>
             </a:br>
             <a:r>
+              <a:rPr lang="en-US" sz="8600">
+                <a:solidFill>
+                  <a:schemeClr val="tx1"/>
+                </a:solidFill>
+              </a:rPr>
+              <a:t>Halfway </a:t>
+            </a:r>
+            <a:r>
               <a:rPr lang="en-US" sz="8600" dirty="0">
                 <a:solidFill>
                   <a:schemeClr val="tx1"/>
                 </a:solidFill>
               </a:rPr>
-              <a:t>Half-way There!</a:t>
+              <a:t>There!</a:t>
             </a:r>
             <a:br>
               <a:rPr lang="en-US" dirty="0">
@@ -26727,7 +26735,7 @@
           </a:ln>
           <a:extLst>
             <a:ext uri="{C572A759-6A51-4108-AA02-DFA0A04FC94B}">
-              <ma14:wrappingTextBoxFlag xmlns:ma14="http://schemas.microsoft.com/office/mac/drawingml/2011/main" xmlns:a14="http://schemas.microsoft.com/office/drawing/2010/main" xmlns:m="http://schemas.openxmlformats.org/officeDocument/2006/math" xmlns="" val="1"/>
+              <ma14:wrappingTextBoxFlag xmlns="" xmlns:m="http://schemas.openxmlformats.org/officeDocument/2006/math" xmlns:a14="http://schemas.microsoft.com/office/drawing/2010/main" xmlns:ma14="http://schemas.microsoft.com/office/mac/drawingml/2011/main" val="1"/>
             </a:ext>
           </a:extLst>
         </p:spPr>
@@ -27032,7 +27040,7 @@
           </a:ln>
           <a:extLst>
             <a:ext uri="{C572A759-6A51-4108-AA02-DFA0A04FC94B}">
-              <ma14:wrappingTextBoxFlag xmlns="" xmlns:m="http://schemas.openxmlformats.org/officeDocument/2006/math" xmlns:a14="http://schemas.microsoft.com/office/drawing/2010/main" xmlns:ma14="http://schemas.microsoft.com/office/mac/drawingml/2011/main" val="1"/>
+              <ma14:wrappingTextBoxFlag xmlns:ma14="http://schemas.microsoft.com/office/mac/drawingml/2011/main" xmlns:a14="http://schemas.microsoft.com/office/drawing/2010/main" xmlns:m="http://schemas.openxmlformats.org/officeDocument/2006/math" xmlns="" val="1"/>
             </a:ext>
           </a:extLst>
         </p:spPr>
@@ -27100,7 +27108,7 @@
           </a:ln>
           <a:extLst>
             <a:ext uri="{C572A759-6A51-4108-AA02-DFA0A04FC94B}">
-              <ma14:wrappingTextBoxFlag xmlns="" xmlns:m="http://schemas.openxmlformats.org/officeDocument/2006/math" xmlns:a14="http://schemas.microsoft.com/office/drawing/2010/main" xmlns:ma14="http://schemas.microsoft.com/office/mac/drawingml/2011/main" val="1"/>
+              <ma14:wrappingTextBoxFlag xmlns:ma14="http://schemas.microsoft.com/office/mac/drawingml/2011/main" xmlns:a14="http://schemas.microsoft.com/office/drawing/2010/main" xmlns:m="http://schemas.openxmlformats.org/officeDocument/2006/math" xmlns="" val="1"/>
             </a:ext>
           </a:extLst>
         </p:spPr>
@@ -27154,7 +27162,7 @@
           </a:ln>
           <a:extLst>
             <a:ext uri="{C572A759-6A51-4108-AA02-DFA0A04FC94B}">
-              <ma14:wrappingTextBoxFlag xmlns="" xmlns:m="http://schemas.openxmlformats.org/officeDocument/2006/math" xmlns:a14="http://schemas.microsoft.com/office/drawing/2010/main" xmlns:ma14="http://schemas.microsoft.com/office/mac/drawingml/2011/main" val="1"/>
+              <ma14:wrappingTextBoxFlag xmlns:ma14="http://schemas.microsoft.com/office/mac/drawingml/2011/main" xmlns:a14="http://schemas.microsoft.com/office/drawing/2010/main" xmlns:m="http://schemas.openxmlformats.org/officeDocument/2006/math" xmlns="" val="1"/>
             </a:ext>
           </a:extLst>
         </p:spPr>
@@ -27376,7 +27384,7 @@
           </a:ln>
           <a:extLst>
             <a:ext uri="{C572A759-6A51-4108-AA02-DFA0A04FC94B}">
-              <ma14:wrappingTextBoxFlag xmlns="" xmlns:m="http://schemas.openxmlformats.org/officeDocument/2006/math" xmlns:a14="http://schemas.microsoft.com/office/drawing/2010/main" xmlns:ma14="http://schemas.microsoft.com/office/mac/drawingml/2011/main" val="1"/>
+              <ma14:wrappingTextBoxFlag xmlns:ma14="http://schemas.microsoft.com/office/mac/drawingml/2011/main" xmlns:a14="http://schemas.microsoft.com/office/drawing/2010/main" xmlns:m="http://schemas.openxmlformats.org/officeDocument/2006/math" xmlns="" val="1"/>
             </a:ext>
           </a:extLst>
         </p:spPr>
@@ -27557,7 +27565,7 @@
           </a:ln>
           <a:extLst>
             <a:ext uri="{C572A759-6A51-4108-AA02-DFA0A04FC94B}">
-              <ma14:wrappingTextBoxFlag xmlns="" xmlns:m="http://schemas.openxmlformats.org/officeDocument/2006/math" xmlns:a14="http://schemas.microsoft.com/office/drawing/2010/main" xmlns:ma14="http://schemas.microsoft.com/office/mac/drawingml/2011/main" val="1"/>
+              <ma14:wrappingTextBoxFlag xmlns:ma14="http://schemas.microsoft.com/office/mac/drawingml/2011/main" xmlns:a14="http://schemas.microsoft.com/office/drawing/2010/main" xmlns:m="http://schemas.openxmlformats.org/officeDocument/2006/math" xmlns="" val="1"/>
             </a:ext>
           </a:extLst>
         </p:spPr>
@@ -27791,7 +27799,7 @@
           </a:ln>
           <a:extLst>
             <a:ext uri="{C572A759-6A51-4108-AA02-DFA0A04FC94B}">
-              <ma14:wrappingTextBoxFlag xmlns="" xmlns:m="http://schemas.openxmlformats.org/officeDocument/2006/math" xmlns:a14="http://schemas.microsoft.com/office/drawing/2010/main" xmlns:ma14="http://schemas.microsoft.com/office/mac/drawingml/2011/main" val="1"/>
+              <ma14:wrappingTextBoxFlag xmlns:ma14="http://schemas.microsoft.com/office/mac/drawingml/2011/main" xmlns:a14="http://schemas.microsoft.com/office/drawing/2010/main" xmlns:m="http://schemas.openxmlformats.org/officeDocument/2006/math" xmlns="" val="1"/>
             </a:ext>
           </a:extLst>
         </p:spPr>
@@ -28425,7 +28433,7 @@
           </a:ln>
           <a:extLst>
             <a:ext uri="{C572A759-6A51-4108-AA02-DFA0A04FC94B}">
-              <ma14:wrappingTextBoxFlag xmlns="" xmlns:m="http://schemas.openxmlformats.org/officeDocument/2006/math" xmlns:a14="http://schemas.microsoft.com/office/drawing/2010/main" xmlns:ma14="http://schemas.microsoft.com/office/mac/drawingml/2011/main" val="1"/>
+              <ma14:wrappingTextBoxFlag xmlns:ma14="http://schemas.microsoft.com/office/mac/drawingml/2011/main" xmlns:a14="http://schemas.microsoft.com/office/drawing/2010/main" xmlns:m="http://schemas.openxmlformats.org/officeDocument/2006/math" xmlns="" val="1"/>
             </a:ext>
           </a:extLst>
         </p:spPr>
@@ -28479,7 +28487,7 @@
           </a:ln>
           <a:extLst>
             <a:ext uri="{C572A759-6A51-4108-AA02-DFA0A04FC94B}">
-              <ma14:wrappingTextBoxFlag xmlns="" xmlns:m="http://schemas.openxmlformats.org/officeDocument/2006/math" xmlns:a14="http://schemas.microsoft.com/office/drawing/2010/main" xmlns:ma14="http://schemas.microsoft.com/office/mac/drawingml/2011/main" val="1"/>
+              <ma14:wrappingTextBoxFlag xmlns:ma14="http://schemas.microsoft.com/office/mac/drawingml/2011/main" xmlns:a14="http://schemas.microsoft.com/office/drawing/2010/main" xmlns:m="http://schemas.openxmlformats.org/officeDocument/2006/math" xmlns="" val="1"/>
             </a:ext>
           </a:extLst>
         </p:spPr>
@@ -28669,7 +28677,7 @@
           </a:ln>
           <a:extLst>
             <a:ext uri="{C572A759-6A51-4108-AA02-DFA0A04FC94B}">
-              <ma14:wrappingTextBoxFlag xmlns="" xmlns:m="http://schemas.openxmlformats.org/officeDocument/2006/math" xmlns:a14="http://schemas.microsoft.com/office/drawing/2010/main" xmlns:ma14="http://schemas.microsoft.com/office/mac/drawingml/2011/main" val="1"/>
+              <ma14:wrappingTextBoxFlag xmlns:ma14="http://schemas.microsoft.com/office/mac/drawingml/2011/main" xmlns:a14="http://schemas.microsoft.com/office/drawing/2010/main" xmlns:m="http://schemas.openxmlformats.org/officeDocument/2006/math" xmlns="" val="1"/>
             </a:ext>
           </a:extLst>
         </p:spPr>
@@ -29486,7 +29494,7 @@
           </a:ln>
           <a:extLst>
             <a:ext uri="{C572A759-6A51-4108-AA02-DFA0A04FC94B}">
-              <ma14:wrappingTextBoxFlag xmlns="" xmlns:m="http://schemas.openxmlformats.org/officeDocument/2006/math" xmlns:a14="http://schemas.microsoft.com/office/drawing/2010/main" xmlns:ma14="http://schemas.microsoft.com/office/mac/drawingml/2011/main" val="1"/>
+              <ma14:wrappingTextBoxFlag xmlns:ma14="http://schemas.microsoft.com/office/mac/drawingml/2011/main" xmlns:a14="http://schemas.microsoft.com/office/drawing/2010/main" xmlns:m="http://schemas.openxmlformats.org/officeDocument/2006/math" xmlns="" val="1"/>
             </a:ext>
           </a:extLst>
         </p:spPr>
@@ -29575,7 +29583,7 @@
           </a:ln>
           <a:extLst>
             <a:ext uri="{C572A759-6A51-4108-AA02-DFA0A04FC94B}">
-              <ma14:wrappingTextBoxFlag xmlns="" xmlns:m="http://schemas.openxmlformats.org/officeDocument/2006/math" xmlns:a14="http://schemas.microsoft.com/office/drawing/2010/main" xmlns:ma14="http://schemas.microsoft.com/office/mac/drawingml/2011/main" val="1"/>
+              <ma14:wrappingTextBoxFlag xmlns:ma14="http://schemas.microsoft.com/office/mac/drawingml/2011/main" xmlns:a14="http://schemas.microsoft.com/office/drawing/2010/main" xmlns:m="http://schemas.openxmlformats.org/officeDocument/2006/math" xmlns="" val="1"/>
             </a:ext>
           </a:extLst>
         </p:spPr>
@@ -30236,7 +30244,7 @@
           </a:ln>
           <a:extLst>
             <a:ext uri="{C572A759-6A51-4108-AA02-DFA0A04FC94B}">
-              <ma14:wrappingTextBoxFlag xmlns="" xmlns:m="http://schemas.openxmlformats.org/officeDocument/2006/math" xmlns:a14="http://schemas.microsoft.com/office/drawing/2010/main" xmlns:ma14="http://schemas.microsoft.com/office/mac/drawingml/2011/main" val="1"/>
+              <ma14:wrappingTextBoxFlag xmlns:ma14="http://schemas.microsoft.com/office/mac/drawingml/2011/main" xmlns:a14="http://schemas.microsoft.com/office/drawing/2010/main" xmlns:m="http://schemas.openxmlformats.org/officeDocument/2006/math" xmlns="" val="1"/>
             </a:ext>
           </a:extLst>
         </p:spPr>
@@ -30290,7 +30298,7 @@
           </a:ln>
           <a:extLst>
             <a:ext uri="{C572A759-6A51-4108-AA02-DFA0A04FC94B}">
-              <ma14:wrappingTextBoxFlag xmlns="" xmlns:m="http://schemas.openxmlformats.org/officeDocument/2006/math" xmlns:a14="http://schemas.microsoft.com/office/drawing/2010/main" xmlns:ma14="http://schemas.microsoft.com/office/mac/drawingml/2011/main" val="1"/>
+              <ma14:wrappingTextBoxFlag xmlns:ma14="http://schemas.microsoft.com/office/mac/drawingml/2011/main" xmlns:a14="http://schemas.microsoft.com/office/drawing/2010/main" xmlns:m="http://schemas.openxmlformats.org/officeDocument/2006/math" xmlns="" val="1"/>
             </a:ext>
           </a:extLst>
         </p:spPr>
@@ -31367,7 +31375,7 @@
         </a:ln>
         <a:extLst>
           <a:ext uri="{C572A759-6A51-4108-AA02-DFA0A04FC94B}">
-            <ma14:wrappingTextBoxFlag xmlns:r="http://schemas.openxmlformats.org/officeDocument/2006/relationships" xmlns:p="http://schemas.openxmlformats.org/presentationml/2006/main" xmlns="" xmlns:m="http://schemas.openxmlformats.org/officeDocument/2006/math" xmlns:a14="http://schemas.microsoft.com/office/drawing/2010/main" xmlns:ma14="http://schemas.microsoft.com/office/mac/drawingml/2011/main" val="1"/>
+            <ma14:wrappingTextBoxFlag xmlns:ma14="http://schemas.microsoft.com/office/mac/drawingml/2011/main" xmlns:a14="http://schemas.microsoft.com/office/drawing/2010/main" xmlns:m="http://schemas.openxmlformats.org/officeDocument/2006/math" xmlns="" xmlns:p="http://schemas.openxmlformats.org/presentationml/2006/main" xmlns:r="http://schemas.openxmlformats.org/officeDocument/2006/relationships" val="1"/>
           </a:ext>
         </a:extLst>
       </a:spPr>
@@ -31873,7 +31881,7 @@
         </a:ln>
         <a:extLst>
           <a:ext uri="{C572A759-6A51-4108-AA02-DFA0A04FC94B}">
-            <ma14:wrappingTextBoxFlag xmlns:ma14="http://schemas.microsoft.com/office/mac/drawingml/2011/main" xmlns:a14="http://schemas.microsoft.com/office/drawing/2010/main" xmlns:m="http://schemas.openxmlformats.org/officeDocument/2006/math" xmlns="" xmlns:p="http://schemas.openxmlformats.org/presentationml/2006/main" xmlns:r="http://schemas.openxmlformats.org/officeDocument/2006/relationships" val="1"/>
+            <ma14:wrappingTextBoxFlag xmlns:r="http://schemas.openxmlformats.org/officeDocument/2006/relationships" xmlns:p="http://schemas.openxmlformats.org/presentationml/2006/main" xmlns="" xmlns:m="http://schemas.openxmlformats.org/officeDocument/2006/math" xmlns:a14="http://schemas.microsoft.com/office/drawing/2010/main" xmlns:ma14="http://schemas.microsoft.com/office/mac/drawingml/2011/main" val="1"/>
           </a:ext>
         </a:extLst>
       </a:spPr>
@@ -32379,7 +32387,7 @@
         </a:ln>
         <a:extLst>
           <a:ext uri="{C572A759-6A51-4108-AA02-DFA0A04FC94B}">
-            <ma14:wrappingTextBoxFlag xmlns:ma14="http://schemas.microsoft.com/office/mac/drawingml/2011/main" xmlns:a14="http://schemas.microsoft.com/office/drawing/2010/main" xmlns:m="http://schemas.openxmlformats.org/officeDocument/2006/math" xmlns="" xmlns:p="http://schemas.openxmlformats.org/presentationml/2006/main" xmlns:r="http://schemas.openxmlformats.org/officeDocument/2006/relationships" val="1"/>
+            <ma14:wrappingTextBoxFlag xmlns:r="http://schemas.openxmlformats.org/officeDocument/2006/relationships" xmlns:p="http://schemas.openxmlformats.org/presentationml/2006/main" xmlns="" xmlns:m="http://schemas.openxmlformats.org/officeDocument/2006/math" xmlns:a14="http://schemas.microsoft.com/office/drawing/2010/main" xmlns:ma14="http://schemas.microsoft.com/office/mac/drawingml/2011/main" val="1"/>
           </a:ext>
         </a:extLst>
       </a:spPr>

--- a/SQCM_Qiskit_Fall_Fest_2025_Meetup_Oct_18.pptx
+++ b/SQCM_Qiskit_Fall_Fest_2025_Meetup_Oct_18.pptx
@@ -5,10 +5,10 @@
     <p:sldMasterId id="2147483962" r:id="rId1"/>
   </p:sldMasterIdLst>
   <p:notesMasterIdLst>
-    <p:notesMasterId r:id="rId10"/>
+    <p:notesMasterId r:id="rId13"/>
   </p:notesMasterIdLst>
   <p:handoutMasterIdLst>
-    <p:handoutMasterId r:id="rId11"/>
+    <p:handoutMasterId r:id="rId14"/>
   </p:handoutMasterIdLst>
   <p:sldIdLst>
     <p:sldId id="622" r:id="rId2"/>
@@ -16,9 +16,12 @@
     <p:sldId id="624" r:id="rId4"/>
     <p:sldId id="625" r:id="rId5"/>
     <p:sldId id="405" r:id="rId6"/>
-    <p:sldId id="626" r:id="rId7"/>
-    <p:sldId id="627" r:id="rId8"/>
-    <p:sldId id="623" r:id="rId9"/>
+    <p:sldId id="628" r:id="rId7"/>
+    <p:sldId id="629" r:id="rId8"/>
+    <p:sldId id="630" r:id="rId9"/>
+    <p:sldId id="626" r:id="rId10"/>
+    <p:sldId id="627" r:id="rId11"/>
+    <p:sldId id="623" r:id="rId12"/>
   </p:sldIdLst>
   <p:sldSz cx="24387175" cy="13716000"/>
   <p:notesSz cx="6858000" cy="9144000"/>
@@ -130,6 +133,9 @@
             <p14:sldId id="624"/>
             <p14:sldId id="625"/>
             <p14:sldId id="405"/>
+            <p14:sldId id="628"/>
+            <p14:sldId id="629"/>
+            <p14:sldId id="630"/>
             <p14:sldId id="626"/>
             <p14:sldId id="627"/>
             <p14:sldId id="623"/>
@@ -1047,6 +1053,432 @@
 </p:notes>
 </file>
 
+<file path=ppt/notesSlides/notesSlide4.xml><?xml version="1.0" encoding="utf-8"?>
+<p:notes xmlns:a="http://schemas.openxmlformats.org/drawingml/2006/main" xmlns:r="http://schemas.openxmlformats.org/officeDocument/2006/relationships" xmlns:p="http://schemas.openxmlformats.org/presentationml/2006/main">
+  <p:cSld>
+    <p:spTree>
+      <p:nvGrpSpPr>
+        <p:cNvPr id="1" name="">
+          <a:extLst>
+            <a:ext uri="{FF2B5EF4-FFF2-40B4-BE49-F238E27FC236}">
+              <a16:creationId xmlns:a16="http://schemas.microsoft.com/office/drawing/2014/main" id="{B3953591-A936-D33F-D57C-28EEA52DE8DB}"/>
+            </a:ext>
+          </a:extLst>
+        </p:cNvPr>
+        <p:cNvGrpSpPr/>
+        <p:nvPr/>
+      </p:nvGrpSpPr>
+      <p:grpSpPr>
+        <a:xfrm>
+          <a:off x="0" y="0"/>
+          <a:ext cx="0" cy="0"/>
+          <a:chOff x="0" y="0"/>
+          <a:chExt cx="0" cy="0"/>
+        </a:xfrm>
+      </p:grpSpPr>
+      <p:sp>
+        <p:nvSpPr>
+          <p:cNvPr id="2" name="Slide Image Placeholder 1">
+            <a:extLst>
+              <a:ext uri="{FF2B5EF4-FFF2-40B4-BE49-F238E27FC236}">
+                <a16:creationId xmlns:a16="http://schemas.microsoft.com/office/drawing/2014/main" id="{CB0D2EAB-96B1-DCF1-7E67-13CCB1F7E185}"/>
+              </a:ext>
+            </a:extLst>
+          </p:cNvPr>
+          <p:cNvSpPr>
+            <a:spLocks noGrp="1" noRot="1" noChangeAspect="1"/>
+          </p:cNvSpPr>
+          <p:nvPr>
+            <p:ph type="sldImg"/>
+          </p:nvPr>
+        </p:nvSpPr>
+        <p:spPr>
+          <a:xfrm>
+            <a:off x="206375" y="228600"/>
+            <a:ext cx="6419850" cy="3611563"/>
+          </a:xfrm>
+        </p:spPr>
+      </p:sp>
+      <p:sp>
+        <p:nvSpPr>
+          <p:cNvPr id="3" name="Notes Placeholder 2">
+            <a:extLst>
+              <a:ext uri="{FF2B5EF4-FFF2-40B4-BE49-F238E27FC236}">
+                <a16:creationId xmlns:a16="http://schemas.microsoft.com/office/drawing/2014/main" id="{9FC31DEF-CD89-AA35-0F27-2F858BCC4747}"/>
+              </a:ext>
+            </a:extLst>
+          </p:cNvPr>
+          <p:cNvSpPr>
+            <a:spLocks noGrp="1"/>
+          </p:cNvSpPr>
+          <p:nvPr>
+            <p:ph type="body" idx="1"/>
+          </p:nvPr>
+        </p:nvSpPr>
+        <p:spPr/>
+        <p:txBody>
+          <a:bodyPr/>
+          <a:lstStyle/>
+          <a:p>
+            <a:endParaRPr lang="en-BR"/>
+          </a:p>
+        </p:txBody>
+      </p:sp>
+      <p:sp>
+        <p:nvSpPr>
+          <p:cNvPr id="4" name="Slide Number Placeholder 3">
+            <a:extLst>
+              <a:ext uri="{FF2B5EF4-FFF2-40B4-BE49-F238E27FC236}">
+                <a16:creationId xmlns:a16="http://schemas.microsoft.com/office/drawing/2014/main" id="{904D0ED7-9FFA-D06A-894B-EE7448D715C2}"/>
+              </a:ext>
+            </a:extLst>
+          </p:cNvPr>
+          <p:cNvSpPr>
+            <a:spLocks noGrp="1"/>
+          </p:cNvSpPr>
+          <p:nvPr>
+            <p:ph type="sldNum" sz="quarter" idx="5"/>
+          </p:nvPr>
+        </p:nvSpPr>
+        <p:spPr/>
+        <p:txBody>
+          <a:bodyPr/>
+          <a:lstStyle/>
+          <a:p>
+            <a:fld id="{6E2E38B8-B0B4-AD41-AC6E-B781F46A9FD3}" type="slidenum">
+              <a:rPr lang="en-US" smtClean="0"/>
+              <a:pPr/>
+              <a:t>6</a:t>
+            </a:fld>
+            <a:endParaRPr lang="en-US"/>
+          </a:p>
+        </p:txBody>
+      </p:sp>
+      <p:sp>
+        <p:nvSpPr>
+          <p:cNvPr id="5" name="Footer Placeholder 4">
+            <a:extLst>
+              <a:ext uri="{FF2B5EF4-FFF2-40B4-BE49-F238E27FC236}">
+                <a16:creationId xmlns:a16="http://schemas.microsoft.com/office/drawing/2014/main" id="{D0D34D99-A989-A797-3E71-6682D892061C}"/>
+              </a:ext>
+            </a:extLst>
+          </p:cNvPr>
+          <p:cNvSpPr>
+            <a:spLocks noGrp="1"/>
+          </p:cNvSpPr>
+          <p:nvPr>
+            <p:ph type="ftr" sz="quarter" idx="4"/>
+          </p:nvPr>
+        </p:nvSpPr>
+        <p:spPr/>
+        <p:txBody>
+          <a:bodyPr/>
+          <a:lstStyle/>
+          <a:p>
+            <a:r>
+              <a:rPr lang="en-US"/>
+              <a:t>Footer</a:t>
+            </a:r>
+          </a:p>
+        </p:txBody>
+      </p:sp>
+    </p:spTree>
+    <p:extLst>
+      <p:ext uri="{BB962C8B-B14F-4D97-AF65-F5344CB8AC3E}">
+        <p14:creationId xmlns:p14="http://schemas.microsoft.com/office/powerpoint/2010/main" val="1621446052"/>
+      </p:ext>
+    </p:extLst>
+  </p:cSld>
+  <p:clrMapOvr>
+    <a:masterClrMapping/>
+  </p:clrMapOvr>
+</p:notes>
+</file>
+
+<file path=ppt/notesSlides/notesSlide5.xml><?xml version="1.0" encoding="utf-8"?>
+<p:notes xmlns:a="http://schemas.openxmlformats.org/drawingml/2006/main" xmlns:r="http://schemas.openxmlformats.org/officeDocument/2006/relationships" xmlns:p="http://schemas.openxmlformats.org/presentationml/2006/main">
+  <p:cSld>
+    <p:spTree>
+      <p:nvGrpSpPr>
+        <p:cNvPr id="1" name="">
+          <a:extLst>
+            <a:ext uri="{FF2B5EF4-FFF2-40B4-BE49-F238E27FC236}">
+              <a16:creationId xmlns:a16="http://schemas.microsoft.com/office/drawing/2014/main" id="{565D88FD-0792-7048-57A3-2A655C3ACFED}"/>
+            </a:ext>
+          </a:extLst>
+        </p:cNvPr>
+        <p:cNvGrpSpPr/>
+        <p:nvPr/>
+      </p:nvGrpSpPr>
+      <p:grpSpPr>
+        <a:xfrm>
+          <a:off x="0" y="0"/>
+          <a:ext cx="0" cy="0"/>
+          <a:chOff x="0" y="0"/>
+          <a:chExt cx="0" cy="0"/>
+        </a:xfrm>
+      </p:grpSpPr>
+      <p:sp>
+        <p:nvSpPr>
+          <p:cNvPr id="2" name="Slide Image Placeholder 1">
+            <a:extLst>
+              <a:ext uri="{FF2B5EF4-FFF2-40B4-BE49-F238E27FC236}">
+                <a16:creationId xmlns:a16="http://schemas.microsoft.com/office/drawing/2014/main" id="{2E3B5F08-2063-5E62-F6AF-B2C029B28173}"/>
+              </a:ext>
+            </a:extLst>
+          </p:cNvPr>
+          <p:cNvSpPr>
+            <a:spLocks noGrp="1" noRot="1" noChangeAspect="1"/>
+          </p:cNvSpPr>
+          <p:nvPr>
+            <p:ph type="sldImg"/>
+          </p:nvPr>
+        </p:nvSpPr>
+        <p:spPr>
+          <a:xfrm>
+            <a:off x="206375" y="228600"/>
+            <a:ext cx="6419850" cy="3611563"/>
+          </a:xfrm>
+        </p:spPr>
+      </p:sp>
+      <p:sp>
+        <p:nvSpPr>
+          <p:cNvPr id="3" name="Notes Placeholder 2">
+            <a:extLst>
+              <a:ext uri="{FF2B5EF4-FFF2-40B4-BE49-F238E27FC236}">
+                <a16:creationId xmlns:a16="http://schemas.microsoft.com/office/drawing/2014/main" id="{637B5076-CF75-CC4D-3710-F2A726E68BAE}"/>
+              </a:ext>
+            </a:extLst>
+          </p:cNvPr>
+          <p:cNvSpPr>
+            <a:spLocks noGrp="1"/>
+          </p:cNvSpPr>
+          <p:nvPr>
+            <p:ph type="body" idx="1"/>
+          </p:nvPr>
+        </p:nvSpPr>
+        <p:spPr/>
+        <p:txBody>
+          <a:bodyPr/>
+          <a:lstStyle/>
+          <a:p>
+            <a:endParaRPr lang="en-BR"/>
+          </a:p>
+        </p:txBody>
+      </p:sp>
+      <p:sp>
+        <p:nvSpPr>
+          <p:cNvPr id="4" name="Slide Number Placeholder 3">
+            <a:extLst>
+              <a:ext uri="{FF2B5EF4-FFF2-40B4-BE49-F238E27FC236}">
+                <a16:creationId xmlns:a16="http://schemas.microsoft.com/office/drawing/2014/main" id="{756A6546-9B19-34F3-A784-F3F36ECB425F}"/>
+              </a:ext>
+            </a:extLst>
+          </p:cNvPr>
+          <p:cNvSpPr>
+            <a:spLocks noGrp="1"/>
+          </p:cNvSpPr>
+          <p:nvPr>
+            <p:ph type="sldNum" sz="quarter" idx="5"/>
+          </p:nvPr>
+        </p:nvSpPr>
+        <p:spPr/>
+        <p:txBody>
+          <a:bodyPr/>
+          <a:lstStyle/>
+          <a:p>
+            <a:fld id="{6E2E38B8-B0B4-AD41-AC6E-B781F46A9FD3}" type="slidenum">
+              <a:rPr lang="en-US" smtClean="0"/>
+              <a:pPr/>
+              <a:t>7</a:t>
+            </a:fld>
+            <a:endParaRPr lang="en-US"/>
+          </a:p>
+        </p:txBody>
+      </p:sp>
+      <p:sp>
+        <p:nvSpPr>
+          <p:cNvPr id="5" name="Footer Placeholder 4">
+            <a:extLst>
+              <a:ext uri="{FF2B5EF4-FFF2-40B4-BE49-F238E27FC236}">
+                <a16:creationId xmlns:a16="http://schemas.microsoft.com/office/drawing/2014/main" id="{EA6BDB07-36D9-7DEF-13E0-4F6B912833D4}"/>
+              </a:ext>
+            </a:extLst>
+          </p:cNvPr>
+          <p:cNvSpPr>
+            <a:spLocks noGrp="1"/>
+          </p:cNvSpPr>
+          <p:nvPr>
+            <p:ph type="ftr" sz="quarter" idx="4"/>
+          </p:nvPr>
+        </p:nvSpPr>
+        <p:spPr/>
+        <p:txBody>
+          <a:bodyPr/>
+          <a:lstStyle/>
+          <a:p>
+            <a:r>
+              <a:rPr lang="en-US"/>
+              <a:t>Footer</a:t>
+            </a:r>
+          </a:p>
+        </p:txBody>
+      </p:sp>
+    </p:spTree>
+    <p:extLst>
+      <p:ext uri="{BB962C8B-B14F-4D97-AF65-F5344CB8AC3E}">
+        <p14:creationId xmlns:p14="http://schemas.microsoft.com/office/powerpoint/2010/main" val="2285909926"/>
+      </p:ext>
+    </p:extLst>
+  </p:cSld>
+  <p:clrMapOvr>
+    <a:masterClrMapping/>
+  </p:clrMapOvr>
+</p:notes>
+</file>
+
+<file path=ppt/notesSlides/notesSlide6.xml><?xml version="1.0" encoding="utf-8"?>
+<p:notes xmlns:a="http://schemas.openxmlformats.org/drawingml/2006/main" xmlns:r="http://schemas.openxmlformats.org/officeDocument/2006/relationships" xmlns:p="http://schemas.openxmlformats.org/presentationml/2006/main">
+  <p:cSld>
+    <p:spTree>
+      <p:nvGrpSpPr>
+        <p:cNvPr id="1" name="">
+          <a:extLst>
+            <a:ext uri="{FF2B5EF4-FFF2-40B4-BE49-F238E27FC236}">
+              <a16:creationId xmlns:a16="http://schemas.microsoft.com/office/drawing/2014/main" id="{21C14414-7D97-8159-8D94-960414CE4FEE}"/>
+            </a:ext>
+          </a:extLst>
+        </p:cNvPr>
+        <p:cNvGrpSpPr/>
+        <p:nvPr/>
+      </p:nvGrpSpPr>
+      <p:grpSpPr>
+        <a:xfrm>
+          <a:off x="0" y="0"/>
+          <a:ext cx="0" cy="0"/>
+          <a:chOff x="0" y="0"/>
+          <a:chExt cx="0" cy="0"/>
+        </a:xfrm>
+      </p:grpSpPr>
+      <p:sp>
+        <p:nvSpPr>
+          <p:cNvPr id="2" name="Slide Image Placeholder 1">
+            <a:extLst>
+              <a:ext uri="{FF2B5EF4-FFF2-40B4-BE49-F238E27FC236}">
+                <a16:creationId xmlns:a16="http://schemas.microsoft.com/office/drawing/2014/main" id="{FB4F785C-560A-8855-02F6-985B0FF97A82}"/>
+              </a:ext>
+            </a:extLst>
+          </p:cNvPr>
+          <p:cNvSpPr>
+            <a:spLocks noGrp="1" noRot="1" noChangeAspect="1"/>
+          </p:cNvSpPr>
+          <p:nvPr>
+            <p:ph type="sldImg"/>
+          </p:nvPr>
+        </p:nvSpPr>
+        <p:spPr>
+          <a:xfrm>
+            <a:off x="206375" y="228600"/>
+            <a:ext cx="6419850" cy="3611563"/>
+          </a:xfrm>
+        </p:spPr>
+      </p:sp>
+      <p:sp>
+        <p:nvSpPr>
+          <p:cNvPr id="3" name="Notes Placeholder 2">
+            <a:extLst>
+              <a:ext uri="{FF2B5EF4-FFF2-40B4-BE49-F238E27FC236}">
+                <a16:creationId xmlns:a16="http://schemas.microsoft.com/office/drawing/2014/main" id="{75FF6892-B3A1-B6EC-1A74-B00EAD0D4ACF}"/>
+              </a:ext>
+            </a:extLst>
+          </p:cNvPr>
+          <p:cNvSpPr>
+            <a:spLocks noGrp="1"/>
+          </p:cNvSpPr>
+          <p:nvPr>
+            <p:ph type="body" idx="1"/>
+          </p:nvPr>
+        </p:nvSpPr>
+        <p:spPr/>
+        <p:txBody>
+          <a:bodyPr/>
+          <a:lstStyle/>
+          <a:p>
+            <a:endParaRPr lang="en-BR"/>
+          </a:p>
+        </p:txBody>
+      </p:sp>
+      <p:sp>
+        <p:nvSpPr>
+          <p:cNvPr id="4" name="Slide Number Placeholder 3">
+            <a:extLst>
+              <a:ext uri="{FF2B5EF4-FFF2-40B4-BE49-F238E27FC236}">
+                <a16:creationId xmlns:a16="http://schemas.microsoft.com/office/drawing/2014/main" id="{E9FFD671-B4BF-E4E2-F7A0-D07393D1DA08}"/>
+              </a:ext>
+            </a:extLst>
+          </p:cNvPr>
+          <p:cNvSpPr>
+            <a:spLocks noGrp="1"/>
+          </p:cNvSpPr>
+          <p:nvPr>
+            <p:ph type="sldNum" sz="quarter" idx="5"/>
+          </p:nvPr>
+        </p:nvSpPr>
+        <p:spPr/>
+        <p:txBody>
+          <a:bodyPr/>
+          <a:lstStyle/>
+          <a:p>
+            <a:fld id="{6E2E38B8-B0B4-AD41-AC6E-B781F46A9FD3}" type="slidenum">
+              <a:rPr lang="en-US" smtClean="0"/>
+              <a:pPr/>
+              <a:t>8</a:t>
+            </a:fld>
+            <a:endParaRPr lang="en-US"/>
+          </a:p>
+        </p:txBody>
+      </p:sp>
+      <p:sp>
+        <p:nvSpPr>
+          <p:cNvPr id="5" name="Footer Placeholder 4">
+            <a:extLst>
+              <a:ext uri="{FF2B5EF4-FFF2-40B4-BE49-F238E27FC236}">
+                <a16:creationId xmlns:a16="http://schemas.microsoft.com/office/drawing/2014/main" id="{36BB4E4D-776A-9441-C898-81A858AE7943}"/>
+              </a:ext>
+            </a:extLst>
+          </p:cNvPr>
+          <p:cNvSpPr>
+            <a:spLocks noGrp="1"/>
+          </p:cNvSpPr>
+          <p:nvPr>
+            <p:ph type="ftr" sz="quarter" idx="4"/>
+          </p:nvPr>
+        </p:nvSpPr>
+        <p:spPr/>
+        <p:txBody>
+          <a:bodyPr/>
+          <a:lstStyle/>
+          <a:p>
+            <a:r>
+              <a:rPr lang="en-US"/>
+              <a:t>Footer</a:t>
+            </a:r>
+          </a:p>
+        </p:txBody>
+      </p:sp>
+    </p:spTree>
+    <p:extLst>
+      <p:ext uri="{BB962C8B-B14F-4D97-AF65-F5344CB8AC3E}">
+        <p14:creationId xmlns:p14="http://schemas.microsoft.com/office/powerpoint/2010/main" val="3681613983"/>
+      </p:ext>
+    </p:extLst>
+  </p:cSld>
+  <p:clrMapOvr>
+    <a:masterClrMapping/>
+  </p:clrMapOvr>
+</p:notes>
+</file>
+
 <file path=ppt/slideLayouts/slideLayout1.xml><?xml version="1.0" encoding="utf-8"?>
 <p:sldLayout xmlns:a="http://schemas.openxmlformats.org/drawingml/2006/main" xmlns:r="http://schemas.openxmlformats.org/officeDocument/2006/relationships" xmlns:p="http://schemas.openxmlformats.org/presentationml/2006/main" preserve="1" userDrawn="1">
   <p:cSld name="Cover, imagery">
@@ -24648,7 +25080,7 @@
           </a:ln>
           <a:extLst>
             <a:ext uri="{C572A759-6A51-4108-AA02-DFA0A04FC94B}">
-              <ma14:wrappingTextBoxFlag xmlns="" xmlns:m="http://schemas.openxmlformats.org/officeDocument/2006/math" xmlns:a14="http://schemas.microsoft.com/office/drawing/2010/main" xmlns:ma14="http://schemas.microsoft.com/office/mac/drawingml/2011/main" val="1"/>
+              <ma14:wrappingTextBoxFlag xmlns:ma14="http://schemas.microsoft.com/office/mac/drawingml/2011/main" xmlns:a14="http://schemas.microsoft.com/office/drawing/2010/main" xmlns:m="http://schemas.openxmlformats.org/officeDocument/2006/math" xmlns="" val="1"/>
             </a:ext>
           </a:extLst>
         </p:spPr>
@@ -24686,7 +25118,7 @@
           </a:ln>
           <a:extLst>
             <a:ext uri="{C572A759-6A51-4108-AA02-DFA0A04FC94B}">
-              <ma14:wrappingTextBoxFlag xmlns="" xmlns:m="http://schemas.openxmlformats.org/officeDocument/2006/math" xmlns:a14="http://schemas.microsoft.com/office/drawing/2010/main" xmlns:ma14="http://schemas.microsoft.com/office/mac/drawingml/2011/main" val="1"/>
+              <ma14:wrappingTextBoxFlag xmlns:ma14="http://schemas.microsoft.com/office/mac/drawingml/2011/main" xmlns:a14="http://schemas.microsoft.com/office/drawing/2010/main" xmlns:m="http://schemas.openxmlformats.org/officeDocument/2006/math" xmlns="" val="1"/>
             </a:ext>
           </a:extLst>
         </p:spPr>
@@ -26299,6 +26731,1428 @@
 </p:sld>
 </file>
 
+<file path=ppt/slides/slide10.xml><?xml version="1.0" encoding="utf-8"?>
+<p:sld xmlns:a="http://schemas.openxmlformats.org/drawingml/2006/main" xmlns:r="http://schemas.openxmlformats.org/officeDocument/2006/relationships" xmlns:p="http://schemas.openxmlformats.org/presentationml/2006/main">
+  <p:cSld>
+    <p:spTree>
+      <p:nvGrpSpPr>
+        <p:cNvPr id="1" name="">
+          <a:extLst>
+            <a:ext uri="{FF2B5EF4-FFF2-40B4-BE49-F238E27FC236}">
+              <a16:creationId xmlns:a16="http://schemas.microsoft.com/office/drawing/2014/main" id="{E11E44A7-BB8C-7803-ECC5-5B63F451B40E}"/>
+            </a:ext>
+          </a:extLst>
+        </p:cNvPr>
+        <p:cNvGrpSpPr/>
+        <p:nvPr/>
+      </p:nvGrpSpPr>
+      <p:grpSpPr>
+        <a:xfrm>
+          <a:off x="0" y="0"/>
+          <a:ext cx="0" cy="0"/>
+          <a:chOff x="0" y="0"/>
+          <a:chExt cx="0" cy="0"/>
+        </a:xfrm>
+      </p:grpSpPr>
+      <p:sp>
+        <p:nvSpPr>
+          <p:cNvPr id="2" name="Title 1">
+            <a:extLst>
+              <a:ext uri="{FF2B5EF4-FFF2-40B4-BE49-F238E27FC236}">
+                <a16:creationId xmlns:a16="http://schemas.microsoft.com/office/drawing/2014/main" id="{C7B81277-45DF-1F9A-27FA-652910DDDB5D}"/>
+              </a:ext>
+            </a:extLst>
+          </p:cNvPr>
+          <p:cNvSpPr>
+            <a:spLocks noGrp="1"/>
+          </p:cNvSpPr>
+          <p:nvPr>
+            <p:ph type="title"/>
+          </p:nvPr>
+        </p:nvSpPr>
+        <p:spPr/>
+        <p:txBody>
+          <a:bodyPr/>
+          <a:lstStyle/>
+          <a:p>
+            <a:r>
+              <a:rPr lang="en-US" dirty="0"/>
+              <a:t>Some Examples</a:t>
+            </a:r>
+          </a:p>
+        </p:txBody>
+      </p:sp>
+      <p:cxnSp>
+        <p:nvCxnSpPr>
+          <p:cNvPr id="10" name="Straight Connector 9" descr="Horizontal row divider">
+            <a:extLst>
+              <a:ext uri="{FF2B5EF4-FFF2-40B4-BE49-F238E27FC236}">
+                <a16:creationId xmlns:a16="http://schemas.microsoft.com/office/drawing/2014/main" id="{CCE203C4-A396-847D-85F7-E175346D15C1}"/>
+              </a:ext>
+            </a:extLst>
+          </p:cNvPr>
+          <p:cNvCxnSpPr/>
+          <p:nvPr/>
+        </p:nvCxnSpPr>
+        <p:spPr bwMode="auto">
+          <a:xfrm>
+            <a:off x="568325" y="6096000"/>
+            <a:ext cx="23244175" cy="0"/>
+          </a:xfrm>
+          <a:prstGeom prst="line">
+            <a:avLst/>
+          </a:prstGeom>
+          <a:ln w="12700">
+            <a:solidFill>
+              <a:schemeClr val="tx1"/>
+            </a:solidFill>
+            <a:headEnd type="none" w="med" len="med"/>
+            <a:tailEnd type="none" w="med" len="med"/>
+          </a:ln>
+          <a:effectLst/>
+        </p:spPr>
+        <p:style>
+          <a:lnRef idx="1">
+            <a:schemeClr val="dk1"/>
+          </a:lnRef>
+          <a:fillRef idx="0">
+            <a:schemeClr val="dk1"/>
+          </a:fillRef>
+          <a:effectRef idx="0">
+            <a:schemeClr val="dk1"/>
+          </a:effectRef>
+          <a:fontRef idx="minor">
+            <a:schemeClr val="tx1"/>
+          </a:fontRef>
+        </p:style>
+      </p:cxnSp>
+      <p:sp>
+        <p:nvSpPr>
+          <p:cNvPr id="3" name="Text Placeholder 2">
+            <a:extLst>
+              <a:ext uri="{FF2B5EF4-FFF2-40B4-BE49-F238E27FC236}">
+                <a16:creationId xmlns:a16="http://schemas.microsoft.com/office/drawing/2014/main" id="{E0E81317-550A-1FD1-4E5E-363882A5B82F}"/>
+              </a:ext>
+            </a:extLst>
+          </p:cNvPr>
+          <p:cNvSpPr>
+            <a:spLocks noGrp="1"/>
+          </p:cNvSpPr>
+          <p:nvPr>
+            <p:ph type="body" sz="quarter" idx="11"/>
+          </p:nvPr>
+        </p:nvSpPr>
+        <p:spPr/>
+        <p:txBody>
+          <a:bodyPr/>
+          <a:lstStyle/>
+          <a:p>
+            <a:r>
+              <a:rPr lang="en-US" sz="6400" dirty="0">
+                <a:solidFill>
+                  <a:srgbClr val="EE5396"/>
+                </a:solidFill>
+              </a:rPr>
+              <a:t>1</a:t>
+            </a:r>
+          </a:p>
+          <a:p>
+            <a:br>
+              <a:rPr lang="en-US" dirty="0"/>
+            </a:br>
+            <a:r>
+              <a:rPr lang="en-US" b="1" dirty="0"/>
+              <a:t>Combine addons </a:t>
+            </a:r>
+            <a:r>
+              <a:rPr lang="en-US" dirty="0"/>
+              <a:t>to build an algorithm – as in the graphic above for a Hamiltonian simulation.  The addons used are: MPF (multi-product formulas), AQC-Tensor, OBP, Circuit cutting, SQD, and M3.   </a:t>
+            </a:r>
+          </a:p>
+        </p:txBody>
+      </p:sp>
+      <p:cxnSp>
+        <p:nvCxnSpPr>
+          <p:cNvPr id="11" name="Straight Connector 10" descr="Vertical column divider">
+            <a:extLst>
+              <a:ext uri="{FF2B5EF4-FFF2-40B4-BE49-F238E27FC236}">
+                <a16:creationId xmlns:a16="http://schemas.microsoft.com/office/drawing/2014/main" id="{13334203-BD1F-9395-919D-2DBD43E1FEA1}"/>
+              </a:ext>
+            </a:extLst>
+          </p:cNvPr>
+          <p:cNvCxnSpPr>
+            <a:cxnSpLocks/>
+          </p:cNvCxnSpPr>
+          <p:nvPr/>
+        </p:nvCxnSpPr>
+        <p:spPr bwMode="auto">
+          <a:xfrm>
+            <a:off x="6096000" y="6096000"/>
+            <a:ext cx="0" cy="5870448"/>
+          </a:xfrm>
+          <a:prstGeom prst="line">
+            <a:avLst/>
+          </a:prstGeom>
+          <a:ln w="12700">
+            <a:solidFill>
+              <a:schemeClr val="tx1"/>
+            </a:solidFill>
+            <a:headEnd type="none" w="med" len="med"/>
+            <a:tailEnd type="none" w="med" len="med"/>
+          </a:ln>
+          <a:effectLst/>
+        </p:spPr>
+        <p:style>
+          <a:lnRef idx="1">
+            <a:schemeClr val="dk1"/>
+          </a:lnRef>
+          <a:fillRef idx="0">
+            <a:schemeClr val="dk1"/>
+          </a:fillRef>
+          <a:effectRef idx="0">
+            <a:schemeClr val="dk1"/>
+          </a:effectRef>
+          <a:fontRef idx="minor">
+            <a:schemeClr val="tx1"/>
+          </a:fontRef>
+        </p:style>
+      </p:cxnSp>
+      <p:sp>
+        <p:nvSpPr>
+          <p:cNvPr id="4" name="Text Placeholder 3">
+            <a:extLst>
+              <a:ext uri="{FF2B5EF4-FFF2-40B4-BE49-F238E27FC236}">
+                <a16:creationId xmlns:a16="http://schemas.microsoft.com/office/drawing/2014/main" id="{A1C0FD74-9CFC-6733-06FF-6B55822AFE8B}"/>
+              </a:ext>
+            </a:extLst>
+          </p:cNvPr>
+          <p:cNvSpPr>
+            <a:spLocks noGrp="1"/>
+          </p:cNvSpPr>
+          <p:nvPr>
+            <p:ph type="body" sz="quarter" idx="12"/>
+          </p:nvPr>
+        </p:nvSpPr>
+        <p:spPr/>
+        <p:txBody>
+          <a:bodyPr/>
+          <a:lstStyle/>
+          <a:p>
+            <a:r>
+              <a:rPr lang="en-US" sz="6400" dirty="0">
+                <a:solidFill>
+                  <a:srgbClr val="EE5396"/>
+                </a:solidFill>
+              </a:rPr>
+              <a:t>2</a:t>
+            </a:r>
+          </a:p>
+          <a:p>
+            <a:br>
+              <a:rPr lang="en-US" dirty="0"/>
+            </a:br>
+            <a:r>
+              <a:rPr lang="en-US" b="1" dirty="0"/>
+              <a:t>Create your own addon</a:t>
+            </a:r>
+            <a:r>
+              <a:rPr lang="en-US" dirty="0"/>
+              <a:t>. One example, could be an addon for loading classical data into the quantum computer. </a:t>
+            </a:r>
+          </a:p>
+        </p:txBody>
+      </p:sp>
+      <p:cxnSp>
+        <p:nvCxnSpPr>
+          <p:cNvPr id="12" name="Straight Connector 11" descr="Vertical column divider">
+            <a:extLst>
+              <a:ext uri="{FF2B5EF4-FFF2-40B4-BE49-F238E27FC236}">
+                <a16:creationId xmlns:a16="http://schemas.microsoft.com/office/drawing/2014/main" id="{FA0A5FFD-369C-0C3E-E134-7A32E77E432C}"/>
+              </a:ext>
+            </a:extLst>
+          </p:cNvPr>
+          <p:cNvCxnSpPr>
+            <a:cxnSpLocks/>
+          </p:cNvCxnSpPr>
+          <p:nvPr/>
+        </p:nvCxnSpPr>
+        <p:spPr bwMode="auto">
+          <a:xfrm>
+            <a:off x="12188952" y="6099048"/>
+            <a:ext cx="0" cy="5890632"/>
+          </a:xfrm>
+          <a:prstGeom prst="line">
+            <a:avLst/>
+          </a:prstGeom>
+          <a:ln w="12700">
+            <a:solidFill>
+              <a:schemeClr val="tx1"/>
+            </a:solidFill>
+            <a:headEnd type="none" w="med" len="med"/>
+            <a:tailEnd type="none" w="med" len="med"/>
+          </a:ln>
+          <a:effectLst/>
+        </p:spPr>
+        <p:style>
+          <a:lnRef idx="1">
+            <a:schemeClr val="dk1"/>
+          </a:lnRef>
+          <a:fillRef idx="0">
+            <a:schemeClr val="dk1"/>
+          </a:fillRef>
+          <a:effectRef idx="0">
+            <a:schemeClr val="dk1"/>
+          </a:effectRef>
+          <a:fontRef idx="minor">
+            <a:schemeClr val="tx1"/>
+          </a:fontRef>
+        </p:style>
+      </p:cxnSp>
+      <p:sp>
+        <p:nvSpPr>
+          <p:cNvPr id="5" name="Text Placeholder 4">
+            <a:extLst>
+              <a:ext uri="{FF2B5EF4-FFF2-40B4-BE49-F238E27FC236}">
+                <a16:creationId xmlns:a16="http://schemas.microsoft.com/office/drawing/2014/main" id="{63183290-50D5-0993-DB9B-0CD104177415}"/>
+              </a:ext>
+            </a:extLst>
+          </p:cNvPr>
+          <p:cNvSpPr>
+            <a:spLocks noGrp="1"/>
+          </p:cNvSpPr>
+          <p:nvPr>
+            <p:ph type="body" sz="quarter" idx="13"/>
+          </p:nvPr>
+        </p:nvSpPr>
+        <p:spPr>
+          <a:xfrm>
+            <a:off x="12767760" y="6667501"/>
+            <a:ext cx="4949825" cy="6515099"/>
+          </a:xfrm>
+        </p:spPr>
+        <p:txBody>
+          <a:bodyPr/>
+          <a:lstStyle/>
+          <a:p>
+            <a:r>
+              <a:rPr lang="en-US" sz="6400" dirty="0">
+                <a:solidFill>
+                  <a:srgbClr val="EE5396"/>
+                </a:solidFill>
+              </a:rPr>
+              <a:t>3</a:t>
+            </a:r>
+          </a:p>
+          <a:p>
+            <a:br>
+              <a:rPr lang="en-US" dirty="0"/>
+            </a:br>
+            <a:r>
+              <a:rPr lang="en-US" b="1" dirty="0"/>
+              <a:t>Create a game</a:t>
+            </a:r>
+            <a:r>
+              <a:rPr lang="en-US" dirty="0"/>
+              <a:t>.  </a:t>
+            </a:r>
+          </a:p>
+          <a:p>
+            <a:endParaRPr lang="en-US" dirty="0"/>
+          </a:p>
+          <a:p>
+            <a:r>
+              <a:rPr lang="en-US" dirty="0"/>
+              <a:t>Examples: </a:t>
+            </a:r>
+          </a:p>
+          <a:p>
+            <a:pPr marL="457200" indent="-457200">
+              <a:buFontTx/>
+              <a:buChar char="-"/>
+            </a:pPr>
+            <a:r>
+              <a:rPr lang="en-US" i="1" dirty="0" err="1"/>
+              <a:t>Qpong</a:t>
+            </a:r>
+            <a:r>
+              <a:rPr lang="en-US" dirty="0"/>
+              <a:t>, https://kirais.itch.io/qpong</a:t>
+            </a:r>
+          </a:p>
+          <a:p>
+            <a:pPr marL="457200" indent="-457200">
+              <a:buFontTx/>
+              <a:buChar char="-"/>
+            </a:pPr>
+            <a:r>
+              <a:rPr lang="en-US" i="1" dirty="0"/>
+              <a:t>DOOM</a:t>
+            </a:r>
+            <a:r>
+              <a:rPr lang="en-US" dirty="0"/>
+              <a:t>, https://github.com/Lumorti/Quandoom</a:t>
+            </a:r>
+          </a:p>
+        </p:txBody>
+      </p:sp>
+      <p:cxnSp>
+        <p:nvCxnSpPr>
+          <p:cNvPr id="13" name="Straight Connector 12" descr="Vertical column divider">
+            <a:extLst>
+              <a:ext uri="{FF2B5EF4-FFF2-40B4-BE49-F238E27FC236}">
+                <a16:creationId xmlns:a16="http://schemas.microsoft.com/office/drawing/2014/main" id="{BF360D5C-3759-AB76-5F20-0EBD0269677D}"/>
+              </a:ext>
+            </a:extLst>
+          </p:cNvPr>
+          <p:cNvCxnSpPr>
+            <a:cxnSpLocks/>
+          </p:cNvCxnSpPr>
+          <p:nvPr/>
+        </p:nvCxnSpPr>
+        <p:spPr bwMode="auto">
+          <a:xfrm>
+            <a:off x="18288000" y="6096000"/>
+            <a:ext cx="0" cy="5868329"/>
+          </a:xfrm>
+          <a:prstGeom prst="line">
+            <a:avLst/>
+          </a:prstGeom>
+          <a:ln w="12700">
+            <a:solidFill>
+              <a:schemeClr val="tx1"/>
+            </a:solidFill>
+            <a:headEnd type="none" w="med" len="med"/>
+            <a:tailEnd type="none" w="med" len="med"/>
+          </a:ln>
+          <a:effectLst/>
+        </p:spPr>
+        <p:style>
+          <a:lnRef idx="1">
+            <a:schemeClr val="dk1"/>
+          </a:lnRef>
+          <a:fillRef idx="0">
+            <a:schemeClr val="dk1"/>
+          </a:fillRef>
+          <a:effectRef idx="0">
+            <a:schemeClr val="dk1"/>
+          </a:effectRef>
+          <a:fontRef idx="minor">
+            <a:schemeClr val="tx1"/>
+          </a:fontRef>
+        </p:style>
+      </p:cxnSp>
+      <p:sp>
+        <p:nvSpPr>
+          <p:cNvPr id="6" name="Text Placeholder 5">
+            <a:extLst>
+              <a:ext uri="{FF2B5EF4-FFF2-40B4-BE49-F238E27FC236}">
+                <a16:creationId xmlns:a16="http://schemas.microsoft.com/office/drawing/2014/main" id="{8053811C-5E13-5DAA-FA7A-846139EF8D00}"/>
+              </a:ext>
+            </a:extLst>
+          </p:cNvPr>
+          <p:cNvSpPr>
+            <a:spLocks noGrp="1"/>
+          </p:cNvSpPr>
+          <p:nvPr>
+            <p:ph type="body" sz="quarter" idx="14"/>
+          </p:nvPr>
+        </p:nvSpPr>
+        <p:spPr/>
+        <p:txBody>
+          <a:bodyPr/>
+          <a:lstStyle/>
+          <a:p>
+            <a:r>
+              <a:rPr lang="en-US" sz="6400" dirty="0">
+                <a:solidFill>
+                  <a:srgbClr val="EE5396"/>
+                </a:solidFill>
+              </a:rPr>
+              <a:t>4</a:t>
+            </a:r>
+          </a:p>
+          <a:p>
+            <a:br>
+              <a:rPr lang="en-US" dirty="0"/>
+            </a:br>
+            <a:r>
+              <a:rPr lang="en-US" b="1" dirty="0"/>
+              <a:t>Use the QAOA </a:t>
+            </a:r>
+            <a:r>
+              <a:rPr lang="en-US" dirty="0"/>
+              <a:t>algorithm to solve an optimization problem.</a:t>
+            </a:r>
+          </a:p>
+        </p:txBody>
+      </p:sp>
+      <p:sp>
+        <p:nvSpPr>
+          <p:cNvPr id="7" name="Footer Placeholder 6">
+            <a:extLst>
+              <a:ext uri="{FF2B5EF4-FFF2-40B4-BE49-F238E27FC236}">
+                <a16:creationId xmlns:a16="http://schemas.microsoft.com/office/drawing/2014/main" id="{D8F106C5-E19F-5553-86AA-A263A4133FE4}"/>
+              </a:ext>
+            </a:extLst>
+          </p:cNvPr>
+          <p:cNvSpPr>
+            <a:spLocks noGrp="1"/>
+          </p:cNvSpPr>
+          <p:nvPr>
+            <p:ph type="ftr" sz="quarter" idx="15"/>
+          </p:nvPr>
+        </p:nvSpPr>
+        <p:spPr>
+          <a:xfrm>
+            <a:off x="576072" y="12801600"/>
+            <a:ext cx="4956176" cy="381000"/>
+          </a:xfrm>
+        </p:spPr>
+        <p:txBody>
+          <a:bodyPr/>
+          <a:lstStyle/>
+          <a:p>
+            <a:r>
+              <a:rPr lang="en-US"/>
+              <a:t>Qiskit Fall Fest 2025</a:t>
+            </a:r>
+            <a:endParaRPr lang="en-US" dirty="0"/>
+          </a:p>
+        </p:txBody>
+      </p:sp>
+      <p:pic>
+        <p:nvPicPr>
+          <p:cNvPr id="14" name="Picture 13">
+            <a:extLst>
+              <a:ext uri="{FF2B5EF4-FFF2-40B4-BE49-F238E27FC236}">
+                <a16:creationId xmlns:a16="http://schemas.microsoft.com/office/drawing/2014/main" id="{C6DC7EBA-CA91-586A-E4DD-B039AAD512F5}"/>
+              </a:ext>
+            </a:extLst>
+          </p:cNvPr>
+          <p:cNvPicPr>
+            <a:picLocks noChangeAspect="1"/>
+          </p:cNvPicPr>
+          <p:nvPr/>
+        </p:nvPicPr>
+        <p:blipFill>
+          <a:blip r:embed="rId2">
+            <a:extLst>
+              <a:ext uri="{96DAC541-7B7A-43D3-8B79-37D633B846F1}">
+                <asvg:svgBlip xmlns:asvg="http://schemas.microsoft.com/office/drawing/2016/SVG/main" r:embed="rId3"/>
+              </a:ext>
+            </a:extLst>
+          </a:blip>
+          <a:srcRect/>
+          <a:stretch/>
+        </p:blipFill>
+        <p:spPr>
+          <a:xfrm>
+            <a:off x="21912263" y="532124"/>
+            <a:ext cx="1892300" cy="1892300"/>
+          </a:xfrm>
+          <a:prstGeom prst="rect">
+            <a:avLst/>
+          </a:prstGeom>
+        </p:spPr>
+      </p:pic>
+      <p:pic>
+        <p:nvPicPr>
+          <p:cNvPr id="9" name="Picture 8" descr="A screenshot of a computer&#10;&#10;AI-generated content may be incorrect.">
+            <a:extLst>
+              <a:ext uri="{FF2B5EF4-FFF2-40B4-BE49-F238E27FC236}">
+                <a16:creationId xmlns:a16="http://schemas.microsoft.com/office/drawing/2014/main" id="{CB3A9971-9917-EA14-6FC7-C5030FC1359E}"/>
+              </a:ext>
+            </a:extLst>
+          </p:cNvPr>
+          <p:cNvPicPr>
+            <a:picLocks noChangeAspect="1"/>
+          </p:cNvPicPr>
+          <p:nvPr/>
+        </p:nvPicPr>
+        <p:blipFill>
+          <a:blip r:embed="rId4"/>
+          <a:stretch>
+            <a:fillRect/>
+          </a:stretch>
+        </p:blipFill>
+        <p:spPr>
+          <a:xfrm>
+            <a:off x="8282973" y="643884"/>
+            <a:ext cx="10576527" cy="4743882"/>
+          </a:xfrm>
+          <a:prstGeom prst="rect">
+            <a:avLst/>
+          </a:prstGeom>
+        </p:spPr>
+      </p:pic>
+      <p:sp>
+        <p:nvSpPr>
+          <p:cNvPr id="15" name="TextBox 14">
+            <a:extLst>
+              <a:ext uri="{FF2B5EF4-FFF2-40B4-BE49-F238E27FC236}">
+                <a16:creationId xmlns:a16="http://schemas.microsoft.com/office/drawing/2014/main" id="{F11FEC8F-24B8-8925-83AA-763B3B16F490}"/>
+              </a:ext>
+            </a:extLst>
+          </p:cNvPr>
+          <p:cNvSpPr txBox="1"/>
+          <p:nvPr/>
+        </p:nvSpPr>
+        <p:spPr>
+          <a:xfrm>
+            <a:off x="1849120" y="2621280"/>
+            <a:ext cx="4419600" cy="2489200"/>
+          </a:xfrm>
+          <a:prstGeom prst="rect">
+            <a:avLst/>
+          </a:prstGeom>
+          <a:ln w="12700">
+            <a:miter lim="400000"/>
+          </a:ln>
+          <a:extLst>
+            <a:ext uri="{C572A759-6A51-4108-AA02-DFA0A04FC94B}">
+              <ma14:wrappingTextBoxFlag xmlns="" xmlns:m="http://schemas.openxmlformats.org/officeDocument/2006/math" xmlns:a14="http://schemas.microsoft.com/office/drawing/2010/main" xmlns:ma14="http://schemas.microsoft.com/office/mac/drawingml/2011/main" val="1"/>
+            </a:ext>
+          </a:extLst>
+        </p:spPr>
+        <p:txBody>
+          <a:bodyPr wrap="none" lIns="0" tIns="0" rIns="0" bIns="0" rtlCol="0">
+            <a:noAutofit/>
+          </a:bodyPr>
+          <a:lstStyle/>
+          <a:p>
+            <a:pPr marL="444465" indent="-446749" algn="l" defTabSz="2438400">
+              <a:spcBef>
+                <a:spcPts val="2900"/>
+              </a:spcBef>
+              <a:buSzPct val="100000"/>
+              <a:buFontTx/>
+              <a:buChar char="–"/>
+            </a:pPr>
+            <a:endParaRPr lang="en-US" kern="0" dirty="0">
+              <a:solidFill>
+                <a:srgbClr val="000000"/>
+              </a:solidFill>
+              <a:ea typeface="+mj-ea"/>
+              <a:cs typeface="+mj-cs"/>
+              <a:sym typeface="IBM Plex Sans Light"/>
+            </a:endParaRPr>
+          </a:p>
+        </p:txBody>
+      </p:sp>
+      <p:sp>
+        <p:nvSpPr>
+          <p:cNvPr id="16" name="TextBox 15">
+            <a:extLst>
+              <a:ext uri="{FF2B5EF4-FFF2-40B4-BE49-F238E27FC236}">
+                <a16:creationId xmlns:a16="http://schemas.microsoft.com/office/drawing/2014/main" id="{BD0B924E-D0F1-41CA-E494-3DF0F24B0B36}"/>
+              </a:ext>
+            </a:extLst>
+          </p:cNvPr>
+          <p:cNvSpPr txBox="1"/>
+          <p:nvPr/>
+        </p:nvSpPr>
+        <p:spPr>
+          <a:xfrm>
+            <a:off x="583751" y="2113280"/>
+            <a:ext cx="6085840" cy="2854515"/>
+          </a:xfrm>
+          <a:prstGeom prst="rect">
+            <a:avLst/>
+          </a:prstGeom>
+          <a:ln w="12700">
+            <a:miter lim="400000"/>
+          </a:ln>
+          <a:extLst>
+            <a:ext uri="{C572A759-6A51-4108-AA02-DFA0A04FC94B}">
+              <ma14:wrappingTextBoxFlag xmlns="" xmlns:m="http://schemas.openxmlformats.org/officeDocument/2006/math" xmlns:a14="http://schemas.microsoft.com/office/drawing/2010/main" xmlns:ma14="http://schemas.microsoft.com/office/mac/drawingml/2011/main" val="1"/>
+            </a:ext>
+          </a:extLst>
+        </p:spPr>
+        <p:txBody>
+          <a:bodyPr wrap="square" lIns="0" tIns="0" rIns="0" bIns="0" rtlCol="0">
+            <a:noAutofit/>
+          </a:bodyPr>
+          <a:lstStyle/>
+          <a:p>
+            <a:pPr algn="l" defTabSz="2438400">
+              <a:spcBef>
+                <a:spcPts val="2900"/>
+              </a:spcBef>
+              <a:buSzPct val="100000"/>
+            </a:pPr>
+            <a:r>
+              <a:rPr lang="en-US" kern="0" dirty="0" err="1">
+                <a:solidFill>
+                  <a:srgbClr val="000000"/>
+                </a:solidFill>
+                <a:ea typeface="+mj-ea"/>
+                <a:cs typeface="+mj-cs"/>
+                <a:sym typeface="IBM Plex Sans Light"/>
+              </a:rPr>
+              <a:t>Qiskit</a:t>
+            </a:r>
+            <a:r>
+              <a:rPr lang="en-US" kern="0" dirty="0">
+                <a:solidFill>
+                  <a:srgbClr val="000000"/>
+                </a:solidFill>
+                <a:ea typeface="+mj-ea"/>
+                <a:cs typeface="+mj-cs"/>
+                <a:sym typeface="IBM Plex Sans Light"/>
+              </a:rPr>
+              <a:t> Tutorials</a:t>
+            </a:r>
+          </a:p>
+          <a:p>
+            <a:pPr defTabSz="2438400">
+              <a:spcBef>
+                <a:spcPts val="2900"/>
+              </a:spcBef>
+              <a:buSzPct val="100000"/>
+            </a:pPr>
+            <a:r>
+              <a:rPr lang="en-US" kern="0" dirty="0">
+                <a:solidFill>
+                  <a:srgbClr val="000000"/>
+                </a:solidFill>
+                <a:ea typeface="+mj-ea"/>
+                <a:cs typeface="+mj-cs"/>
+                <a:sym typeface="IBM Plex Sans Light"/>
+              </a:rPr>
+              <a:t>https://quantum.cloud.ibm.com/docs/en/tutorials</a:t>
+            </a:r>
+          </a:p>
+        </p:txBody>
+      </p:sp>
+      <p:pic>
+        <p:nvPicPr>
+          <p:cNvPr id="17" name="Graphic 16">
+            <a:extLst>
+              <a:ext uri="{FF2B5EF4-FFF2-40B4-BE49-F238E27FC236}">
+                <a16:creationId xmlns:a16="http://schemas.microsoft.com/office/drawing/2014/main" id="{EB78EAF6-E356-48DF-F35C-4845E4DA2696}"/>
+              </a:ext>
+            </a:extLst>
+          </p:cNvPr>
+          <p:cNvPicPr>
+            <a:picLocks noChangeAspect="1"/>
+          </p:cNvPicPr>
+          <p:nvPr/>
+        </p:nvPicPr>
+        <p:blipFill>
+          <a:blip r:embed="rId5">
+            <a:extLst>
+              <a:ext uri="{96DAC541-7B7A-43D3-8B79-37D633B846F1}">
+                <asvg:svgBlip xmlns:asvg="http://schemas.microsoft.com/office/drawing/2016/SVG/main" r:embed="rId6"/>
+              </a:ext>
+            </a:extLst>
+          </a:blip>
+          <a:stretch>
+            <a:fillRect/>
+          </a:stretch>
+        </p:blipFill>
+        <p:spPr>
+          <a:xfrm>
+            <a:off x="8637675" y="4510271"/>
+            <a:ext cx="1689195" cy="662429"/>
+          </a:xfrm>
+          <a:prstGeom prst="rect">
+            <a:avLst/>
+          </a:prstGeom>
+        </p:spPr>
+      </p:pic>
+    </p:spTree>
+    <p:extLst>
+      <p:ext uri="{BB962C8B-B14F-4D97-AF65-F5344CB8AC3E}">
+        <p14:creationId xmlns:p14="http://schemas.microsoft.com/office/powerpoint/2010/main" val="1696501437"/>
+      </p:ext>
+    </p:extLst>
+  </p:cSld>
+  <p:clrMapOvr>
+    <a:masterClrMapping/>
+  </p:clrMapOvr>
+  <p:transition spd="med"/>
+</p:sld>
+</file>
+
+<file path=ppt/slides/slide11.xml><?xml version="1.0" encoding="utf-8"?>
+<p:sld xmlns:a="http://schemas.openxmlformats.org/drawingml/2006/main" xmlns:r="http://schemas.openxmlformats.org/officeDocument/2006/relationships" xmlns:p="http://schemas.openxmlformats.org/presentationml/2006/main">
+  <p:cSld>
+    <p:spTree>
+      <p:nvGrpSpPr>
+        <p:cNvPr id="1" name="">
+          <a:extLst>
+            <a:ext uri="{FF2B5EF4-FFF2-40B4-BE49-F238E27FC236}">
+              <a16:creationId xmlns:a16="http://schemas.microsoft.com/office/drawing/2014/main" id="{E4CA067A-5A35-64F6-BF86-3A34828DDC48}"/>
+            </a:ext>
+          </a:extLst>
+        </p:cNvPr>
+        <p:cNvGrpSpPr/>
+        <p:nvPr/>
+      </p:nvGrpSpPr>
+      <p:grpSpPr>
+        <a:xfrm>
+          <a:off x="0" y="0"/>
+          <a:ext cx="0" cy="0"/>
+          <a:chOff x="0" y="0"/>
+          <a:chExt cx="0" cy="0"/>
+        </a:xfrm>
+      </p:grpSpPr>
+      <p:sp>
+        <p:nvSpPr>
+          <p:cNvPr id="3" name="Footer Placeholder 2">
+            <a:extLst>
+              <a:ext uri="{FF2B5EF4-FFF2-40B4-BE49-F238E27FC236}">
+                <a16:creationId xmlns:a16="http://schemas.microsoft.com/office/drawing/2014/main" id="{97EB65A2-FFFE-E2A3-2072-5CCE9821B76C}"/>
+              </a:ext>
+            </a:extLst>
+          </p:cNvPr>
+          <p:cNvSpPr>
+            <a:spLocks noGrp="1"/>
+          </p:cNvSpPr>
+          <p:nvPr>
+            <p:ph type="ftr" sz="quarter" idx="18"/>
+          </p:nvPr>
+        </p:nvSpPr>
+        <p:spPr/>
+        <p:txBody>
+          <a:bodyPr/>
+          <a:lstStyle/>
+          <a:p>
+            <a:r>
+              <a:rPr lang="en-US"/>
+              <a:t>Qiskit Fall Fest 2025</a:t>
+            </a:r>
+            <a:endParaRPr lang="en-US" dirty="0"/>
+          </a:p>
+        </p:txBody>
+      </p:sp>
+      <p:sp>
+        <p:nvSpPr>
+          <p:cNvPr id="4" name="Slide Number Placeholder 3">
+            <a:extLst>
+              <a:ext uri="{FF2B5EF4-FFF2-40B4-BE49-F238E27FC236}">
+                <a16:creationId xmlns:a16="http://schemas.microsoft.com/office/drawing/2014/main" id="{13FD00C4-31EE-F356-1B18-F366B6058693}"/>
+              </a:ext>
+            </a:extLst>
+          </p:cNvPr>
+          <p:cNvSpPr>
+            <a:spLocks noGrp="1"/>
+          </p:cNvSpPr>
+          <p:nvPr>
+            <p:ph type="sldNum" sz="quarter" idx="4"/>
+          </p:nvPr>
+        </p:nvSpPr>
+        <p:spPr/>
+        <p:txBody>
+          <a:bodyPr/>
+          <a:lstStyle/>
+          <a:p>
+            <a:fld id="{86CB4B4D-7CA3-9044-876B-883B54F8677D}" type="slidenum">
+              <a:rPr lang="en-US" smtClean="0"/>
+              <a:pPr/>
+              <a:t>11</a:t>
+            </a:fld>
+            <a:endParaRPr lang="en-US"/>
+          </a:p>
+        </p:txBody>
+      </p:sp>
+      <p:sp>
+        <p:nvSpPr>
+          <p:cNvPr id="5" name="Text Placeholder 4">
+            <a:extLst>
+              <a:ext uri="{FF2B5EF4-FFF2-40B4-BE49-F238E27FC236}">
+                <a16:creationId xmlns:a16="http://schemas.microsoft.com/office/drawing/2014/main" id="{4DBACA7B-8716-5209-010D-ACFE61039E60}"/>
+              </a:ext>
+            </a:extLst>
+          </p:cNvPr>
+          <p:cNvSpPr txBox="1">
+            <a:spLocks/>
+          </p:cNvSpPr>
+          <p:nvPr/>
+        </p:nvSpPr>
+        <p:spPr>
+          <a:xfrm>
+            <a:off x="576072" y="576072"/>
+            <a:ext cx="10099675" cy="571500"/>
+          </a:xfrm>
+          <a:prstGeom prst="rect">
+            <a:avLst/>
+          </a:prstGeom>
+        </p:spPr>
+        <p:txBody>
+          <a:bodyPr/>
+          <a:lstStyle>
+            <a:lvl1pPr marL="0" marR="0" indent="0" algn="l" defTabSz="2438400" rtl="0" eaLnBrk="1" latinLnBrk="0" hangingPunct="1">
+              <a:lnSpc>
+                <a:spcPct val="110000"/>
+              </a:lnSpc>
+              <a:spcBef>
+                <a:spcPts val="0"/>
+              </a:spcBef>
+              <a:spcAft>
+                <a:spcPts val="0"/>
+              </a:spcAft>
+              <a:buClrTx/>
+              <a:buSzTx/>
+              <a:buFontTx/>
+              <a:buNone/>
+              <a:tabLst/>
+              <a:defRPr sz="3600" b="0" i="0" u="none" strike="noStrike" cap="none" spc="0" baseline="0">
+                <a:solidFill>
+                  <a:schemeClr val="tx1"/>
+                </a:solidFill>
+                <a:uFillTx/>
+                <a:latin typeface="+mj-lt"/>
+                <a:ea typeface="+mj-ea"/>
+                <a:cs typeface="+mj-cs"/>
+                <a:sym typeface="IBM Plex Sans Light"/>
+              </a:defRPr>
+            </a:lvl1pPr>
+            <a:lvl2pPr marL="329184" marR="0" indent="-329184" algn="l" defTabSz="2438400" rtl="0" eaLnBrk="1" latinLnBrk="0" hangingPunct="1">
+              <a:lnSpc>
+                <a:spcPct val="110000"/>
+              </a:lnSpc>
+              <a:spcBef>
+                <a:spcPts val="0"/>
+              </a:spcBef>
+              <a:spcAft>
+                <a:spcPts val="0"/>
+              </a:spcAft>
+              <a:buClrTx/>
+              <a:buSzPct val="100000"/>
+              <a:buFontTx/>
+              <a:buChar char="–"/>
+              <a:tabLst/>
+              <a:defRPr sz="3600" b="0" i="0" u="none" strike="noStrike" cap="none" spc="0" baseline="0">
+                <a:solidFill>
+                  <a:schemeClr val="tx1"/>
+                </a:solidFill>
+                <a:uFillTx/>
+                <a:latin typeface="+mj-lt"/>
+                <a:ea typeface="+mj-ea"/>
+                <a:cs typeface="+mj-cs"/>
+                <a:sym typeface="IBM Plex Sans Light"/>
+              </a:defRPr>
+            </a:lvl2pPr>
+            <a:lvl3pPr marL="658368" marR="0" indent="-329184" algn="l" defTabSz="2438400" rtl="0" eaLnBrk="1" latinLnBrk="0" hangingPunct="1">
+              <a:lnSpc>
+                <a:spcPct val="110000"/>
+              </a:lnSpc>
+              <a:spcBef>
+                <a:spcPts val="0"/>
+              </a:spcBef>
+              <a:spcAft>
+                <a:spcPts val="0"/>
+              </a:spcAft>
+              <a:buClrTx/>
+              <a:buSzPct val="100000"/>
+              <a:buFontTx/>
+              <a:buChar char="•"/>
+              <a:tabLst/>
+              <a:defRPr sz="3600" b="0" i="0" u="none" strike="noStrike" cap="none" spc="0" baseline="0">
+                <a:solidFill>
+                  <a:schemeClr val="tx1"/>
+                </a:solidFill>
+                <a:uFillTx/>
+                <a:latin typeface="+mj-lt"/>
+                <a:ea typeface="+mj-ea"/>
+                <a:cs typeface="+mj-cs"/>
+                <a:sym typeface="IBM Plex Sans Light"/>
+              </a:defRPr>
+            </a:lvl3pPr>
+            <a:lvl4pPr marL="987552" marR="0" indent="-329184" algn="l" defTabSz="2438400" rtl="0" eaLnBrk="1" latinLnBrk="0" hangingPunct="1">
+              <a:lnSpc>
+                <a:spcPct val="110000"/>
+              </a:lnSpc>
+              <a:spcBef>
+                <a:spcPts val="0"/>
+              </a:spcBef>
+              <a:spcAft>
+                <a:spcPts val="0"/>
+              </a:spcAft>
+              <a:buClrTx/>
+              <a:buSzPct val="100000"/>
+              <a:buFontTx/>
+              <a:buChar char="–"/>
+              <a:tabLst/>
+              <a:defRPr sz="3600" b="0" i="0" u="none" strike="noStrike" cap="none" spc="0" baseline="0">
+                <a:solidFill>
+                  <a:schemeClr val="tx1"/>
+                </a:solidFill>
+                <a:uFillTx/>
+                <a:latin typeface="+mj-lt"/>
+                <a:ea typeface="+mj-ea"/>
+                <a:cs typeface="+mj-cs"/>
+                <a:sym typeface="IBM Plex Sans Light"/>
+              </a:defRPr>
+            </a:lvl4pPr>
+            <a:lvl5pPr marL="1143000" marR="0" indent="-457200" algn="l" defTabSz="2438400" rtl="0" eaLnBrk="1" latinLnBrk="0" hangingPunct="1">
+              <a:lnSpc>
+                <a:spcPct val="110000"/>
+              </a:lnSpc>
+              <a:spcBef>
+                <a:spcPts val="2900"/>
+              </a:spcBef>
+              <a:spcAft>
+                <a:spcPts val="0"/>
+              </a:spcAft>
+              <a:buClrTx/>
+              <a:buSzPct val="100000"/>
+              <a:buFont typeface="Arial" panose="020B0604020202020204" pitchFamily="34" charset="0"/>
+              <a:buChar char="•"/>
+              <a:tabLst/>
+              <a:defRPr sz="3600" b="0" i="0" u="none" strike="noStrike" cap="none" spc="0" baseline="0">
+                <a:solidFill>
+                  <a:srgbClr val="000000"/>
+                </a:solidFill>
+                <a:uFillTx/>
+                <a:latin typeface="+mj-lt"/>
+                <a:ea typeface="+mj-ea"/>
+                <a:cs typeface="+mj-cs"/>
+                <a:sym typeface="IBM Plex Sans Light"/>
+              </a:defRPr>
+            </a:lvl5pPr>
+            <a:lvl6pPr marL="1843060" marR="0" indent="-389009" algn="l" defTabSz="2438400" rtl="0" eaLnBrk="1" latinLnBrk="0" hangingPunct="1">
+              <a:lnSpc>
+                <a:spcPct val="100000"/>
+              </a:lnSpc>
+              <a:spcBef>
+                <a:spcPts val="2900"/>
+              </a:spcBef>
+              <a:spcAft>
+                <a:spcPts val="0"/>
+              </a:spcAft>
+              <a:buClrTx/>
+              <a:buSzPct val="100000"/>
+              <a:buFontTx/>
+              <a:buChar char="»"/>
+              <a:tabLst/>
+              <a:defRPr sz="3600" b="0" i="0" u="none" strike="noStrike" cap="none" spc="0" baseline="0">
+                <a:solidFill>
+                  <a:srgbClr val="000000"/>
+                </a:solidFill>
+                <a:uFillTx/>
+                <a:latin typeface="+mj-lt"/>
+                <a:ea typeface="+mj-ea"/>
+                <a:cs typeface="+mj-cs"/>
+                <a:sym typeface="IBM Plex Sans Light"/>
+              </a:defRPr>
+            </a:lvl6pPr>
+            <a:lvl7pPr marL="2205631" marR="0" indent="-389009" algn="l" defTabSz="2438400" rtl="0" eaLnBrk="1" latinLnBrk="0" hangingPunct="1">
+              <a:lnSpc>
+                <a:spcPct val="100000"/>
+              </a:lnSpc>
+              <a:spcBef>
+                <a:spcPts val="2900"/>
+              </a:spcBef>
+              <a:spcAft>
+                <a:spcPts val="0"/>
+              </a:spcAft>
+              <a:buClrTx/>
+              <a:buSzPct val="100000"/>
+              <a:buFontTx/>
+              <a:buChar char="»"/>
+              <a:tabLst/>
+              <a:defRPr sz="3600" b="0" i="0" u="none" strike="noStrike" cap="none" spc="0" baseline="0">
+                <a:solidFill>
+                  <a:srgbClr val="000000"/>
+                </a:solidFill>
+                <a:uFillTx/>
+                <a:latin typeface="+mj-lt"/>
+                <a:ea typeface="+mj-ea"/>
+                <a:cs typeface="+mj-cs"/>
+                <a:sym typeface="IBM Plex Sans Light"/>
+              </a:defRPr>
+            </a:lvl7pPr>
+            <a:lvl8pPr marL="2568200" marR="0" indent="-389009" algn="l" defTabSz="2438400" rtl="0" eaLnBrk="1" latinLnBrk="0" hangingPunct="1">
+              <a:lnSpc>
+                <a:spcPct val="100000"/>
+              </a:lnSpc>
+              <a:spcBef>
+                <a:spcPts val="2900"/>
+              </a:spcBef>
+              <a:spcAft>
+                <a:spcPts val="0"/>
+              </a:spcAft>
+              <a:buClrTx/>
+              <a:buSzPct val="100000"/>
+              <a:buFontTx/>
+              <a:buChar char="»"/>
+              <a:tabLst/>
+              <a:defRPr sz="3600" b="0" i="0" u="none" strike="noStrike" cap="none" spc="0" baseline="0">
+                <a:solidFill>
+                  <a:srgbClr val="000000"/>
+                </a:solidFill>
+                <a:uFillTx/>
+                <a:latin typeface="+mj-lt"/>
+                <a:ea typeface="+mj-ea"/>
+                <a:cs typeface="+mj-cs"/>
+                <a:sym typeface="IBM Plex Sans Light"/>
+              </a:defRPr>
+            </a:lvl8pPr>
+            <a:lvl9pPr marL="2930769" marR="0" indent="-389009" algn="l" defTabSz="2438400" rtl="0" eaLnBrk="1" latinLnBrk="0" hangingPunct="1">
+              <a:lnSpc>
+                <a:spcPct val="100000"/>
+              </a:lnSpc>
+              <a:spcBef>
+                <a:spcPts val="2900"/>
+              </a:spcBef>
+              <a:spcAft>
+                <a:spcPts val="0"/>
+              </a:spcAft>
+              <a:buClrTx/>
+              <a:buSzPct val="100000"/>
+              <a:buFontTx/>
+              <a:buChar char="»"/>
+              <a:tabLst/>
+              <a:defRPr sz="3600" b="0" i="0" u="none" strike="noStrike" cap="none" spc="0" baseline="0">
+                <a:solidFill>
+                  <a:srgbClr val="000000"/>
+                </a:solidFill>
+                <a:uFillTx/>
+                <a:latin typeface="+mj-lt"/>
+                <a:ea typeface="+mj-ea"/>
+                <a:cs typeface="+mj-cs"/>
+                <a:sym typeface="IBM Plex Sans Light"/>
+              </a:defRPr>
+            </a:lvl9pPr>
+          </a:lstStyle>
+          <a:p>
+            <a:r>
+              <a:rPr lang="en-US" kern="0">
+                <a:solidFill>
+                  <a:srgbClr val="697077"/>
+                </a:solidFill>
+                <a:latin typeface="IBM Plex Mono" panose="020B0509050203000203" pitchFamily="49" charset="77"/>
+              </a:rPr>
+              <a:t>Qiskit Fall Fest 2025</a:t>
+            </a:r>
+            <a:endParaRPr lang="en-US" kern="0" dirty="0">
+              <a:solidFill>
+                <a:srgbClr val="697077"/>
+              </a:solidFill>
+              <a:latin typeface="IBM Plex Mono" panose="020B0509050203000203" pitchFamily="49" charset="77"/>
+            </a:endParaRPr>
+          </a:p>
+        </p:txBody>
+      </p:sp>
+      <p:pic>
+        <p:nvPicPr>
+          <p:cNvPr id="6" name="Graphic 6">
+            <a:extLst>
+              <a:ext uri="{FF2B5EF4-FFF2-40B4-BE49-F238E27FC236}">
+                <a16:creationId xmlns:a16="http://schemas.microsoft.com/office/drawing/2014/main" id="{DAD296D6-C5A6-8D44-8AF1-1A82C1D89DD0}"/>
+              </a:ext>
+            </a:extLst>
+          </p:cNvPr>
+          <p:cNvPicPr>
+            <a:picLocks noChangeAspect="1"/>
+          </p:cNvPicPr>
+          <p:nvPr/>
+        </p:nvPicPr>
+        <p:blipFill>
+          <a:blip r:embed="rId2"/>
+          <a:srcRect/>
+          <a:stretch/>
+        </p:blipFill>
+        <p:spPr>
+          <a:xfrm>
+            <a:off x="15245135" y="188681"/>
+            <a:ext cx="9142040" cy="13521000"/>
+          </a:xfrm>
+          <a:prstGeom prst="rect">
+            <a:avLst/>
+          </a:prstGeom>
+        </p:spPr>
+      </p:pic>
+      <p:sp>
+        <p:nvSpPr>
+          <p:cNvPr id="10" name="Title 2">
+            <a:extLst>
+              <a:ext uri="{FF2B5EF4-FFF2-40B4-BE49-F238E27FC236}">
+                <a16:creationId xmlns:a16="http://schemas.microsoft.com/office/drawing/2014/main" id="{386695A8-B8CF-613B-3440-95B7EB9FB482}"/>
+              </a:ext>
+            </a:extLst>
+          </p:cNvPr>
+          <p:cNvSpPr>
+            <a:spLocks noGrp="1"/>
+          </p:cNvSpPr>
+          <p:nvPr>
+            <p:ph type="title"/>
+          </p:nvPr>
+        </p:nvSpPr>
+        <p:spPr>
+          <a:xfrm>
+            <a:off x="728472" y="1862328"/>
+            <a:ext cx="10099675" cy="9337675"/>
+          </a:xfrm>
+        </p:spPr>
+        <p:txBody>
+          <a:bodyPr/>
+          <a:lstStyle/>
+          <a:p>
+            <a:r>
+              <a:rPr lang="en-US" sz="8600" dirty="0">
+                <a:solidFill>
+                  <a:schemeClr val="tx1"/>
+                </a:solidFill>
+              </a:rPr>
+              <a:t>Thanks for coming!!</a:t>
+            </a:r>
+            <a:br>
+              <a:rPr lang="en-US" dirty="0">
+                <a:solidFill>
+                  <a:schemeClr val="tx1"/>
+                </a:solidFill>
+                <a:latin typeface="+mj-lt"/>
+              </a:rPr>
+            </a:br>
+            <a:endParaRPr lang="en-US" dirty="0">
+              <a:solidFill>
+                <a:schemeClr val="tx1"/>
+              </a:solidFill>
+            </a:endParaRPr>
+          </a:p>
+        </p:txBody>
+      </p:sp>
+      <p:sp>
+        <p:nvSpPr>
+          <p:cNvPr id="11" name="Text Placeholder 6">
+            <a:extLst>
+              <a:ext uri="{FF2B5EF4-FFF2-40B4-BE49-F238E27FC236}">
+                <a16:creationId xmlns:a16="http://schemas.microsoft.com/office/drawing/2014/main" id="{706D5D30-73A0-97FC-E1B6-6AAB541195CB}"/>
+              </a:ext>
+            </a:extLst>
+          </p:cNvPr>
+          <p:cNvSpPr txBox="1">
+            <a:spLocks/>
+          </p:cNvSpPr>
+          <p:nvPr/>
+        </p:nvSpPr>
+        <p:spPr>
+          <a:xfrm>
+            <a:off x="728472" y="5943600"/>
+            <a:ext cx="7640955" cy="5606716"/>
+          </a:xfrm>
+          <a:prstGeom prst="rect">
+            <a:avLst/>
+          </a:prstGeom>
+        </p:spPr>
+        <p:txBody>
+          <a:bodyPr vert="horz" lIns="0" tIns="0" rIns="0" bIns="0" rtlCol="0" anchor="t"/>
+          <a:lstStyle>
+            <a:defPPr>
+              <a:defRPr lang="en-US"/>
+            </a:defPPr>
+            <a:lvl1pPr marL="0" algn="l" defTabSz="1829379" rtl="0" eaLnBrk="1" latinLnBrk="0" hangingPunct="1">
+              <a:defRPr sz="1600" b="0" i="0" kern="1200">
+                <a:solidFill>
+                  <a:schemeClr val="tx1"/>
+                </a:solidFill>
+                <a:latin typeface="IBM Plex Sans" panose="020B0503050203000203" pitchFamily="34" charset="0"/>
+                <a:ea typeface="+mn-ea"/>
+                <a:cs typeface="+mn-cs"/>
+              </a:defRPr>
+            </a:lvl1pPr>
+            <a:lvl2pPr marL="914688" algn="l" defTabSz="1829379" rtl="0" eaLnBrk="1" latinLnBrk="0" hangingPunct="1">
+              <a:defRPr sz="3600" kern="1200">
+                <a:solidFill>
+                  <a:schemeClr val="tx1"/>
+                </a:solidFill>
+                <a:latin typeface="+mn-lt"/>
+                <a:ea typeface="+mn-ea"/>
+                <a:cs typeface="+mn-cs"/>
+              </a:defRPr>
+            </a:lvl2pPr>
+            <a:lvl3pPr marL="1829379" algn="l" defTabSz="1829379" rtl="0" eaLnBrk="1" latinLnBrk="0" hangingPunct="1">
+              <a:defRPr sz="3600" kern="1200">
+                <a:solidFill>
+                  <a:schemeClr val="tx1"/>
+                </a:solidFill>
+                <a:latin typeface="+mn-lt"/>
+                <a:ea typeface="+mn-ea"/>
+                <a:cs typeface="+mn-cs"/>
+              </a:defRPr>
+            </a:lvl3pPr>
+            <a:lvl4pPr marL="2744068" algn="l" defTabSz="1829379" rtl="0" eaLnBrk="1" latinLnBrk="0" hangingPunct="1">
+              <a:defRPr sz="3600" kern="1200">
+                <a:solidFill>
+                  <a:schemeClr val="tx1"/>
+                </a:solidFill>
+                <a:latin typeface="+mn-lt"/>
+                <a:ea typeface="+mn-ea"/>
+                <a:cs typeface="+mn-cs"/>
+              </a:defRPr>
+            </a:lvl4pPr>
+            <a:lvl5pPr marL="3658759" algn="l" defTabSz="1829379" rtl="0" eaLnBrk="1" latinLnBrk="0" hangingPunct="1">
+              <a:defRPr sz="3600" kern="1200">
+                <a:solidFill>
+                  <a:schemeClr val="tx1"/>
+                </a:solidFill>
+                <a:latin typeface="+mn-lt"/>
+                <a:ea typeface="+mn-ea"/>
+                <a:cs typeface="+mn-cs"/>
+              </a:defRPr>
+            </a:lvl5pPr>
+            <a:lvl6pPr marL="4573447" algn="l" defTabSz="1829379" rtl="0" eaLnBrk="1" latinLnBrk="0" hangingPunct="1">
+              <a:defRPr sz="3600" kern="1200">
+                <a:solidFill>
+                  <a:schemeClr val="tx1"/>
+                </a:solidFill>
+                <a:latin typeface="+mn-lt"/>
+                <a:ea typeface="+mn-ea"/>
+                <a:cs typeface="+mn-cs"/>
+              </a:defRPr>
+            </a:lvl6pPr>
+            <a:lvl7pPr marL="5488138" algn="l" defTabSz="1829379" rtl="0" eaLnBrk="1" latinLnBrk="0" hangingPunct="1">
+              <a:defRPr sz="3600" kern="1200">
+                <a:solidFill>
+                  <a:schemeClr val="tx1"/>
+                </a:solidFill>
+                <a:latin typeface="+mn-lt"/>
+                <a:ea typeface="+mn-ea"/>
+                <a:cs typeface="+mn-cs"/>
+              </a:defRPr>
+            </a:lvl7pPr>
+            <a:lvl8pPr marL="6402827" algn="l" defTabSz="1829379" rtl="0" eaLnBrk="1" latinLnBrk="0" hangingPunct="1">
+              <a:defRPr sz="3600" kern="1200">
+                <a:solidFill>
+                  <a:schemeClr val="tx1"/>
+                </a:solidFill>
+                <a:latin typeface="+mn-lt"/>
+                <a:ea typeface="+mn-ea"/>
+                <a:cs typeface="+mn-cs"/>
+              </a:defRPr>
+            </a:lvl8pPr>
+            <a:lvl9pPr marL="7317518" algn="l" defTabSz="1829379" rtl="0" eaLnBrk="1" latinLnBrk="0" hangingPunct="1">
+              <a:defRPr sz="3600" kern="1200">
+                <a:solidFill>
+                  <a:schemeClr val="tx1"/>
+                </a:solidFill>
+                <a:latin typeface="+mn-lt"/>
+                <a:ea typeface="+mn-ea"/>
+                <a:cs typeface="+mn-cs"/>
+              </a:defRPr>
+            </a:lvl9pPr>
+          </a:lstStyle>
+          <a:p>
+            <a:r>
+              <a:rPr lang="en-US" sz="2800" b="1" dirty="0">
+                <a:latin typeface="IBM Plex Sans Medm" panose="020B0503050203000203" pitchFamily="34" charset="0"/>
+              </a:rPr>
+              <a:t>Join the Discord: </a:t>
+            </a:r>
+            <a:r>
+              <a:rPr lang="en-US" sz="2800" dirty="0">
+                <a:latin typeface="IBM Plex Sans Medm" panose="020B0503050203000203" pitchFamily="34" charset="0"/>
+              </a:rPr>
+              <a:t>invite link is under the About tab on the Seattle Quantum Computing Meetup page</a:t>
+            </a:r>
+          </a:p>
+          <a:p>
+            <a:endParaRPr lang="en-US" sz="2800" dirty="0">
+              <a:latin typeface="IBM Plex Sans Medm" panose="020B0503050203000203" pitchFamily="34" charset="0"/>
+            </a:endParaRPr>
+          </a:p>
+          <a:p>
+            <a:endParaRPr lang="en-US" sz="2800" b="1" dirty="0">
+              <a:latin typeface="IBM Plex Sans Medm" panose="020B0503050203000203" pitchFamily="34" charset="0"/>
+            </a:endParaRPr>
+          </a:p>
+          <a:p>
+            <a:endParaRPr lang="en-US" sz="2800" b="1" dirty="0">
+              <a:latin typeface="IBM Plex Sans Medm" panose="020B0503050203000203" pitchFamily="34" charset="0"/>
+            </a:endParaRPr>
+          </a:p>
+          <a:p>
+            <a:r>
+              <a:rPr lang="en-US" sz="2800" b="1" dirty="0">
+                <a:latin typeface="IBM Plex Sans Medm" panose="020B0503050203000203" pitchFamily="34" charset="0"/>
+              </a:rPr>
+              <a:t>Submissions Due: </a:t>
+            </a:r>
+            <a:r>
+              <a:rPr lang="en-US" sz="2800" dirty="0">
+                <a:latin typeface="IBM Plex Sans Medm" panose="020B0503050203000203" pitchFamily="34" charset="0"/>
+              </a:rPr>
+              <a:t>Nov 3, 10 am, PT</a:t>
+            </a:r>
+          </a:p>
+          <a:p>
+            <a:endParaRPr lang="en-US" sz="2800" dirty="0">
+              <a:latin typeface="IBM Plex Sans Medm" panose="020B0503050203000203" pitchFamily="34" charset="0"/>
+            </a:endParaRPr>
+          </a:p>
+          <a:p>
+            <a:endParaRPr lang="en-US" sz="2800" dirty="0">
+              <a:latin typeface="IBM Plex Sans Medm" panose="020B0503050203000203" pitchFamily="34" charset="0"/>
+            </a:endParaRPr>
+          </a:p>
+          <a:p>
+            <a:endParaRPr lang="en-US" sz="2800" b="1" dirty="0">
+              <a:effectLst/>
+              <a:latin typeface="IBM Plex Sans Medm" panose="020B0503050203000203" pitchFamily="34" charset="0"/>
+            </a:endParaRPr>
+          </a:p>
+          <a:p>
+            <a:r>
+              <a:rPr lang="en-US" sz="2800" b="1" dirty="0">
+                <a:effectLst/>
+                <a:latin typeface="IBM Plex Sans Medm" panose="020B0503050203000203" pitchFamily="34" charset="0"/>
+              </a:rPr>
+              <a:t>Next Event(s)</a:t>
+            </a:r>
+            <a:r>
+              <a:rPr lang="en-US" sz="2800" b="1" dirty="0">
+                <a:latin typeface="IBM Plex Sans Medm" panose="020B0503050203000203" pitchFamily="34" charset="0"/>
+              </a:rPr>
+              <a:t>: </a:t>
+            </a:r>
+          </a:p>
+          <a:p>
+            <a:pPr marL="457200" indent="-457200">
+              <a:buFontTx/>
+              <a:buChar char="-"/>
+            </a:pPr>
+            <a:r>
+              <a:rPr lang="en-US" sz="2800" dirty="0">
+                <a:latin typeface="IBM Plex Sans Medm" panose="020B0503050203000203" pitchFamily="34" charset="0"/>
+              </a:rPr>
+              <a:t>Possibly a Zoom</a:t>
+            </a:r>
+          </a:p>
+          <a:p>
+            <a:pPr marL="457200" indent="-457200">
+              <a:buFontTx/>
+              <a:buChar char="-"/>
+            </a:pPr>
+            <a:r>
+              <a:rPr lang="en-US" sz="2800" dirty="0">
+                <a:latin typeface="IBM Plex Sans Medm" panose="020B0503050203000203" pitchFamily="34" charset="0"/>
+              </a:rPr>
+              <a:t>Possibly a Speaker on the UW Campus</a:t>
+            </a:r>
+            <a:endParaRPr lang="en-US" sz="2800" dirty="0">
+              <a:effectLst/>
+              <a:latin typeface="IBM Plex Sans Light" panose="020B0403050203000203" pitchFamily="34" charset="0"/>
+            </a:endParaRPr>
+          </a:p>
+        </p:txBody>
+      </p:sp>
+    </p:spTree>
+    <p:extLst>
+      <p:ext uri="{BB962C8B-B14F-4D97-AF65-F5344CB8AC3E}">
+        <p14:creationId xmlns:p14="http://schemas.microsoft.com/office/powerpoint/2010/main" val="282974179"/>
+      </p:ext>
+    </p:extLst>
+  </p:cSld>
+  <p:clrMapOvr>
+    <a:masterClrMapping/>
+  </p:clrMapOvr>
+  <p:transition spd="med"/>
+</p:sld>
+</file>
+
 <file path=ppt/slides/slide2.xml><?xml version="1.0" encoding="utf-8"?>
 <p:sld xmlns:a="http://schemas.openxmlformats.org/drawingml/2006/main" xmlns:r="http://schemas.openxmlformats.org/officeDocument/2006/relationships" xmlns:p="http://schemas.openxmlformats.org/presentationml/2006/main">
   <p:cSld>
@@ -26735,7 +28589,7 @@
           </a:ln>
           <a:extLst>
             <a:ext uri="{C572A759-6A51-4108-AA02-DFA0A04FC94B}">
-              <ma14:wrappingTextBoxFlag xmlns="" xmlns:m="http://schemas.openxmlformats.org/officeDocument/2006/math" xmlns:a14="http://schemas.microsoft.com/office/drawing/2010/main" xmlns:ma14="http://schemas.microsoft.com/office/mac/drawingml/2011/main" val="1"/>
+              <ma14:wrappingTextBoxFlag xmlns:ma14="http://schemas.microsoft.com/office/mac/drawingml/2011/main" xmlns:a14="http://schemas.microsoft.com/office/drawing/2010/main" xmlns:m="http://schemas.openxmlformats.org/officeDocument/2006/math" xmlns="" val="1"/>
             </a:ext>
           </a:extLst>
         </p:spPr>
@@ -27040,7 +28894,7 @@
           </a:ln>
           <a:extLst>
             <a:ext uri="{C572A759-6A51-4108-AA02-DFA0A04FC94B}">
-              <ma14:wrappingTextBoxFlag xmlns:ma14="http://schemas.microsoft.com/office/mac/drawingml/2011/main" xmlns:a14="http://schemas.microsoft.com/office/drawing/2010/main" xmlns:m="http://schemas.openxmlformats.org/officeDocument/2006/math" xmlns="" val="1"/>
+              <ma14:wrappingTextBoxFlag xmlns="" xmlns:m="http://schemas.openxmlformats.org/officeDocument/2006/math" xmlns:a14="http://schemas.microsoft.com/office/drawing/2010/main" xmlns:ma14="http://schemas.microsoft.com/office/mac/drawingml/2011/main" val="1"/>
             </a:ext>
           </a:extLst>
         </p:spPr>
@@ -27108,7 +28962,7 @@
           </a:ln>
           <a:extLst>
             <a:ext uri="{C572A759-6A51-4108-AA02-DFA0A04FC94B}">
-              <ma14:wrappingTextBoxFlag xmlns:ma14="http://schemas.microsoft.com/office/mac/drawingml/2011/main" xmlns:a14="http://schemas.microsoft.com/office/drawing/2010/main" xmlns:m="http://schemas.openxmlformats.org/officeDocument/2006/math" xmlns="" val="1"/>
+              <ma14:wrappingTextBoxFlag xmlns="" xmlns:m="http://schemas.openxmlformats.org/officeDocument/2006/math" xmlns:a14="http://schemas.microsoft.com/office/drawing/2010/main" xmlns:ma14="http://schemas.microsoft.com/office/mac/drawingml/2011/main" val="1"/>
             </a:ext>
           </a:extLst>
         </p:spPr>
@@ -27162,7 +29016,7 @@
           </a:ln>
           <a:extLst>
             <a:ext uri="{C572A759-6A51-4108-AA02-DFA0A04FC94B}">
-              <ma14:wrappingTextBoxFlag xmlns:ma14="http://schemas.microsoft.com/office/mac/drawingml/2011/main" xmlns:a14="http://schemas.microsoft.com/office/drawing/2010/main" xmlns:m="http://schemas.openxmlformats.org/officeDocument/2006/math" xmlns="" val="1"/>
+              <ma14:wrappingTextBoxFlag xmlns="" xmlns:m="http://schemas.openxmlformats.org/officeDocument/2006/math" xmlns:a14="http://schemas.microsoft.com/office/drawing/2010/main" xmlns:ma14="http://schemas.microsoft.com/office/mac/drawingml/2011/main" val="1"/>
             </a:ext>
           </a:extLst>
         </p:spPr>
@@ -27384,7 +29238,7 @@
           </a:ln>
           <a:extLst>
             <a:ext uri="{C572A759-6A51-4108-AA02-DFA0A04FC94B}">
-              <ma14:wrappingTextBoxFlag xmlns:ma14="http://schemas.microsoft.com/office/mac/drawingml/2011/main" xmlns:a14="http://schemas.microsoft.com/office/drawing/2010/main" xmlns:m="http://schemas.openxmlformats.org/officeDocument/2006/math" xmlns="" val="1"/>
+              <ma14:wrappingTextBoxFlag xmlns="" xmlns:m="http://schemas.openxmlformats.org/officeDocument/2006/math" xmlns:a14="http://schemas.microsoft.com/office/drawing/2010/main" xmlns:ma14="http://schemas.microsoft.com/office/mac/drawingml/2011/main" val="1"/>
             </a:ext>
           </a:extLst>
         </p:spPr>
@@ -27565,7 +29419,7 @@
           </a:ln>
           <a:extLst>
             <a:ext uri="{C572A759-6A51-4108-AA02-DFA0A04FC94B}">
-              <ma14:wrappingTextBoxFlag xmlns:ma14="http://schemas.microsoft.com/office/mac/drawingml/2011/main" xmlns:a14="http://schemas.microsoft.com/office/drawing/2010/main" xmlns:m="http://schemas.openxmlformats.org/officeDocument/2006/math" xmlns="" val="1"/>
+              <ma14:wrappingTextBoxFlag xmlns="" xmlns:m="http://schemas.openxmlformats.org/officeDocument/2006/math" xmlns:a14="http://schemas.microsoft.com/office/drawing/2010/main" xmlns:ma14="http://schemas.microsoft.com/office/mac/drawingml/2011/main" val="1"/>
             </a:ext>
           </a:extLst>
         </p:spPr>
@@ -27799,7 +29653,7 @@
           </a:ln>
           <a:extLst>
             <a:ext uri="{C572A759-6A51-4108-AA02-DFA0A04FC94B}">
-              <ma14:wrappingTextBoxFlag xmlns:ma14="http://schemas.microsoft.com/office/mac/drawingml/2011/main" xmlns:a14="http://schemas.microsoft.com/office/drawing/2010/main" xmlns:m="http://schemas.openxmlformats.org/officeDocument/2006/math" xmlns="" val="1"/>
+              <ma14:wrappingTextBoxFlag xmlns="" xmlns:m="http://schemas.openxmlformats.org/officeDocument/2006/math" xmlns:a14="http://schemas.microsoft.com/office/drawing/2010/main" xmlns:ma14="http://schemas.microsoft.com/office/mac/drawingml/2011/main" val="1"/>
             </a:ext>
           </a:extLst>
         </p:spPr>
@@ -28433,7 +30287,7 @@
           </a:ln>
           <a:extLst>
             <a:ext uri="{C572A759-6A51-4108-AA02-DFA0A04FC94B}">
-              <ma14:wrappingTextBoxFlag xmlns:ma14="http://schemas.microsoft.com/office/mac/drawingml/2011/main" xmlns:a14="http://schemas.microsoft.com/office/drawing/2010/main" xmlns:m="http://schemas.openxmlformats.org/officeDocument/2006/math" xmlns="" val="1"/>
+              <ma14:wrappingTextBoxFlag xmlns="" xmlns:m="http://schemas.openxmlformats.org/officeDocument/2006/math" xmlns:a14="http://schemas.microsoft.com/office/drawing/2010/main" xmlns:ma14="http://schemas.microsoft.com/office/mac/drawingml/2011/main" val="1"/>
             </a:ext>
           </a:extLst>
         </p:spPr>
@@ -28487,7 +30341,7 @@
           </a:ln>
           <a:extLst>
             <a:ext uri="{C572A759-6A51-4108-AA02-DFA0A04FC94B}">
-              <ma14:wrappingTextBoxFlag xmlns:ma14="http://schemas.microsoft.com/office/mac/drawingml/2011/main" xmlns:a14="http://schemas.microsoft.com/office/drawing/2010/main" xmlns:m="http://schemas.openxmlformats.org/officeDocument/2006/math" xmlns="" val="1"/>
+              <ma14:wrappingTextBoxFlag xmlns="" xmlns:m="http://schemas.openxmlformats.org/officeDocument/2006/math" xmlns:a14="http://schemas.microsoft.com/office/drawing/2010/main" xmlns:ma14="http://schemas.microsoft.com/office/mac/drawingml/2011/main" val="1"/>
             </a:ext>
           </a:extLst>
         </p:spPr>
@@ -28677,7 +30531,7 @@
           </a:ln>
           <a:extLst>
             <a:ext uri="{C572A759-6A51-4108-AA02-DFA0A04FC94B}">
-              <ma14:wrappingTextBoxFlag xmlns:ma14="http://schemas.microsoft.com/office/mac/drawingml/2011/main" xmlns:a14="http://schemas.microsoft.com/office/drawing/2010/main" xmlns:m="http://schemas.openxmlformats.org/officeDocument/2006/math" xmlns="" val="1"/>
+              <ma14:wrappingTextBoxFlag xmlns="" xmlns:m="http://schemas.openxmlformats.org/officeDocument/2006/math" xmlns:a14="http://schemas.microsoft.com/office/drawing/2010/main" xmlns:ma14="http://schemas.microsoft.com/office/mac/drawingml/2011/main" val="1"/>
             </a:ext>
           </a:extLst>
         </p:spPr>
@@ -28744,7 +30598,7 @@
         <p:cNvPr id="1" name="">
           <a:extLst>
             <a:ext uri="{FF2B5EF4-FFF2-40B4-BE49-F238E27FC236}">
-              <a16:creationId xmlns:a16="http://schemas.microsoft.com/office/drawing/2014/main" id="{1E03897A-35E7-EB6A-7B44-E8D26BF0C7A2}"/>
+              <a16:creationId xmlns:a16="http://schemas.microsoft.com/office/drawing/2014/main" id="{FFEB9657-5F9A-576D-9590-9E74F2260E40}"/>
             </a:ext>
           </a:extLst>
         </p:cNvPr>
@@ -28761,42 +30615,10 @@
       </p:grpSpPr>
       <p:sp>
         <p:nvSpPr>
-          <p:cNvPr id="9" name="Text Placeholder 8">
-            <a:extLst>
-              <a:ext uri="{FF2B5EF4-FFF2-40B4-BE49-F238E27FC236}">
-                <a16:creationId xmlns:a16="http://schemas.microsoft.com/office/drawing/2014/main" id="{3D81A7C2-BCB1-0E88-E242-C2498BBDD255}"/>
-              </a:ext>
-            </a:extLst>
-          </p:cNvPr>
-          <p:cNvSpPr>
-            <a:spLocks noGrp="1"/>
-          </p:cNvSpPr>
-          <p:nvPr>
-            <p:ph type="body" sz="quarter" idx="21"/>
-          </p:nvPr>
-        </p:nvSpPr>
-        <p:spPr/>
-        <p:txBody>
-          <a:bodyPr/>
-          <a:lstStyle/>
-          <a:p>
-            <a:r>
-              <a:rPr lang="en-US" dirty="0" err="1"/>
-              <a:t>Qiskit</a:t>
-            </a:r>
-            <a:r>
-              <a:rPr lang="en-US" dirty="0"/>
-              <a:t> Fall Fest 2025</a:t>
-            </a:r>
-          </a:p>
-        </p:txBody>
-      </p:sp>
-      <p:sp>
-        <p:nvSpPr>
           <p:cNvPr id="2" name="Title 1">
             <a:extLst>
               <a:ext uri="{FF2B5EF4-FFF2-40B4-BE49-F238E27FC236}">
-                <a16:creationId xmlns:a16="http://schemas.microsoft.com/office/drawing/2014/main" id="{C8717B67-12A6-B540-C829-B8E3BEA2F1DF}"/>
+                <a16:creationId xmlns:a16="http://schemas.microsoft.com/office/drawing/2014/main" id="{71DC0B0D-0A53-32CE-31E9-9C9C98386264}"/>
               </a:ext>
             </a:extLst>
           </p:cNvPr>
@@ -28809,8 +30631,8 @@
         </p:nvSpPr>
         <p:spPr>
           <a:xfrm>
-            <a:off x="576072" y="1527048"/>
-            <a:ext cx="11044239" cy="2276856"/>
+            <a:off x="576072" y="384049"/>
+            <a:ext cx="11050588" cy="1841794"/>
           </a:xfrm>
         </p:spPr>
         <p:txBody>
@@ -28819,662 +30641,101 @@
           <a:p>
             <a:r>
               <a:rPr lang="en-US" dirty="0"/>
-              <a:t>Real World Interactions w/Quantum Computing</a:t>
-            </a:r>
-          </a:p>
-        </p:txBody>
-      </p:sp>
-      <p:cxnSp>
-        <p:nvCxnSpPr>
-          <p:cNvPr id="11" name="Straight Connector 10" descr="Vertical column divider">
-            <a:extLst>
-              <a:ext uri="{FF2B5EF4-FFF2-40B4-BE49-F238E27FC236}">
-                <a16:creationId xmlns:a16="http://schemas.microsoft.com/office/drawing/2014/main" id="{D4390AED-77F5-6A9E-A812-604F815A73F1}"/>
-              </a:ext>
-              <a:ext uri="{C183D7F6-B498-43B3-948B-1728B52AA6E4}">
-                <adec:decorative xmlns:adec="http://schemas.microsoft.com/office/drawing/2017/decorative" val="0"/>
-              </a:ext>
-            </a:extLst>
-          </p:cNvPr>
-          <p:cNvCxnSpPr/>
+              <a:t>Nobel Prize in Physics, 2025</a:t>
+            </a:r>
+            <a:br>
+              <a:rPr lang="en-US" dirty="0"/>
+            </a:br>
+            <a:r>
+              <a:rPr lang="en-US" sz="3200" dirty="0"/>
+              <a:t>Clarke, </a:t>
+            </a:r>
+            <a:r>
+              <a:rPr lang="en-US" sz="3200" dirty="0" err="1"/>
+              <a:t>Devoret</a:t>
+            </a:r>
+            <a:r>
+              <a:rPr lang="en-US" sz="3200" dirty="0"/>
+              <a:t>, Martinis</a:t>
+            </a:r>
+          </a:p>
+        </p:txBody>
+      </p:sp>
+      <p:sp>
+        <p:nvSpPr>
+          <p:cNvPr id="3" name="Footer Placeholder 2">
+            <a:extLst>
+              <a:ext uri="{FF2B5EF4-FFF2-40B4-BE49-F238E27FC236}">
+                <a16:creationId xmlns:a16="http://schemas.microsoft.com/office/drawing/2014/main" id="{BF7A1A89-BE9F-E837-48DF-4324D86379D4}"/>
+              </a:ext>
+            </a:extLst>
+          </p:cNvPr>
+          <p:cNvSpPr>
+            <a:spLocks noGrp="1"/>
+          </p:cNvSpPr>
+          <p:nvPr>
+            <p:ph type="ftr" sz="quarter" idx="18"/>
+          </p:nvPr>
+        </p:nvSpPr>
+        <p:spPr>
+          <a:xfrm>
+            <a:off x="576072" y="12801600"/>
+            <a:ext cx="4956176" cy="381000"/>
+          </a:xfrm>
+        </p:spPr>
+        <p:txBody>
+          <a:bodyPr/>
+          <a:lstStyle/>
+          <a:p>
+            <a:r>
+              <a:rPr lang="en-US"/>
+              <a:t>Qiskit Fall Fest 2025</a:t>
+            </a:r>
+            <a:endParaRPr lang="en-US" dirty="0"/>
+          </a:p>
+        </p:txBody>
+      </p:sp>
+      <p:pic>
+        <p:nvPicPr>
+          <p:cNvPr id="10" name="Picture 9">
+            <a:extLst>
+              <a:ext uri="{FF2B5EF4-FFF2-40B4-BE49-F238E27FC236}">
+                <a16:creationId xmlns:a16="http://schemas.microsoft.com/office/drawing/2014/main" id="{D94BFA1E-17F3-A22B-E18A-572969A8585D}"/>
+              </a:ext>
+            </a:extLst>
+          </p:cNvPr>
+          <p:cNvPicPr>
+            <a:picLocks noChangeAspect="1"/>
+          </p:cNvPicPr>
           <p:nvPr/>
-        </p:nvCxnSpPr>
-        <p:spPr bwMode="auto">
-          <a:xfrm>
-            <a:off x="12192000" y="569913"/>
-            <a:ext cx="0" cy="11431587"/>
-          </a:xfrm>
-          <a:prstGeom prst="line">
+        </p:nvPicPr>
+        <p:blipFill>
+          <a:blip r:embed="rId3">
+            <a:extLst>
+              <a:ext uri="{96DAC541-7B7A-43D3-8B79-37D633B846F1}">
+                <asvg:svgBlip xmlns:asvg="http://schemas.microsoft.com/office/drawing/2016/SVG/main" r:embed="rId4"/>
+              </a:ext>
+            </a:extLst>
+          </a:blip>
+          <a:srcRect/>
+          <a:stretch/>
+        </p:blipFill>
+        <p:spPr>
+          <a:xfrm>
+            <a:off x="20959245" y="544513"/>
+            <a:ext cx="2859087" cy="2859087"/>
+          </a:xfrm>
+          <a:prstGeom prst="rect">
             <a:avLst/>
           </a:prstGeom>
-          <a:ln w="12700">
-            <a:solidFill>
-              <a:schemeClr val="tx1"/>
-            </a:solidFill>
-            <a:headEnd type="none" w="med" len="med"/>
-            <a:tailEnd type="none" w="med" len="med"/>
-          </a:ln>
-          <a:effectLst/>
-        </p:spPr>
-        <p:style>
-          <a:lnRef idx="1">
-            <a:schemeClr val="dk1"/>
-          </a:lnRef>
-          <a:fillRef idx="0">
-            <a:schemeClr val="dk1"/>
-          </a:fillRef>
-          <a:effectRef idx="0">
-            <a:schemeClr val="dk1"/>
-          </a:effectRef>
-          <a:fontRef idx="minor">
-            <a:schemeClr val="tx1"/>
-          </a:fontRef>
-        </p:style>
-      </p:cxnSp>
-      <p:sp>
-        <p:nvSpPr>
-          <p:cNvPr id="4" name="Text Placeholder 3">
-            <a:extLst>
-              <a:ext uri="{FF2B5EF4-FFF2-40B4-BE49-F238E27FC236}">
-                <a16:creationId xmlns:a16="http://schemas.microsoft.com/office/drawing/2014/main" id="{389D5D12-D9FB-E230-C371-8CA9BA82DA13}"/>
-              </a:ext>
-            </a:extLst>
-          </p:cNvPr>
-          <p:cNvSpPr>
-            <a:spLocks noGrp="1"/>
-          </p:cNvSpPr>
-          <p:nvPr>
-            <p:ph type="body" sz="quarter" idx="16"/>
-          </p:nvPr>
-        </p:nvSpPr>
-        <p:spPr/>
-        <p:txBody>
-          <a:bodyPr/>
-          <a:lstStyle/>
-          <a:p>
-            <a:r>
-              <a:rPr lang="en-US" dirty="0">
-                <a:solidFill>
-                  <a:srgbClr val="8A3FFC"/>
-                </a:solidFill>
-              </a:rPr>
-              <a:t>Open Source Software Development </a:t>
-            </a:r>
-          </a:p>
-          <a:p>
-            <a:endParaRPr lang="en-US" dirty="0"/>
-          </a:p>
-          <a:p>
-            <a:r>
-              <a:rPr lang="en-US" dirty="0">
-                <a:solidFill>
-                  <a:srgbClr val="FF7EB6"/>
-                </a:solidFill>
-              </a:rPr>
-              <a:t>Extend the Power of </a:t>
-            </a:r>
-            <a:r>
-              <a:rPr lang="en-US" dirty="0" err="1">
-                <a:solidFill>
-                  <a:srgbClr val="FF7EB6"/>
-                </a:solidFill>
-              </a:rPr>
-              <a:t>Qiskit</a:t>
-            </a:r>
-            <a:r>
-              <a:rPr lang="en-US" dirty="0">
-                <a:solidFill>
-                  <a:srgbClr val="FF7EB6"/>
-                </a:solidFill>
-              </a:rPr>
-              <a:t> </a:t>
-            </a:r>
-            <a:r>
-              <a:rPr lang="en-US" dirty="0"/>
-              <a:t>- the </a:t>
-            </a:r>
-            <a:r>
-              <a:rPr lang="en-US" dirty="0" err="1"/>
-              <a:t>Qiskit</a:t>
-            </a:r>
-            <a:r>
-              <a:rPr lang="en-US" dirty="0"/>
-              <a:t> ecosystem is a collection of tools created by researchers and developers who use </a:t>
-            </a:r>
-            <a:r>
-              <a:rPr lang="en-US" dirty="0" err="1"/>
-              <a:t>Qiskit</a:t>
-            </a:r>
-            <a:r>
-              <a:rPr lang="en-US" dirty="0"/>
-              <a:t> every day.</a:t>
-            </a:r>
-          </a:p>
-          <a:p>
-            <a:endParaRPr lang="en-US" dirty="0"/>
-          </a:p>
-          <a:p>
-            <a:r>
-              <a:rPr lang="en-US" dirty="0"/>
-              <a:t>https://www.ibm.com/quantum/ecosystem</a:t>
-            </a:r>
-          </a:p>
-          <a:p>
-            <a:endParaRPr lang="en-US" dirty="0"/>
-          </a:p>
-        </p:txBody>
-      </p:sp>
-      <p:cxnSp>
-        <p:nvCxnSpPr>
-          <p:cNvPr id="12" name="Straight Connector 11" descr="Vertical column divider">
-            <a:extLst>
-              <a:ext uri="{FF2B5EF4-FFF2-40B4-BE49-F238E27FC236}">
-                <a16:creationId xmlns:a16="http://schemas.microsoft.com/office/drawing/2014/main" id="{7DAC1B93-C3CE-7BEF-FDE4-7675061B0C89}"/>
-              </a:ext>
-              <a:ext uri="{C183D7F6-B498-43B3-948B-1728B52AA6E4}">
-                <adec:decorative xmlns:adec="http://schemas.microsoft.com/office/drawing/2017/decorative" val="0"/>
-              </a:ext>
-            </a:extLst>
-          </p:cNvPr>
-          <p:cNvCxnSpPr/>
-          <p:nvPr/>
-        </p:nvCxnSpPr>
-        <p:spPr bwMode="auto">
-          <a:xfrm>
-            <a:off x="18288000" y="569913"/>
-            <a:ext cx="0" cy="11431587"/>
-          </a:xfrm>
-          <a:prstGeom prst="line">
-            <a:avLst/>
-          </a:prstGeom>
-          <a:ln w="12700">
-            <a:solidFill>
-              <a:schemeClr val="tx1"/>
-            </a:solidFill>
-            <a:headEnd type="none" w="med" len="med"/>
-            <a:tailEnd type="none" w="med" len="med"/>
-          </a:ln>
-          <a:effectLst/>
-        </p:spPr>
-        <p:style>
-          <a:lnRef idx="1">
-            <a:schemeClr val="dk1"/>
-          </a:lnRef>
-          <a:fillRef idx="0">
-            <a:schemeClr val="dk1"/>
-          </a:fillRef>
-          <a:effectRef idx="0">
-            <a:schemeClr val="dk1"/>
-          </a:effectRef>
-          <a:fontRef idx="minor">
-            <a:schemeClr val="tx1"/>
-          </a:fontRef>
-        </p:style>
-      </p:cxnSp>
-      <p:sp>
-        <p:nvSpPr>
-          <p:cNvPr id="5" name="Text Placeholder 4">
-            <a:extLst>
-              <a:ext uri="{FF2B5EF4-FFF2-40B4-BE49-F238E27FC236}">
-                <a16:creationId xmlns:a16="http://schemas.microsoft.com/office/drawing/2014/main" id="{6714AE48-FC72-B12B-4B0E-01527A90D341}"/>
-              </a:ext>
-            </a:extLst>
-          </p:cNvPr>
-          <p:cNvSpPr>
-            <a:spLocks noGrp="1"/>
-          </p:cNvSpPr>
-          <p:nvPr>
-            <p:ph type="body" sz="quarter" idx="17"/>
-          </p:nvPr>
-        </p:nvSpPr>
-        <p:spPr/>
-        <p:txBody>
-          <a:bodyPr/>
-          <a:lstStyle/>
-          <a:p>
-            <a:r>
-              <a:rPr lang="en-US" dirty="0">
-                <a:solidFill>
-                  <a:srgbClr val="8A3FFC"/>
-                </a:solidFill>
-              </a:rPr>
-              <a:t>Tools for heterogeneous orchestration</a:t>
-            </a:r>
-          </a:p>
-          <a:p>
-            <a:endParaRPr lang="en-US" dirty="0"/>
-          </a:p>
-          <a:p>
-            <a:pPr marL="457200" indent="-457200">
-              <a:buFontTx/>
-              <a:buChar char="-"/>
-            </a:pPr>
-            <a:r>
-              <a:rPr lang="en-US" dirty="0" err="1">
-                <a:solidFill>
-                  <a:srgbClr val="FF7EB6"/>
-                </a:solidFill>
-              </a:rPr>
-              <a:t>Qiskit</a:t>
-            </a:r>
-            <a:r>
-              <a:rPr lang="en-US" dirty="0">
-                <a:solidFill>
-                  <a:srgbClr val="FF7EB6"/>
-                </a:solidFill>
-              </a:rPr>
-              <a:t> quantum hardware </a:t>
-            </a:r>
-            <a:r>
-              <a:rPr lang="en-US" dirty="0"/>
-              <a:t>plugins, backend-agnostic </a:t>
-            </a:r>
-          </a:p>
-          <a:p>
-            <a:pPr marL="457200" indent="-457200">
-              <a:buFontTx/>
-              <a:buChar char="-"/>
-            </a:pPr>
-            <a:r>
-              <a:rPr lang="en-US" dirty="0">
-                <a:solidFill>
-                  <a:srgbClr val="FF7EB6"/>
-                </a:solidFill>
-              </a:rPr>
-              <a:t>QRMI: </a:t>
-            </a:r>
-            <a:r>
-              <a:rPr lang="en-US" dirty="0"/>
-              <a:t>Quantum resource management interface</a:t>
-            </a:r>
-          </a:p>
-          <a:p>
-            <a:pPr marL="457200" indent="-457200">
-              <a:buFontTx/>
-              <a:buChar char="-"/>
-            </a:pPr>
-            <a:r>
-              <a:rPr lang="en-US" dirty="0" err="1">
-                <a:solidFill>
-                  <a:srgbClr val="FF7EB6"/>
-                </a:solidFill>
-              </a:rPr>
-              <a:t>Slurm</a:t>
-            </a:r>
-            <a:r>
-              <a:rPr lang="en-US" b="1" dirty="0"/>
-              <a:t> </a:t>
-            </a:r>
-            <a:r>
-              <a:rPr lang="en-US" dirty="0"/>
-              <a:t>workload manager</a:t>
-            </a:r>
-          </a:p>
-          <a:p>
-            <a:pPr marL="457200" indent="-457200">
-              <a:buFontTx/>
-              <a:buChar char="-"/>
-            </a:pPr>
-            <a:r>
-              <a:rPr lang="en-US" dirty="0" err="1">
-                <a:solidFill>
-                  <a:srgbClr val="FF7EB6"/>
-                </a:solidFill>
-              </a:rPr>
-              <a:t>Qiskit</a:t>
-            </a:r>
-            <a:r>
-              <a:rPr lang="en-US" dirty="0">
-                <a:solidFill>
-                  <a:srgbClr val="FF7EB6"/>
-                </a:solidFill>
-              </a:rPr>
-              <a:t> Serverless </a:t>
-            </a:r>
-            <a:r>
-              <a:rPr lang="en-US" dirty="0"/>
-              <a:t>for multi-cloud and supercomputer use cases </a:t>
-            </a:r>
-          </a:p>
-          <a:p>
-            <a:pPr marL="457200" indent="-457200">
-              <a:buFontTx/>
-              <a:buChar char="-"/>
-            </a:pPr>
-            <a:endParaRPr lang="en-US" dirty="0"/>
-          </a:p>
-          <a:p>
-            <a:pPr marL="457200" indent="-457200">
-              <a:buFontTx/>
-              <a:buChar char="-"/>
-            </a:pPr>
-            <a:endParaRPr lang="en-US" dirty="0"/>
-          </a:p>
-          <a:p>
-            <a:endParaRPr lang="en-US" dirty="0"/>
-          </a:p>
-        </p:txBody>
-      </p:sp>
-      <p:cxnSp>
-        <p:nvCxnSpPr>
-          <p:cNvPr id="10" name="Straight Connector 9" descr="Horizontal row divider">
-            <a:extLst>
-              <a:ext uri="{FF2B5EF4-FFF2-40B4-BE49-F238E27FC236}">
-                <a16:creationId xmlns:a16="http://schemas.microsoft.com/office/drawing/2014/main" id="{5AC5A411-2CC3-8A9A-BEC9-498C5B975F2C}"/>
-              </a:ext>
-              <a:ext uri="{C183D7F6-B498-43B3-948B-1728B52AA6E4}">
-                <adec:decorative xmlns:adec="http://schemas.microsoft.com/office/drawing/2017/decorative" val="0"/>
-              </a:ext>
-            </a:extLst>
-          </p:cNvPr>
-          <p:cNvCxnSpPr/>
-          <p:nvPr/>
-        </p:nvCxnSpPr>
-        <p:spPr bwMode="auto">
-          <a:xfrm>
-            <a:off x="12192000" y="6096000"/>
-            <a:ext cx="11622024" cy="0"/>
-          </a:xfrm>
-          <a:prstGeom prst="line">
-            <a:avLst/>
-          </a:prstGeom>
-          <a:ln w="12700">
-            <a:solidFill>
-              <a:schemeClr val="tx1"/>
-            </a:solidFill>
-            <a:headEnd type="none" w="med" len="med"/>
-            <a:tailEnd type="none" w="med" len="med"/>
-          </a:ln>
-          <a:effectLst/>
-        </p:spPr>
-        <p:style>
-          <a:lnRef idx="1">
-            <a:schemeClr val="dk1"/>
-          </a:lnRef>
-          <a:fillRef idx="0">
-            <a:schemeClr val="dk1"/>
-          </a:fillRef>
-          <a:effectRef idx="0">
-            <a:schemeClr val="dk1"/>
-          </a:effectRef>
-          <a:fontRef idx="minor">
-            <a:schemeClr val="tx1"/>
-          </a:fontRef>
-        </p:style>
-      </p:cxnSp>
-      <p:sp>
-        <p:nvSpPr>
-          <p:cNvPr id="6" name="Text Placeholder 5">
-            <a:extLst>
-              <a:ext uri="{FF2B5EF4-FFF2-40B4-BE49-F238E27FC236}">
-                <a16:creationId xmlns:a16="http://schemas.microsoft.com/office/drawing/2014/main" id="{D1EFB8C1-D45D-7F1D-0448-F928BC8992AD}"/>
-              </a:ext>
-            </a:extLst>
-          </p:cNvPr>
-          <p:cNvSpPr>
-            <a:spLocks noGrp="1"/>
-          </p:cNvSpPr>
-          <p:nvPr>
-            <p:ph type="body" sz="quarter" idx="18"/>
-          </p:nvPr>
-        </p:nvSpPr>
-        <p:spPr>
-          <a:xfrm>
-            <a:off x="12763500" y="6667500"/>
-            <a:ext cx="4953000" cy="5412740"/>
-          </a:xfrm>
-        </p:spPr>
-        <p:txBody>
-          <a:bodyPr/>
-          <a:lstStyle/>
-          <a:p>
-            <a:r>
-              <a:rPr lang="en-US" dirty="0">
-                <a:solidFill>
-                  <a:srgbClr val="8A3FFC"/>
-                </a:solidFill>
-              </a:rPr>
-              <a:t>Tools for algorithm development</a:t>
-            </a:r>
-          </a:p>
-          <a:p>
-            <a:endParaRPr lang="en-US" dirty="0"/>
-          </a:p>
-          <a:p>
-            <a:pPr marL="457200" indent="-457200">
-              <a:buFontTx/>
-              <a:buChar char="-"/>
-            </a:pPr>
-            <a:r>
-              <a:rPr lang="en-US" dirty="0" err="1">
-                <a:solidFill>
-                  <a:srgbClr val="FF7EB6"/>
-                </a:solidFill>
-              </a:rPr>
-              <a:t>Qiskit</a:t>
-            </a:r>
-            <a:r>
-              <a:rPr lang="en-US" dirty="0">
-                <a:solidFill>
-                  <a:srgbClr val="FF7EB6"/>
-                </a:solidFill>
-              </a:rPr>
-              <a:t> Addons </a:t>
-            </a:r>
-            <a:r>
-              <a:rPr lang="en-US" dirty="0"/>
-              <a:t>– combine to build algorithms; exist for mapping, optimizing and post-processing steps</a:t>
-            </a:r>
-          </a:p>
-          <a:p>
-            <a:pPr marL="457200" indent="-457200">
-              <a:buFontTx/>
-              <a:buChar char="-"/>
-            </a:pPr>
-            <a:r>
-              <a:rPr lang="en-US" dirty="0" err="1">
-                <a:solidFill>
-                  <a:srgbClr val="FF7EB6"/>
-                </a:solidFill>
-              </a:rPr>
-              <a:t>Qiskit</a:t>
-            </a:r>
-            <a:r>
-              <a:rPr lang="en-US" dirty="0">
-                <a:solidFill>
-                  <a:srgbClr val="FF7EB6"/>
-                </a:solidFill>
-              </a:rPr>
-              <a:t> Function templates </a:t>
-            </a:r>
-            <a:r>
-              <a:rPr lang="en-US" dirty="0"/>
-              <a:t>– realistic code examples utilizing </a:t>
-            </a:r>
-            <a:r>
-              <a:rPr lang="en-US" dirty="0" err="1"/>
-              <a:t>Qiskit</a:t>
-            </a:r>
-            <a:r>
-              <a:rPr lang="en-US" dirty="0"/>
-              <a:t> and </a:t>
-            </a:r>
-            <a:r>
-              <a:rPr lang="en-US" dirty="0" err="1"/>
-              <a:t>Qiskit</a:t>
-            </a:r>
-            <a:r>
-              <a:rPr lang="en-US" dirty="0"/>
-              <a:t> Addons</a:t>
-            </a:r>
-          </a:p>
-          <a:p>
-            <a:pPr marL="457200" indent="-457200">
-              <a:buFontTx/>
-              <a:buChar char="-"/>
-            </a:pPr>
-            <a:endParaRPr lang="en-US" dirty="0"/>
-          </a:p>
-          <a:p>
-            <a:endParaRPr lang="en-US" dirty="0"/>
-          </a:p>
-        </p:txBody>
-      </p:sp>
-      <p:sp>
-        <p:nvSpPr>
-          <p:cNvPr id="7" name="Text Placeholder 6">
-            <a:extLst>
-              <a:ext uri="{FF2B5EF4-FFF2-40B4-BE49-F238E27FC236}">
-                <a16:creationId xmlns:a16="http://schemas.microsoft.com/office/drawing/2014/main" id="{1185869E-389D-47E4-D397-26B5B1C05281}"/>
-              </a:ext>
-            </a:extLst>
-          </p:cNvPr>
-          <p:cNvSpPr>
-            <a:spLocks noGrp="1"/>
-          </p:cNvSpPr>
-          <p:nvPr>
-            <p:ph type="body" sz="quarter" idx="19"/>
-          </p:nvPr>
-        </p:nvSpPr>
-        <p:spPr>
-          <a:xfrm>
-            <a:off x="18859500" y="6667499"/>
-            <a:ext cx="4953000" cy="6134101"/>
-          </a:xfrm>
-        </p:spPr>
-        <p:txBody>
-          <a:bodyPr/>
-          <a:lstStyle/>
-          <a:p>
-            <a:r>
-              <a:rPr lang="en-US" dirty="0">
-                <a:solidFill>
-                  <a:srgbClr val="8A3FFC"/>
-                </a:solidFill>
-              </a:rPr>
-              <a:t>Use Cases</a:t>
-            </a:r>
-          </a:p>
-          <a:p>
-            <a:endParaRPr lang="en-US" dirty="0"/>
-          </a:p>
-          <a:p>
-            <a:pPr marL="457200" indent="-457200">
-              <a:buFontTx/>
-              <a:buChar char="-"/>
-            </a:pPr>
-            <a:r>
-              <a:rPr lang="en-US" dirty="0">
-                <a:solidFill>
-                  <a:srgbClr val="FF7EB6"/>
-                </a:solidFill>
-              </a:rPr>
-              <a:t>Optimization: </a:t>
-            </a:r>
-            <a:r>
-              <a:rPr lang="en-US" dirty="0"/>
-              <a:t>combinatorial problems</a:t>
-            </a:r>
-          </a:p>
-          <a:p>
-            <a:pPr marL="457200" indent="-457200">
-              <a:buFontTx/>
-              <a:buChar char="-"/>
-            </a:pPr>
-            <a:r>
-              <a:rPr lang="en-US" dirty="0">
-                <a:solidFill>
-                  <a:srgbClr val="FF7EB6"/>
-                </a:solidFill>
-              </a:rPr>
-              <a:t>Simulate complex systems </a:t>
-            </a:r>
-            <a:r>
-              <a:rPr lang="en-US" dirty="0"/>
-              <a:t>in nature across physics and chemistry domains</a:t>
-            </a:r>
-          </a:p>
-          <a:p>
-            <a:pPr marL="457200" indent="-457200">
-              <a:buFontTx/>
-              <a:buChar char="-"/>
-            </a:pPr>
-            <a:r>
-              <a:rPr lang="en-US" dirty="0">
-                <a:solidFill>
-                  <a:srgbClr val="FF7EB6"/>
-                </a:solidFill>
-              </a:rPr>
-              <a:t>Quantum Machine Learning</a:t>
-            </a:r>
-            <a:r>
-              <a:rPr lang="en-US" dirty="0"/>
-              <a:t>, leverage quantum kernels</a:t>
-            </a:r>
-          </a:p>
-          <a:p>
-            <a:pPr marL="457200" indent="-457200">
-              <a:buFontTx/>
-              <a:buChar char="-"/>
-            </a:pPr>
-            <a:r>
-              <a:rPr lang="en-US" dirty="0">
-                <a:solidFill>
-                  <a:srgbClr val="FF7EB6"/>
-                </a:solidFill>
-              </a:rPr>
-              <a:t>Partial differential equations</a:t>
-            </a:r>
-            <a:r>
-              <a:rPr lang="en-US" dirty="0"/>
-              <a:t>, simulate nonlinear dynamical systems</a:t>
-            </a:r>
-          </a:p>
-          <a:p>
-            <a:endParaRPr lang="en-US" dirty="0"/>
-          </a:p>
-        </p:txBody>
-      </p:sp>
-      <p:sp>
-        <p:nvSpPr>
-          <p:cNvPr id="8" name="Footer Placeholder 7">
-            <a:extLst>
-              <a:ext uri="{FF2B5EF4-FFF2-40B4-BE49-F238E27FC236}">
-                <a16:creationId xmlns:a16="http://schemas.microsoft.com/office/drawing/2014/main" id="{6C085CA5-EFE6-43A1-7DE2-EECF08C36BD6}"/>
-              </a:ext>
-            </a:extLst>
-          </p:cNvPr>
-          <p:cNvSpPr>
-            <a:spLocks noGrp="1"/>
-          </p:cNvSpPr>
-          <p:nvPr>
-            <p:ph type="ftr" sz="quarter" idx="20"/>
-          </p:nvPr>
-        </p:nvSpPr>
-        <p:spPr>
-          <a:xfrm>
-            <a:off x="576072" y="12801600"/>
-            <a:ext cx="4956176" cy="381000"/>
-          </a:xfrm>
-        </p:spPr>
-        <p:txBody>
-          <a:bodyPr/>
-          <a:lstStyle/>
-          <a:p>
-            <a:r>
-              <a:rPr lang="en-US"/>
-              <a:t>Qiskit Fall Fest 2025</a:t>
-            </a:r>
-            <a:endParaRPr lang="en-US" dirty="0"/>
-          </a:p>
-        </p:txBody>
-      </p:sp>
-      <p:sp>
-        <p:nvSpPr>
-          <p:cNvPr id="14" name="TextBox 13">
-            <a:extLst>
-              <a:ext uri="{FF2B5EF4-FFF2-40B4-BE49-F238E27FC236}">
-                <a16:creationId xmlns:a16="http://schemas.microsoft.com/office/drawing/2014/main" id="{706D3034-D3DA-72BD-8AA2-DDDB5F51F4BB}"/>
+        </p:spPr>
+      </p:pic>
+      <p:sp>
+        <p:nvSpPr>
+          <p:cNvPr id="5" name="TextBox 4">
+            <a:extLst>
+              <a:ext uri="{FF2B5EF4-FFF2-40B4-BE49-F238E27FC236}">
+                <a16:creationId xmlns:a16="http://schemas.microsoft.com/office/drawing/2014/main" id="{CE705F5C-A11D-0BA8-544D-DDE481ADF40E}"/>
               </a:ext>
             </a:extLst>
           </p:cNvPr>
@@ -29483,8 +30744,8 @@
         </p:nvSpPr>
         <p:spPr>
           <a:xfrm>
-            <a:off x="26273760" y="12649200"/>
-            <a:ext cx="0" cy="0"/>
+            <a:off x="457200" y="2851484"/>
+            <a:ext cx="8410074" cy="9541041"/>
           </a:xfrm>
           <a:prstGeom prst="rect">
             <a:avLst/>
@@ -29494,24 +30755,103 @@
           </a:ln>
           <a:extLst>
             <a:ext uri="{C572A759-6A51-4108-AA02-DFA0A04FC94B}">
-              <ma14:wrappingTextBoxFlag xmlns:ma14="http://schemas.microsoft.com/office/mac/drawingml/2011/main" xmlns:a14="http://schemas.microsoft.com/office/drawing/2010/main" xmlns:m="http://schemas.openxmlformats.org/officeDocument/2006/math" xmlns="" val="1"/>
+              <ma14:wrappingTextBoxFlag xmlns="" xmlns:m="http://schemas.openxmlformats.org/officeDocument/2006/math" xmlns:a14="http://schemas.microsoft.com/office/drawing/2010/main" xmlns:ma14="http://schemas.microsoft.com/office/mac/drawingml/2011/main" val="1"/>
             </a:ext>
           </a:extLst>
         </p:spPr>
         <p:txBody>
-          <a:bodyPr wrap="none" lIns="0" tIns="0" rIns="0" bIns="0" rtlCol="0">
+          <a:bodyPr wrap="square" lIns="0" tIns="0" rIns="0" bIns="0" rtlCol="0">
             <a:noAutofit/>
           </a:bodyPr>
           <a:lstStyle/>
           <a:p>
-            <a:pPr marL="444465" indent="-446749" algn="l" defTabSz="2438400">
+            <a:pPr defTabSz="2438400">
+              <a:spcBef>
+                <a:spcPts val="2900"/>
+              </a:spcBef>
+              <a:buSzPct val="100000"/>
+            </a:pPr>
+            <a:r>
+              <a:rPr lang="en-US" dirty="0"/>
+              <a:t>Resource: Google AI Overview</a:t>
+            </a:r>
+          </a:p>
+          <a:p>
+            <a:pPr defTabSz="2438400">
+              <a:spcBef>
+                <a:spcPts val="2900"/>
+              </a:spcBef>
+              <a:buSzPct val="100000"/>
+            </a:pPr>
+            <a:endParaRPr lang="en-US" b="1" dirty="0">
+              <a:solidFill>
+                <a:schemeClr val="accent2"/>
+              </a:solidFill>
+            </a:endParaRPr>
+          </a:p>
+          <a:p>
+            <a:pPr defTabSz="2438400">
+              <a:spcBef>
+                <a:spcPts val="2900"/>
+              </a:spcBef>
+              <a:buSzPct val="100000"/>
+            </a:pPr>
+            <a:r>
+              <a:rPr lang="en-US" b="1" dirty="0">
+                <a:solidFill>
+                  <a:schemeClr val="accent2"/>
+                </a:solidFill>
+              </a:rPr>
+              <a:t>Josephson Junctions </a:t>
+            </a:r>
+          </a:p>
+          <a:p>
+            <a:pPr marL="571500" indent="-571500" defTabSz="2438400">
               <a:spcBef>
                 <a:spcPts val="2900"/>
               </a:spcBef>
               <a:buSzPct val="100000"/>
               <a:buFontTx/>
-              <a:buChar char="–"/>
+              <a:buChar char="-"/>
             </a:pPr>
+            <a:r>
+              <a:rPr lang="en-US" dirty="0"/>
+              <a:t>use tunneling to create the non-linear inductance needed to make the qubit's energy levels quantized and distinct, allowing it to hold quantum information in a superposition of states.</a:t>
+            </a:r>
+          </a:p>
+          <a:p>
+            <a:pPr marL="571500" indent="-571500" defTabSz="2438400">
+              <a:spcBef>
+                <a:spcPts val="2900"/>
+              </a:spcBef>
+              <a:buSzPct val="100000"/>
+              <a:buFontTx/>
+              <a:buChar char="-"/>
+            </a:pPr>
+            <a:r>
+              <a:rPr lang="en-US" dirty="0"/>
+              <a:t>tunneling is also a source of problems, as unwanted </a:t>
+            </a:r>
+            <a:r>
+              <a:rPr lang="en-US" dirty="0">
+                <a:hlinkClick r:id="rId5"/>
+              </a:rPr>
+              <a:t>quasiparticle tunneling</a:t>
+            </a:r>
+            <a:r>
+              <a:rPr lang="en-US" dirty="0"/>
+              <a:t> and </a:t>
+            </a:r>
+            <a:r>
+              <a:rPr lang="en-US" dirty="0">
+                <a:hlinkClick r:id="rId6"/>
+              </a:rPr>
+              <a:t>tunneling two-level systems (TLS)</a:t>
+            </a:r>
+            <a:r>
+              <a:rPr lang="en-US" dirty="0"/>
+              <a:t> can cause decoherence and errors.  </a:t>
+            </a:r>
             <a:endParaRPr lang="en-US" kern="0" dirty="0">
               <a:solidFill>
                 <a:srgbClr val="000000"/>
@@ -29523,47 +30863,12 @@
           </a:p>
         </p:txBody>
       </p:sp>
-      <p:pic>
-        <p:nvPicPr>
-          <p:cNvPr id="16" name="Picture 15">
-            <a:extLst>
-              <a:ext uri="{FF2B5EF4-FFF2-40B4-BE49-F238E27FC236}">
-                <a16:creationId xmlns:a16="http://schemas.microsoft.com/office/drawing/2014/main" id="{1CAB0A6F-F43B-34C5-090E-0E5F643CAB9B}"/>
-              </a:ext>
-            </a:extLst>
-          </p:cNvPr>
-          <p:cNvPicPr>
-            <a:picLocks noChangeAspect="1"/>
-          </p:cNvPicPr>
-          <p:nvPr/>
-        </p:nvPicPr>
-        <p:blipFill>
-          <a:blip r:embed="rId2">
-            <a:extLst>
-              <a:ext uri="{96DAC541-7B7A-43D3-8B79-37D633B846F1}">
-                <asvg:svgBlip xmlns:asvg="http://schemas.microsoft.com/office/drawing/2016/SVG/main" r:embed="rId3"/>
-              </a:ext>
-            </a:extLst>
-          </a:blip>
-          <a:srcRect/>
-          <a:stretch/>
-        </p:blipFill>
-        <p:spPr>
-          <a:xfrm>
-            <a:off x="574675" y="10109200"/>
-            <a:ext cx="1892300" cy="1892300"/>
-          </a:xfrm>
-          <a:prstGeom prst="rect">
-            <a:avLst/>
-          </a:prstGeom>
-        </p:spPr>
-      </p:pic>
-      <p:sp>
-        <p:nvSpPr>
-          <p:cNvPr id="3" name="TextBox 2">
-            <a:extLst>
-              <a:ext uri="{FF2B5EF4-FFF2-40B4-BE49-F238E27FC236}">
-                <a16:creationId xmlns:a16="http://schemas.microsoft.com/office/drawing/2014/main" id="{5A602B84-FA96-8AE6-5239-F8E7EE860129}"/>
+      <p:sp>
+        <p:nvSpPr>
+          <p:cNvPr id="7" name="TextBox 6">
+            <a:extLst>
+              <a:ext uri="{FF2B5EF4-FFF2-40B4-BE49-F238E27FC236}">
+                <a16:creationId xmlns:a16="http://schemas.microsoft.com/office/drawing/2014/main" id="{41881E42-81A1-11FC-BCEB-F6D80C07A3E7}"/>
               </a:ext>
             </a:extLst>
           </p:cNvPr>
@@ -29572,8 +30877,8 @@
         </p:nvSpPr>
         <p:spPr>
           <a:xfrm>
-            <a:off x="711200" y="4724400"/>
-            <a:ext cx="9458960" cy="2133600"/>
+            <a:off x="10960767" y="2225843"/>
+            <a:ext cx="10106527" cy="11106108"/>
           </a:xfrm>
           <a:prstGeom prst="rect">
             <a:avLst/>
@@ -29583,7 +30888,7 @@
           </a:ln>
           <a:extLst>
             <a:ext uri="{C572A759-6A51-4108-AA02-DFA0A04FC94B}">
-              <ma14:wrappingTextBoxFlag xmlns:ma14="http://schemas.microsoft.com/office/mac/drawingml/2011/main" xmlns:a14="http://schemas.microsoft.com/office/drawing/2010/main" xmlns:m="http://schemas.openxmlformats.org/officeDocument/2006/math" xmlns="" val="1"/>
+              <ma14:wrappingTextBoxFlag xmlns="" xmlns:m="http://schemas.openxmlformats.org/officeDocument/2006/math" xmlns:a14="http://schemas.microsoft.com/office/drawing/2010/main" xmlns:ma14="http://schemas.microsoft.com/office/mac/drawingml/2011/main" val="1"/>
             </a:ext>
           </a:extLst>
         </p:spPr>
@@ -29600,7 +30905,7 @@
               <a:buSzPct val="100000"/>
             </a:pPr>
             <a:r>
-              <a:rPr lang="en-US" kern="0" dirty="0">
+              <a:rPr lang="en-US" b="1" kern="0" dirty="0">
                 <a:solidFill>
                   <a:schemeClr val="accent2"/>
                 </a:solidFill>
@@ -29608,22 +30913,19 @@
                 <a:cs typeface="+mj-cs"/>
                 <a:sym typeface="IBM Plex Sans Light"/>
               </a:rPr>
-              <a:t>Parts of </a:t>
-            </a:r>
-            <a:r>
-              <a:rPr lang="en-US" kern="0" dirty="0" err="1">
-                <a:solidFill>
-                  <a:schemeClr val="accent2"/>
-                </a:solidFill>
-                <a:ea typeface="+mj-ea"/>
-                <a:cs typeface="+mj-cs"/>
-                <a:sym typeface="IBM Plex Sans Light"/>
-              </a:rPr>
-              <a:t>Qiskit</a:t>
-            </a:r>
-            <a:endParaRPr lang="en-US" kern="0" dirty="0">
+              <a:t>How Tunneling is used:</a:t>
+            </a:r>
+          </a:p>
+          <a:p>
+            <a:pPr algn="l" defTabSz="2438400">
+              <a:spcBef>
+                <a:spcPts val="2900"/>
+              </a:spcBef>
+              <a:buSzPct val="100000"/>
+            </a:pPr>
+            <a:endParaRPr lang="en-US" b="1" kern="0" dirty="0">
               <a:solidFill>
-                <a:schemeClr val="accent2"/>
+                <a:srgbClr val="000000"/>
               </a:solidFill>
               <a:ea typeface="+mj-ea"/>
               <a:cs typeface="+mj-cs"/>
@@ -29631,14 +30933,8 @@
             </a:endParaRPr>
           </a:p>
           <a:p>
-            <a:pPr defTabSz="2438400">
-              <a:spcBef>
-                <a:spcPts val="2900"/>
-              </a:spcBef>
-              <a:buSzPct val="100000"/>
-            </a:pPr>
-            <a:r>
-              <a:rPr lang="en-US" kern="0" dirty="0">
+            <a:r>
+              <a:rPr lang="en-US" b="1" kern="0" dirty="0">
                 <a:solidFill>
                   <a:srgbClr val="000000"/>
                 </a:solidFill>
@@ -29646,15 +30942,118 @@
                 <a:cs typeface="+mj-cs"/>
                 <a:sym typeface="IBM Plex Sans Light"/>
               </a:rPr>
-              <a:t>https://www.ibm.com/quantum/qiskit#ecosystem</a:t>
-            </a:r>
+              <a:t>- </a:t>
+            </a:r>
+            <a:r>
+              <a:rPr lang="en-US" b="1" dirty="0">
+                <a:hlinkClick r:id="rId7"/>
+              </a:rPr>
+              <a:t>Josephson junctions</a:t>
+            </a:r>
+            <a:r>
+              <a:rPr lang="en-US" dirty="0">
+                <a:hlinkClick r:id="rId7"/>
+              </a:rPr>
+              <a:t>: </a:t>
+            </a:r>
+          </a:p>
+          <a:p>
+            <a:r>
+              <a:rPr lang="en-US" dirty="0"/>
+              <a:t>Superconducting qubits are built with Josephson junctions, which consist of two superconductors separated by a very thin insulating layer. </a:t>
+            </a:r>
+          </a:p>
+          <a:p>
+            <a:endParaRPr lang="en-US" dirty="0"/>
+          </a:p>
+          <a:p>
+            <a:r>
+              <a:rPr lang="en-US" b="1" kern="0" dirty="0">
+                <a:solidFill>
+                  <a:srgbClr val="000000"/>
+                </a:solidFill>
+                <a:ea typeface="+mj-ea"/>
+                <a:cs typeface="+mj-cs"/>
+                <a:sym typeface="IBM Plex Sans Light"/>
+              </a:rPr>
+              <a:t>- </a:t>
+            </a:r>
+            <a:r>
+              <a:rPr lang="en-US" b="1" dirty="0">
+                <a:hlinkClick r:id="rId8"/>
+              </a:rPr>
+              <a:t>Cooper pair tunneling</a:t>
+            </a:r>
+            <a:r>
+              <a:rPr lang="en-US" dirty="0">
+                <a:hlinkClick r:id="rId8"/>
+              </a:rPr>
+              <a:t>: </a:t>
+            </a:r>
+          </a:p>
+          <a:p>
+            <a:r>
+              <a:rPr lang="en-US" dirty="0"/>
+              <a:t>Quantum tunneling allows pairs of electrons (Cooper pairs) to tunnel across this insulating barrier, creating a supercurrent. </a:t>
+            </a:r>
+          </a:p>
+          <a:p>
+            <a:pPr defTabSz="2438400">
+              <a:spcBef>
+                <a:spcPts val="2900"/>
+              </a:spcBef>
+              <a:buSzPct val="100000"/>
+            </a:pPr>
+            <a:r>
+              <a:rPr lang="en-US" b="1" kern="0" dirty="0">
+                <a:solidFill>
+                  <a:srgbClr val="000000"/>
+                </a:solidFill>
+                <a:ea typeface="+mj-ea"/>
+                <a:cs typeface="+mj-cs"/>
+                <a:sym typeface="IBM Plex Sans Light"/>
+              </a:rPr>
+              <a:t>- </a:t>
+            </a:r>
+            <a:r>
+              <a:rPr lang="en-US" b="1" dirty="0">
+                <a:hlinkClick r:id="rId9"/>
+              </a:rPr>
+              <a:t>Qubit control</a:t>
+            </a:r>
+            <a:r>
+              <a:rPr lang="en-US" dirty="0">
+                <a:hlinkClick r:id="rId9"/>
+              </a:rPr>
+              <a:t>: </a:t>
+            </a:r>
+          </a:p>
+          <a:p>
+            <a:pPr defTabSz="2438400">
+              <a:spcBef>
+                <a:spcPts val="2900"/>
+              </a:spcBef>
+              <a:buSzPct val="100000"/>
+            </a:pPr>
+            <a:r>
+              <a:rPr lang="en-US" dirty="0"/>
+              <a:t>This tunneling creates a nonlinear inductance, which is essential for creating an anharmonic oscillator. This ensures that the energy levels are not equally spaced, allowing the qubit to be controlled to operate between just the lowest two levels</a:t>
+            </a:r>
+            <a:endParaRPr lang="en-US" kern="0" dirty="0">
+              <a:solidFill>
+                <a:srgbClr val="000000"/>
+              </a:solidFill>
+              <a:ea typeface="+mj-ea"/>
+              <a:cs typeface="+mj-cs"/>
+              <a:sym typeface="IBM Plex Sans Light"/>
+            </a:endParaRPr>
           </a:p>
         </p:txBody>
       </p:sp>
     </p:spTree>
     <p:extLst>
       <p:ext uri="{BB962C8B-B14F-4D97-AF65-F5344CB8AC3E}">
-        <p14:creationId xmlns:p14="http://schemas.microsoft.com/office/powerpoint/2010/main" val="3269841112"/>
+        <p14:creationId xmlns:p14="http://schemas.microsoft.com/office/powerpoint/2010/main" val="2776006166"/>
       </p:ext>
     </p:extLst>
   </p:cSld>
@@ -29673,7 +31072,7 @@
         <p:cNvPr id="1" name="">
           <a:extLst>
             <a:ext uri="{FF2B5EF4-FFF2-40B4-BE49-F238E27FC236}">
-              <a16:creationId xmlns:a16="http://schemas.microsoft.com/office/drawing/2014/main" id="{E11E44A7-BB8C-7803-ECC5-5B63F451B40E}"/>
+              <a16:creationId xmlns:a16="http://schemas.microsoft.com/office/drawing/2014/main" id="{F01C84FF-C4CA-A705-A539-428BEF89A0A5}"/>
             </a:ext>
           </a:extLst>
         </p:cNvPr>
@@ -29693,7 +31092,7 @@
           <p:cNvPr id="2" name="Title 1">
             <a:extLst>
               <a:ext uri="{FF2B5EF4-FFF2-40B4-BE49-F238E27FC236}">
-                <a16:creationId xmlns:a16="http://schemas.microsoft.com/office/drawing/2014/main" id="{C7B81277-45DF-1F9A-27FA-652910DDDB5D}"/>
+                <a16:creationId xmlns:a16="http://schemas.microsoft.com/office/drawing/2014/main" id="{9A5AE511-F0A9-85A5-E66A-E4B522C092AB}"/>
               </a:ext>
             </a:extLst>
           </p:cNvPr>
@@ -29711,152 +31110,32 @@
           <a:p>
             <a:r>
               <a:rPr lang="en-US" dirty="0"/>
-              <a:t>Some Examples</a:t>
-            </a:r>
-          </a:p>
-        </p:txBody>
-      </p:sp>
-      <p:cxnSp>
-        <p:nvCxnSpPr>
-          <p:cNvPr id="10" name="Straight Connector 9" descr="Horizontal row divider">
-            <a:extLst>
-              <a:ext uri="{FF2B5EF4-FFF2-40B4-BE49-F238E27FC236}">
-                <a16:creationId xmlns:a16="http://schemas.microsoft.com/office/drawing/2014/main" id="{CCE203C4-A396-847D-85F7-E175346D15C1}"/>
-              </a:ext>
-            </a:extLst>
-          </p:cNvPr>
-          <p:cNvCxnSpPr/>
-          <p:nvPr/>
-        </p:nvCxnSpPr>
-        <p:spPr bwMode="auto">
-          <a:xfrm>
-            <a:off x="568325" y="6096000"/>
-            <a:ext cx="23244175" cy="0"/>
-          </a:xfrm>
-          <a:prstGeom prst="line">
-            <a:avLst/>
-          </a:prstGeom>
-          <a:ln w="12700">
-            <a:solidFill>
-              <a:schemeClr val="tx1"/>
-            </a:solidFill>
-            <a:headEnd type="none" w="med" len="med"/>
-            <a:tailEnd type="none" w="med" len="med"/>
-          </a:ln>
-          <a:effectLst/>
-        </p:spPr>
-        <p:style>
-          <a:lnRef idx="1">
-            <a:schemeClr val="dk1"/>
-          </a:lnRef>
-          <a:fillRef idx="0">
-            <a:schemeClr val="dk1"/>
-          </a:fillRef>
-          <a:effectRef idx="0">
-            <a:schemeClr val="dk1"/>
-          </a:effectRef>
-          <a:fontRef idx="minor">
-            <a:schemeClr val="tx1"/>
-          </a:fontRef>
-        </p:style>
-      </p:cxnSp>
-      <p:sp>
-        <p:nvSpPr>
-          <p:cNvPr id="3" name="Text Placeholder 2">
-            <a:extLst>
-              <a:ext uri="{FF2B5EF4-FFF2-40B4-BE49-F238E27FC236}">
-                <a16:creationId xmlns:a16="http://schemas.microsoft.com/office/drawing/2014/main" id="{E0E81317-550A-1FD1-4E5E-363882A5B82F}"/>
-              </a:ext>
-            </a:extLst>
-          </p:cNvPr>
-          <p:cNvSpPr>
-            <a:spLocks noGrp="1"/>
-          </p:cNvSpPr>
-          <p:nvPr>
-            <p:ph type="body" sz="quarter" idx="11"/>
-          </p:nvPr>
-        </p:nvSpPr>
-        <p:spPr/>
-        <p:txBody>
-          <a:bodyPr/>
-          <a:lstStyle/>
-          <a:p>
-            <a:r>
-              <a:rPr lang="en-US" sz="6400" dirty="0">
-                <a:solidFill>
-                  <a:srgbClr val="EE5396"/>
-                </a:solidFill>
-              </a:rPr>
-              <a:t>1</a:t>
-            </a:r>
-          </a:p>
-          <a:p>
+              <a:t>Nobel Prize in Physics, 2025</a:t>
+            </a:r>
             <a:br>
               <a:rPr lang="en-US" dirty="0"/>
             </a:br>
             <a:r>
-              <a:rPr lang="en-US" b="1" dirty="0"/>
-              <a:t>Combine addons </a:t>
-            </a:r>
-            <a:r>
-              <a:rPr lang="en-US" dirty="0"/>
-              <a:t>to build an algorithm – as in the graphic above for a Hamiltonian simulation.  The addons used are: MPF (multi-product formulas), AQC-Tensor, OBP, Circuit cutting, SQD, and M3.   </a:t>
-            </a:r>
-          </a:p>
-        </p:txBody>
-      </p:sp>
-      <p:cxnSp>
-        <p:nvCxnSpPr>
-          <p:cNvPr id="11" name="Straight Connector 10" descr="Vertical column divider">
-            <a:extLst>
-              <a:ext uri="{FF2B5EF4-FFF2-40B4-BE49-F238E27FC236}">
-                <a16:creationId xmlns:a16="http://schemas.microsoft.com/office/drawing/2014/main" id="{13334203-BD1F-9395-919D-2DBD43E1FEA1}"/>
-              </a:ext>
-            </a:extLst>
-          </p:cNvPr>
-          <p:cNvCxnSpPr>
-            <a:cxnSpLocks/>
-          </p:cNvCxnSpPr>
-          <p:nvPr/>
-        </p:nvCxnSpPr>
-        <p:spPr bwMode="auto">
-          <a:xfrm>
-            <a:off x="6096000" y="6096000"/>
-            <a:ext cx="0" cy="5870448"/>
-          </a:xfrm>
-          <a:prstGeom prst="line">
-            <a:avLst/>
-          </a:prstGeom>
-          <a:ln w="12700">
-            <a:solidFill>
-              <a:schemeClr val="tx1"/>
-            </a:solidFill>
-            <a:headEnd type="none" w="med" len="med"/>
-            <a:tailEnd type="none" w="med" len="med"/>
-          </a:ln>
-          <a:effectLst/>
-        </p:spPr>
-        <p:style>
-          <a:lnRef idx="1">
-            <a:schemeClr val="dk1"/>
-          </a:lnRef>
-          <a:fillRef idx="0">
-            <a:schemeClr val="dk1"/>
-          </a:fillRef>
-          <a:effectRef idx="0">
-            <a:schemeClr val="dk1"/>
-          </a:effectRef>
-          <a:fontRef idx="minor">
-            <a:schemeClr val="tx1"/>
-          </a:fontRef>
-        </p:style>
-      </p:cxnSp>
-      <p:sp>
-        <p:nvSpPr>
-          <p:cNvPr id="4" name="Text Placeholder 3">
-            <a:extLst>
-              <a:ext uri="{FF2B5EF4-FFF2-40B4-BE49-F238E27FC236}">
-                <a16:creationId xmlns:a16="http://schemas.microsoft.com/office/drawing/2014/main" id="{A1C0FD74-9CFC-6733-06FF-6B55822AFE8B}"/>
+              <a:rPr lang="en-US" sz="3200" dirty="0"/>
+              <a:t>Clarke, </a:t>
+            </a:r>
+            <a:r>
+              <a:rPr lang="en-US" sz="3200" dirty="0" err="1"/>
+              <a:t>Devoret</a:t>
+            </a:r>
+            <a:r>
+              <a:rPr lang="en-US" sz="3200" dirty="0"/>
+              <a:t>, Martinis</a:t>
+            </a:r>
+          </a:p>
+        </p:txBody>
+      </p:sp>
+      <p:sp>
+        <p:nvSpPr>
+          <p:cNvPr id="3" name="Footer Placeholder 2">
+            <a:extLst>
+              <a:ext uri="{FF2B5EF4-FFF2-40B4-BE49-F238E27FC236}">
+                <a16:creationId xmlns:a16="http://schemas.microsoft.com/office/drawing/2014/main" id="{734BC3B2-F542-90ED-B26C-C3FCB5F1A4B7}"/>
               </a:ext>
             </a:extLst>
           </p:cNvPr>
@@ -29864,289 +31143,20 @@
             <a:spLocks noGrp="1"/>
           </p:cNvSpPr>
           <p:nvPr>
-            <p:ph type="body" sz="quarter" idx="12"/>
+            <p:ph type="ftr" sz="quarter" idx="18"/>
           </p:nvPr>
         </p:nvSpPr>
-        <p:spPr/>
+        <p:spPr>
+          <a:xfrm>
+            <a:off x="576072" y="12801600"/>
+            <a:ext cx="4956176" cy="381000"/>
+          </a:xfrm>
+        </p:spPr>
         <p:txBody>
           <a:bodyPr/>
           <a:lstStyle/>
           <a:p>
             <a:r>
-              <a:rPr lang="en-US" sz="6400" dirty="0">
-                <a:solidFill>
-                  <a:srgbClr val="EE5396"/>
-                </a:solidFill>
-              </a:rPr>
-              <a:t>2</a:t>
-            </a:r>
-          </a:p>
-          <a:p>
-            <a:br>
-              <a:rPr lang="en-US" dirty="0"/>
-            </a:br>
-            <a:r>
-              <a:rPr lang="en-US" b="1" dirty="0"/>
-              <a:t>Create your own addon</a:t>
-            </a:r>
-            <a:r>
-              <a:rPr lang="en-US" dirty="0"/>
-              <a:t>. One example, could be an addon for loading classical data into the quantum computer. </a:t>
-            </a:r>
-          </a:p>
-        </p:txBody>
-      </p:sp>
-      <p:cxnSp>
-        <p:nvCxnSpPr>
-          <p:cNvPr id="12" name="Straight Connector 11" descr="Vertical column divider">
-            <a:extLst>
-              <a:ext uri="{FF2B5EF4-FFF2-40B4-BE49-F238E27FC236}">
-                <a16:creationId xmlns:a16="http://schemas.microsoft.com/office/drawing/2014/main" id="{FA0A5FFD-369C-0C3E-E134-7A32E77E432C}"/>
-              </a:ext>
-            </a:extLst>
-          </p:cNvPr>
-          <p:cNvCxnSpPr>
-            <a:cxnSpLocks/>
-          </p:cNvCxnSpPr>
-          <p:nvPr/>
-        </p:nvCxnSpPr>
-        <p:spPr bwMode="auto">
-          <a:xfrm>
-            <a:off x="12188952" y="6099048"/>
-            <a:ext cx="0" cy="5890632"/>
-          </a:xfrm>
-          <a:prstGeom prst="line">
-            <a:avLst/>
-          </a:prstGeom>
-          <a:ln w="12700">
-            <a:solidFill>
-              <a:schemeClr val="tx1"/>
-            </a:solidFill>
-            <a:headEnd type="none" w="med" len="med"/>
-            <a:tailEnd type="none" w="med" len="med"/>
-          </a:ln>
-          <a:effectLst/>
-        </p:spPr>
-        <p:style>
-          <a:lnRef idx="1">
-            <a:schemeClr val="dk1"/>
-          </a:lnRef>
-          <a:fillRef idx="0">
-            <a:schemeClr val="dk1"/>
-          </a:fillRef>
-          <a:effectRef idx="0">
-            <a:schemeClr val="dk1"/>
-          </a:effectRef>
-          <a:fontRef idx="minor">
-            <a:schemeClr val="tx1"/>
-          </a:fontRef>
-        </p:style>
-      </p:cxnSp>
-      <p:sp>
-        <p:nvSpPr>
-          <p:cNvPr id="5" name="Text Placeholder 4">
-            <a:extLst>
-              <a:ext uri="{FF2B5EF4-FFF2-40B4-BE49-F238E27FC236}">
-                <a16:creationId xmlns:a16="http://schemas.microsoft.com/office/drawing/2014/main" id="{63183290-50D5-0993-DB9B-0CD104177415}"/>
-              </a:ext>
-            </a:extLst>
-          </p:cNvPr>
-          <p:cNvSpPr>
-            <a:spLocks noGrp="1"/>
-          </p:cNvSpPr>
-          <p:nvPr>
-            <p:ph type="body" sz="quarter" idx="13"/>
-          </p:nvPr>
-        </p:nvSpPr>
-        <p:spPr>
-          <a:xfrm>
-            <a:off x="12767760" y="6667501"/>
-            <a:ext cx="4949825" cy="6515099"/>
-          </a:xfrm>
-        </p:spPr>
-        <p:txBody>
-          <a:bodyPr/>
-          <a:lstStyle/>
-          <a:p>
-            <a:r>
-              <a:rPr lang="en-US" sz="6400" dirty="0">
-                <a:solidFill>
-                  <a:srgbClr val="EE5396"/>
-                </a:solidFill>
-              </a:rPr>
-              <a:t>3</a:t>
-            </a:r>
-          </a:p>
-          <a:p>
-            <a:br>
-              <a:rPr lang="en-US" dirty="0"/>
-            </a:br>
-            <a:r>
-              <a:rPr lang="en-US" b="1" dirty="0"/>
-              <a:t>Create a game</a:t>
-            </a:r>
-            <a:r>
-              <a:rPr lang="en-US" dirty="0"/>
-              <a:t>.  </a:t>
-            </a:r>
-          </a:p>
-          <a:p>
-            <a:endParaRPr lang="en-US" dirty="0"/>
-          </a:p>
-          <a:p>
-            <a:r>
-              <a:rPr lang="en-US" dirty="0"/>
-              <a:t>Examples: </a:t>
-            </a:r>
-          </a:p>
-          <a:p>
-            <a:pPr marL="457200" indent="-457200">
-              <a:buFontTx/>
-              <a:buChar char="-"/>
-            </a:pPr>
-            <a:r>
-              <a:rPr lang="en-US" i="1" dirty="0" err="1"/>
-              <a:t>Qpong</a:t>
-            </a:r>
-            <a:r>
-              <a:rPr lang="en-US" dirty="0"/>
-              <a:t>, https://kirais.itch.io/qpong</a:t>
-            </a:r>
-          </a:p>
-          <a:p>
-            <a:pPr marL="457200" indent="-457200">
-              <a:buFontTx/>
-              <a:buChar char="-"/>
-            </a:pPr>
-            <a:r>
-              <a:rPr lang="en-US" i="1" dirty="0"/>
-              <a:t>DOOM</a:t>
-            </a:r>
-            <a:r>
-              <a:rPr lang="en-US" dirty="0"/>
-              <a:t>, https://github.com/Lumorti/Quandoom</a:t>
-            </a:r>
-          </a:p>
-        </p:txBody>
-      </p:sp>
-      <p:cxnSp>
-        <p:nvCxnSpPr>
-          <p:cNvPr id="13" name="Straight Connector 12" descr="Vertical column divider">
-            <a:extLst>
-              <a:ext uri="{FF2B5EF4-FFF2-40B4-BE49-F238E27FC236}">
-                <a16:creationId xmlns:a16="http://schemas.microsoft.com/office/drawing/2014/main" id="{BF360D5C-3759-AB76-5F20-0EBD0269677D}"/>
-              </a:ext>
-            </a:extLst>
-          </p:cNvPr>
-          <p:cNvCxnSpPr>
-            <a:cxnSpLocks/>
-          </p:cNvCxnSpPr>
-          <p:nvPr/>
-        </p:nvCxnSpPr>
-        <p:spPr bwMode="auto">
-          <a:xfrm>
-            <a:off x="18288000" y="6096000"/>
-            <a:ext cx="0" cy="5868329"/>
-          </a:xfrm>
-          <a:prstGeom prst="line">
-            <a:avLst/>
-          </a:prstGeom>
-          <a:ln w="12700">
-            <a:solidFill>
-              <a:schemeClr val="tx1"/>
-            </a:solidFill>
-            <a:headEnd type="none" w="med" len="med"/>
-            <a:tailEnd type="none" w="med" len="med"/>
-          </a:ln>
-          <a:effectLst/>
-        </p:spPr>
-        <p:style>
-          <a:lnRef idx="1">
-            <a:schemeClr val="dk1"/>
-          </a:lnRef>
-          <a:fillRef idx="0">
-            <a:schemeClr val="dk1"/>
-          </a:fillRef>
-          <a:effectRef idx="0">
-            <a:schemeClr val="dk1"/>
-          </a:effectRef>
-          <a:fontRef idx="minor">
-            <a:schemeClr val="tx1"/>
-          </a:fontRef>
-        </p:style>
-      </p:cxnSp>
-      <p:sp>
-        <p:nvSpPr>
-          <p:cNvPr id="6" name="Text Placeholder 5">
-            <a:extLst>
-              <a:ext uri="{FF2B5EF4-FFF2-40B4-BE49-F238E27FC236}">
-                <a16:creationId xmlns:a16="http://schemas.microsoft.com/office/drawing/2014/main" id="{8053811C-5E13-5DAA-FA7A-846139EF8D00}"/>
-              </a:ext>
-            </a:extLst>
-          </p:cNvPr>
-          <p:cNvSpPr>
-            <a:spLocks noGrp="1"/>
-          </p:cNvSpPr>
-          <p:nvPr>
-            <p:ph type="body" sz="quarter" idx="14"/>
-          </p:nvPr>
-        </p:nvSpPr>
-        <p:spPr/>
-        <p:txBody>
-          <a:bodyPr/>
-          <a:lstStyle/>
-          <a:p>
-            <a:r>
-              <a:rPr lang="en-US" sz="6400" dirty="0">
-                <a:solidFill>
-                  <a:srgbClr val="EE5396"/>
-                </a:solidFill>
-              </a:rPr>
-              <a:t>4</a:t>
-            </a:r>
-          </a:p>
-          <a:p>
-            <a:br>
-              <a:rPr lang="en-US" dirty="0"/>
-            </a:br>
-            <a:r>
-              <a:rPr lang="en-US" b="1" dirty="0"/>
-              <a:t>Use the QAOA </a:t>
-            </a:r>
-            <a:r>
-              <a:rPr lang="en-US" dirty="0"/>
-              <a:t>algorithm to solve an optimization problem.</a:t>
-            </a:r>
-          </a:p>
-        </p:txBody>
-      </p:sp>
-      <p:sp>
-        <p:nvSpPr>
-          <p:cNvPr id="7" name="Footer Placeholder 6">
-            <a:extLst>
-              <a:ext uri="{FF2B5EF4-FFF2-40B4-BE49-F238E27FC236}">
-                <a16:creationId xmlns:a16="http://schemas.microsoft.com/office/drawing/2014/main" id="{D8F106C5-E19F-5553-86AA-A263A4133FE4}"/>
-              </a:ext>
-            </a:extLst>
-          </p:cNvPr>
-          <p:cNvSpPr>
-            <a:spLocks noGrp="1"/>
-          </p:cNvSpPr>
-          <p:nvPr>
-            <p:ph type="ftr" sz="quarter" idx="15"/>
-          </p:nvPr>
-        </p:nvSpPr>
-        <p:spPr>
-          <a:xfrm>
-            <a:off x="576072" y="12801600"/>
-            <a:ext cx="4956176" cy="381000"/>
-          </a:xfrm>
-        </p:spPr>
-        <p:txBody>
-          <a:bodyPr/>
-          <a:lstStyle/>
-          <a:p>
-            <a:r>
               <a:rPr lang="en-US"/>
               <a:t>Qiskit Fall Fest 2025</a:t>
             </a:r>
@@ -30156,10 +31166,10 @@
       </p:sp>
       <p:pic>
         <p:nvPicPr>
-          <p:cNvPr id="14" name="Picture 13">
-            <a:extLst>
-              <a:ext uri="{FF2B5EF4-FFF2-40B4-BE49-F238E27FC236}">
-                <a16:creationId xmlns:a16="http://schemas.microsoft.com/office/drawing/2014/main" id="{C6DC7EBA-CA91-586A-E4DD-B039AAD512F5}"/>
+          <p:cNvPr id="10" name="Picture 9">
+            <a:extLst>
+              <a:ext uri="{FF2B5EF4-FFF2-40B4-BE49-F238E27FC236}">
+                <a16:creationId xmlns:a16="http://schemas.microsoft.com/office/drawing/2014/main" id="{27916950-9E6B-1901-2D59-C63764235F78}"/>
               </a:ext>
             </a:extLst>
           </p:cNvPr>
@@ -30169,10 +31179,10 @@
           <p:nvPr/>
         </p:nvPicPr>
         <p:blipFill>
-          <a:blip r:embed="rId2">
+          <a:blip r:embed="rId3">
             <a:extLst>
               <a:ext uri="{96DAC541-7B7A-43D3-8B79-37D633B846F1}">
-                <asvg:svgBlip xmlns:asvg="http://schemas.microsoft.com/office/drawing/2016/SVG/main" r:embed="rId3"/>
+                <asvg:svgBlip xmlns:asvg="http://schemas.microsoft.com/office/drawing/2016/SVG/main" r:embed="rId4"/>
               </a:ext>
             </a:extLst>
           </a:blip>
@@ -30181,50 +31191,20 @@
         </p:blipFill>
         <p:spPr>
           <a:xfrm>
-            <a:off x="21912263" y="532124"/>
-            <a:ext cx="1892300" cy="1892300"/>
+            <a:off x="20959245" y="544513"/>
+            <a:ext cx="2859087" cy="2859087"/>
           </a:xfrm>
           <a:prstGeom prst="rect">
             <a:avLst/>
           </a:prstGeom>
         </p:spPr>
       </p:pic>
-      <p:pic>
-        <p:nvPicPr>
-          <p:cNvPr id="9" name="Picture 8" descr="A screenshot of a computer&#10;&#10;AI-generated content may be incorrect.">
-            <a:extLst>
-              <a:ext uri="{FF2B5EF4-FFF2-40B4-BE49-F238E27FC236}">
-                <a16:creationId xmlns:a16="http://schemas.microsoft.com/office/drawing/2014/main" id="{CB3A9971-9917-EA14-6FC7-C5030FC1359E}"/>
-              </a:ext>
-            </a:extLst>
-          </p:cNvPr>
-          <p:cNvPicPr>
-            <a:picLocks noChangeAspect="1"/>
-          </p:cNvPicPr>
-          <p:nvPr/>
-        </p:nvPicPr>
-        <p:blipFill>
-          <a:blip r:embed="rId4"/>
-          <a:stretch>
-            <a:fillRect/>
-          </a:stretch>
-        </p:blipFill>
-        <p:spPr>
-          <a:xfrm>
-            <a:off x="8282973" y="643884"/>
-            <a:ext cx="10576527" cy="4743882"/>
-          </a:xfrm>
-          <a:prstGeom prst="rect">
-            <a:avLst/>
-          </a:prstGeom>
-        </p:spPr>
-      </p:pic>
-      <p:sp>
-        <p:nvSpPr>
-          <p:cNvPr id="15" name="TextBox 14">
-            <a:extLst>
-              <a:ext uri="{FF2B5EF4-FFF2-40B4-BE49-F238E27FC236}">
-                <a16:creationId xmlns:a16="http://schemas.microsoft.com/office/drawing/2014/main" id="{F11FEC8F-24B8-8925-83AA-763B3B16F490}"/>
+      <p:sp>
+        <p:nvSpPr>
+          <p:cNvPr id="4" name="TextBox 3">
+            <a:extLst>
+              <a:ext uri="{FF2B5EF4-FFF2-40B4-BE49-F238E27FC236}">
+                <a16:creationId xmlns:a16="http://schemas.microsoft.com/office/drawing/2014/main" id="{83B6670F-9075-E67A-1FE0-C0E6D39638A3}"/>
               </a:ext>
             </a:extLst>
           </p:cNvPr>
@@ -30233,8 +31213,8 @@
         </p:nvSpPr>
         <p:spPr>
           <a:xfrm>
-            <a:off x="1849120" y="2621280"/>
-            <a:ext cx="4419600" cy="2489200"/>
+            <a:off x="986589" y="3403600"/>
+            <a:ext cx="16723895" cy="7256379"/>
           </a:xfrm>
           <a:prstGeom prst="rect">
             <a:avLst/>
@@ -30244,12 +31224,12 @@
           </a:ln>
           <a:extLst>
             <a:ext uri="{C572A759-6A51-4108-AA02-DFA0A04FC94B}">
-              <ma14:wrappingTextBoxFlag xmlns:ma14="http://schemas.microsoft.com/office/mac/drawingml/2011/main" xmlns:a14="http://schemas.microsoft.com/office/drawing/2010/main" xmlns:m="http://schemas.openxmlformats.org/officeDocument/2006/math" xmlns="" val="1"/>
+              <ma14:wrappingTextBoxFlag xmlns="" xmlns:m="http://schemas.openxmlformats.org/officeDocument/2006/math" xmlns:a14="http://schemas.microsoft.com/office/drawing/2010/main" xmlns:ma14="http://schemas.microsoft.com/office/mac/drawingml/2011/main" val="1"/>
             </a:ext>
           </a:extLst>
         </p:spPr>
         <p:txBody>
-          <a:bodyPr wrap="none" lIns="0" tIns="0" rIns="0" bIns="0" rtlCol="0">
+          <a:bodyPr wrap="square" lIns="0" tIns="0" rIns="0" bIns="0" rtlCol="0">
             <a:noAutofit/>
           </a:bodyPr>
           <a:lstStyle/>
@@ -30275,10 +31255,10 @@
       </p:sp>
       <p:sp>
         <p:nvSpPr>
-          <p:cNvPr id="16" name="TextBox 15">
-            <a:extLst>
-              <a:ext uri="{FF2B5EF4-FFF2-40B4-BE49-F238E27FC236}">
-                <a16:creationId xmlns:a16="http://schemas.microsoft.com/office/drawing/2014/main" id="{BD0B924E-D0F1-41CA-E494-3DF0F24B0B36}"/>
+          <p:cNvPr id="5" name="TextBox 4">
+            <a:extLst>
+              <a:ext uri="{FF2B5EF4-FFF2-40B4-BE49-F238E27FC236}">
+                <a16:creationId xmlns:a16="http://schemas.microsoft.com/office/drawing/2014/main" id="{D1E42BB1-F2CB-6670-8678-20C7D8E582FB}"/>
               </a:ext>
             </a:extLst>
           </p:cNvPr>
@@ -30287,8 +31267,8 @@
         </p:nvSpPr>
         <p:spPr>
           <a:xfrm>
-            <a:off x="583751" y="2113280"/>
-            <a:ext cx="6085840" cy="2854515"/>
+            <a:off x="576072" y="2550695"/>
+            <a:ext cx="18734612" cy="10383252"/>
           </a:xfrm>
           <a:prstGeom prst="rect">
             <a:avLst/>
@@ -30298,7 +31278,7 @@
           </a:ln>
           <a:extLst>
             <a:ext uri="{C572A759-6A51-4108-AA02-DFA0A04FC94B}">
-              <ma14:wrappingTextBoxFlag xmlns:ma14="http://schemas.microsoft.com/office/mac/drawingml/2011/main" xmlns:a14="http://schemas.microsoft.com/office/drawing/2010/main" xmlns:m="http://schemas.openxmlformats.org/officeDocument/2006/math" xmlns="" val="1"/>
+              <ma14:wrappingTextBoxFlag xmlns="" xmlns:m="http://schemas.openxmlformats.org/officeDocument/2006/math" xmlns:a14="http://schemas.microsoft.com/office/drawing/2010/main" xmlns:ma14="http://schemas.microsoft.com/office/mac/drawingml/2011/main" val="1"/>
             </a:ext>
           </a:extLst>
         </p:spPr>
@@ -30308,96 +31288,115 @@
           </a:bodyPr>
           <a:lstStyle/>
           <a:p>
-            <a:pPr algn="l" defTabSz="2438400">
+            <a:r>
+              <a:rPr lang="en-US" b="1" dirty="0">
+                <a:solidFill>
+                  <a:schemeClr val="accent2"/>
+                </a:solidFill>
+              </a:rPr>
+              <a:t>How tunneling is a challenge</a:t>
+            </a:r>
+          </a:p>
+          <a:p>
+            <a:endParaRPr lang="en-US" dirty="0"/>
+          </a:p>
+          <a:p>
+            <a:r>
+              <a:rPr lang="en-US" b="1" dirty="0"/>
+              <a:t>Quasiparticle tunneling</a:t>
+            </a:r>
+            <a:r>
+              <a:rPr lang="en-US" dirty="0"/>
+              <a:t>: </a:t>
+            </a:r>
+          </a:p>
+          <a:p>
+            <a:r>
+              <a:rPr lang="en-US" dirty="0"/>
+              <a:t>Unwanted quasiparticles (individual electrons with broken pairs) can tunnel across the junction, leading to qubit decay and dephasing. </a:t>
+            </a:r>
+          </a:p>
+          <a:p>
+            <a:endParaRPr lang="en-US" b="1" dirty="0"/>
+          </a:p>
+          <a:p>
+            <a:r>
+              <a:rPr lang="en-US" b="1" dirty="0"/>
+              <a:t>Tunneling two-level systems (TLS)</a:t>
+            </a:r>
+            <a:r>
+              <a:rPr lang="en-US" dirty="0"/>
+              <a:t>: </a:t>
+            </a:r>
+          </a:p>
+          <a:p>
+            <a:r>
+              <a:rPr lang="en-US" dirty="0"/>
+              <a:t>Defects in the insulating layers or other parts of the qubit can act as TLS, where particles can tunnel between different energy states. This can introduce noise and cause the qubit to lose its quantum state. </a:t>
+            </a:r>
+          </a:p>
+          <a:p>
+            <a:endParaRPr lang="en-US" b="1" dirty="0"/>
+          </a:p>
+          <a:p>
+            <a:r>
+              <a:rPr lang="en-US" b="1" dirty="0"/>
+              <a:t>Decoherence</a:t>
+            </a:r>
+            <a:r>
+              <a:rPr lang="en-US" dirty="0"/>
+              <a:t>: </a:t>
+            </a:r>
+          </a:p>
+          <a:p>
+            <a:r>
+              <a:rPr lang="en-US" dirty="0"/>
+              <a:t>Both quasiparticle tunneling and TLS are major sources of decoherence, which limits the performance and coherence time of the qubit. </a:t>
+            </a:r>
+          </a:p>
+          <a:p>
+            <a:endParaRPr lang="en-US" b="1" dirty="0"/>
+          </a:p>
+          <a:p>
+            <a:r>
+              <a:rPr lang="en-US" b="1" dirty="0"/>
+              <a:t>Mitigation efforts</a:t>
+            </a:r>
+            <a:r>
+              <a:rPr lang="en-US" dirty="0"/>
+              <a:t>: </a:t>
+            </a:r>
+          </a:p>
+          <a:p>
+            <a:r>
+              <a:rPr lang="en-US" dirty="0"/>
+              <a:t>Researchers are actively working to reduce these detrimental tunneling effects by engineering the materials and the qubit structure itself to suppress unwanted tunneling. </a:t>
+            </a:r>
+          </a:p>
+          <a:p>
+            <a:pPr marL="444465" indent="-446749" algn="l" defTabSz="2438400">
               <a:spcBef>
                 <a:spcPts val="2900"/>
               </a:spcBef>
               <a:buSzPct val="100000"/>
+              <a:buFontTx/>
+              <a:buChar char="–"/>
             </a:pPr>
-            <a:r>
-              <a:rPr lang="en-US" kern="0" dirty="0" err="1">
-                <a:solidFill>
-                  <a:srgbClr val="000000"/>
-                </a:solidFill>
-                <a:ea typeface="+mj-ea"/>
-                <a:cs typeface="+mj-cs"/>
-                <a:sym typeface="IBM Plex Sans Light"/>
-              </a:rPr>
-              <a:t>Qiskit</a:t>
-            </a:r>
-            <a:r>
-              <a:rPr lang="en-US" kern="0" dirty="0">
-                <a:solidFill>
-                  <a:srgbClr val="000000"/>
-                </a:solidFill>
-                <a:ea typeface="+mj-ea"/>
-                <a:cs typeface="+mj-cs"/>
-                <a:sym typeface="IBM Plex Sans Light"/>
-              </a:rPr>
-              <a:t> Tutorials</a:t>
-            </a:r>
-          </a:p>
-          <a:p>
-            <a:pPr defTabSz="2438400">
-              <a:spcBef>
-                <a:spcPts val="2900"/>
-              </a:spcBef>
-              <a:buSzPct val="100000"/>
-            </a:pPr>
-            <a:r>
-              <a:rPr lang="en-US" kern="0" dirty="0">
-                <a:solidFill>
-                  <a:srgbClr val="000000"/>
-                </a:solidFill>
-                <a:ea typeface="+mj-ea"/>
-                <a:cs typeface="+mj-cs"/>
-                <a:sym typeface="IBM Plex Sans Light"/>
-              </a:rPr>
-              <a:t>https://quantum.cloud.ibm.com/docs/en/tutorials</a:t>
-            </a:r>
-          </a:p>
-        </p:txBody>
-      </p:sp>
-      <p:pic>
-        <p:nvPicPr>
-          <p:cNvPr id="17" name="Graphic 16">
-            <a:extLst>
-              <a:ext uri="{FF2B5EF4-FFF2-40B4-BE49-F238E27FC236}">
-                <a16:creationId xmlns:a16="http://schemas.microsoft.com/office/drawing/2014/main" id="{EB78EAF6-E356-48DF-F35C-4845E4DA2696}"/>
-              </a:ext>
-            </a:extLst>
-          </p:cNvPr>
-          <p:cNvPicPr>
-            <a:picLocks noChangeAspect="1"/>
-          </p:cNvPicPr>
-          <p:nvPr/>
-        </p:nvPicPr>
-        <p:blipFill>
-          <a:blip r:embed="rId5">
-            <a:extLst>
-              <a:ext uri="{96DAC541-7B7A-43D3-8B79-37D633B846F1}">
-                <asvg:svgBlip xmlns:asvg="http://schemas.microsoft.com/office/drawing/2016/SVG/main" r:embed="rId6"/>
-              </a:ext>
-            </a:extLst>
-          </a:blip>
-          <a:stretch>
-            <a:fillRect/>
-          </a:stretch>
-        </p:blipFill>
-        <p:spPr>
-          <a:xfrm>
-            <a:off x="8637675" y="4510271"/>
-            <a:ext cx="1689195" cy="662429"/>
-          </a:xfrm>
-          <a:prstGeom prst="rect">
-            <a:avLst/>
-          </a:prstGeom>
-        </p:spPr>
-      </p:pic>
+            <a:endParaRPr lang="en-US" kern="0" dirty="0">
+              <a:solidFill>
+                <a:srgbClr val="000000"/>
+              </a:solidFill>
+              <a:ea typeface="+mj-ea"/>
+              <a:cs typeface="+mj-cs"/>
+              <a:sym typeface="IBM Plex Sans Light"/>
+            </a:endParaRPr>
+          </a:p>
+        </p:txBody>
+      </p:sp>
     </p:spTree>
     <p:extLst>
       <p:ext uri="{BB962C8B-B14F-4D97-AF65-F5344CB8AC3E}">
-        <p14:creationId xmlns:p14="http://schemas.microsoft.com/office/powerpoint/2010/main" val="1696501437"/>
+        <p14:creationId xmlns:p14="http://schemas.microsoft.com/office/powerpoint/2010/main" val="460689430"/>
       </p:ext>
     </p:extLst>
   </p:cSld>
@@ -30416,7 +31415,7 @@
         <p:cNvPr id="1" name="">
           <a:extLst>
             <a:ext uri="{FF2B5EF4-FFF2-40B4-BE49-F238E27FC236}">
-              <a16:creationId xmlns:a16="http://schemas.microsoft.com/office/drawing/2014/main" id="{E4CA067A-5A35-64F6-BF86-3A34828DDC48}"/>
+              <a16:creationId xmlns:a16="http://schemas.microsoft.com/office/drawing/2014/main" id="{3DCCAB59-97CD-BDDE-E1A0-47D51A4DE0B4}"/>
             </a:ext>
           </a:extLst>
         </p:cNvPr>
@@ -30433,10 +31432,50 @@
       </p:grpSpPr>
       <p:sp>
         <p:nvSpPr>
+          <p:cNvPr id="2" name="Title 1">
+            <a:extLst>
+              <a:ext uri="{FF2B5EF4-FFF2-40B4-BE49-F238E27FC236}">
+                <a16:creationId xmlns:a16="http://schemas.microsoft.com/office/drawing/2014/main" id="{3C56C8A5-DD01-A099-D42D-A4A7FEE3889D}"/>
+              </a:ext>
+            </a:extLst>
+          </p:cNvPr>
+          <p:cNvSpPr>
+            <a:spLocks noGrp="1"/>
+          </p:cNvSpPr>
+          <p:nvPr>
+            <p:ph type="title"/>
+          </p:nvPr>
+        </p:nvSpPr>
+        <p:spPr>
+          <a:xfrm>
+            <a:off x="576072" y="384048"/>
+            <a:ext cx="12863202" cy="2859087"/>
+          </a:xfrm>
+        </p:spPr>
+        <p:txBody>
+          <a:bodyPr/>
+          <a:lstStyle/>
+          <a:p>
+            <a:r>
+              <a:rPr lang="en-US" dirty="0"/>
+              <a:t>Quantum Computing Hardware</a:t>
+            </a:r>
+            <a:br>
+              <a:rPr lang="en-US" dirty="0"/>
+            </a:br>
+            <a:r>
+              <a:rPr lang="en-US" sz="3200" dirty="0"/>
+              <a:t>Resources</a:t>
+            </a:r>
+          </a:p>
+        </p:txBody>
+      </p:sp>
+      <p:sp>
+        <p:nvSpPr>
           <p:cNvPr id="3" name="Footer Placeholder 2">
             <a:extLst>
               <a:ext uri="{FF2B5EF4-FFF2-40B4-BE49-F238E27FC236}">
-                <a16:creationId xmlns:a16="http://schemas.microsoft.com/office/drawing/2014/main" id="{97EB65A2-FFFE-E2A3-2072-5CCE9821B76C}"/>
+                <a16:creationId xmlns:a16="http://schemas.microsoft.com/office/drawing/2014/main" id="{ABC4B21D-6411-CA80-C9D3-B4D0323FF7D8}"/>
               </a:ext>
             </a:extLst>
           </p:cNvPr>
@@ -30447,7 +31486,12 @@
             <p:ph type="ftr" sz="quarter" idx="18"/>
           </p:nvPr>
         </p:nvSpPr>
-        <p:spPr/>
+        <p:spPr>
+          <a:xfrm>
+            <a:off x="576072" y="12801600"/>
+            <a:ext cx="4956176" cy="381000"/>
+          </a:xfrm>
+        </p:spPr>
         <p:txBody>
           <a:bodyPr/>
           <a:lstStyle/>
@@ -30460,322 +31504,12 @@
           </a:p>
         </p:txBody>
       </p:sp>
-      <p:sp>
-        <p:nvSpPr>
-          <p:cNvPr id="4" name="Slide Number Placeholder 3">
-            <a:extLst>
-              <a:ext uri="{FF2B5EF4-FFF2-40B4-BE49-F238E27FC236}">
-                <a16:creationId xmlns:a16="http://schemas.microsoft.com/office/drawing/2014/main" id="{13FD00C4-31EE-F356-1B18-F366B6058693}"/>
-              </a:ext>
-            </a:extLst>
-          </p:cNvPr>
-          <p:cNvSpPr>
-            <a:spLocks noGrp="1"/>
-          </p:cNvSpPr>
-          <p:nvPr>
-            <p:ph type="sldNum" sz="quarter" idx="4"/>
-          </p:nvPr>
-        </p:nvSpPr>
-        <p:spPr/>
-        <p:txBody>
-          <a:bodyPr/>
-          <a:lstStyle/>
-          <a:p>
-            <a:fld id="{86CB4B4D-7CA3-9044-876B-883B54F8677D}" type="slidenum">
-              <a:rPr lang="en-US" smtClean="0"/>
-              <a:pPr/>
-              <a:t>8</a:t>
-            </a:fld>
-            <a:endParaRPr lang="en-US"/>
-          </a:p>
-        </p:txBody>
-      </p:sp>
-      <p:sp>
-        <p:nvSpPr>
-          <p:cNvPr id="5" name="Text Placeholder 4">
-            <a:extLst>
-              <a:ext uri="{FF2B5EF4-FFF2-40B4-BE49-F238E27FC236}">
-                <a16:creationId xmlns:a16="http://schemas.microsoft.com/office/drawing/2014/main" id="{4DBACA7B-8716-5209-010D-ACFE61039E60}"/>
-              </a:ext>
-            </a:extLst>
-          </p:cNvPr>
-          <p:cNvSpPr txBox="1">
-            <a:spLocks/>
-          </p:cNvSpPr>
-          <p:nvPr/>
-        </p:nvSpPr>
-        <p:spPr>
-          <a:xfrm>
-            <a:off x="576072" y="576072"/>
-            <a:ext cx="10099675" cy="571500"/>
-          </a:xfrm>
-          <a:prstGeom prst="rect">
-            <a:avLst/>
-          </a:prstGeom>
-        </p:spPr>
-        <p:txBody>
-          <a:bodyPr/>
-          <a:lstStyle>
-            <a:lvl1pPr marL="0" marR="0" indent="0" algn="l" defTabSz="2438400" rtl="0" eaLnBrk="1" latinLnBrk="0" hangingPunct="1">
-              <a:lnSpc>
-                <a:spcPct val="110000"/>
-              </a:lnSpc>
-              <a:spcBef>
-                <a:spcPts val="0"/>
-              </a:spcBef>
-              <a:spcAft>
-                <a:spcPts val="0"/>
-              </a:spcAft>
-              <a:buClrTx/>
-              <a:buSzTx/>
-              <a:buFontTx/>
-              <a:buNone/>
-              <a:tabLst/>
-              <a:defRPr sz="3600" b="0" i="0" u="none" strike="noStrike" cap="none" spc="0" baseline="0">
-                <a:solidFill>
-                  <a:schemeClr val="tx1"/>
-                </a:solidFill>
-                <a:uFillTx/>
-                <a:latin typeface="+mj-lt"/>
-                <a:ea typeface="+mj-ea"/>
-                <a:cs typeface="+mj-cs"/>
-                <a:sym typeface="IBM Plex Sans Light"/>
-              </a:defRPr>
-            </a:lvl1pPr>
-            <a:lvl2pPr marL="329184" marR="0" indent="-329184" algn="l" defTabSz="2438400" rtl="0" eaLnBrk="1" latinLnBrk="0" hangingPunct="1">
-              <a:lnSpc>
-                <a:spcPct val="110000"/>
-              </a:lnSpc>
-              <a:spcBef>
-                <a:spcPts val="0"/>
-              </a:spcBef>
-              <a:spcAft>
-                <a:spcPts val="0"/>
-              </a:spcAft>
-              <a:buClrTx/>
-              <a:buSzPct val="100000"/>
-              <a:buFontTx/>
-              <a:buChar char="–"/>
-              <a:tabLst/>
-              <a:defRPr sz="3600" b="0" i="0" u="none" strike="noStrike" cap="none" spc="0" baseline="0">
-                <a:solidFill>
-                  <a:schemeClr val="tx1"/>
-                </a:solidFill>
-                <a:uFillTx/>
-                <a:latin typeface="+mj-lt"/>
-                <a:ea typeface="+mj-ea"/>
-                <a:cs typeface="+mj-cs"/>
-                <a:sym typeface="IBM Plex Sans Light"/>
-              </a:defRPr>
-            </a:lvl2pPr>
-            <a:lvl3pPr marL="658368" marR="0" indent="-329184" algn="l" defTabSz="2438400" rtl="0" eaLnBrk="1" latinLnBrk="0" hangingPunct="1">
-              <a:lnSpc>
-                <a:spcPct val="110000"/>
-              </a:lnSpc>
-              <a:spcBef>
-                <a:spcPts val="0"/>
-              </a:spcBef>
-              <a:spcAft>
-                <a:spcPts val="0"/>
-              </a:spcAft>
-              <a:buClrTx/>
-              <a:buSzPct val="100000"/>
-              <a:buFontTx/>
-              <a:buChar char="•"/>
-              <a:tabLst/>
-              <a:defRPr sz="3600" b="0" i="0" u="none" strike="noStrike" cap="none" spc="0" baseline="0">
-                <a:solidFill>
-                  <a:schemeClr val="tx1"/>
-                </a:solidFill>
-                <a:uFillTx/>
-                <a:latin typeface="+mj-lt"/>
-                <a:ea typeface="+mj-ea"/>
-                <a:cs typeface="+mj-cs"/>
-                <a:sym typeface="IBM Plex Sans Light"/>
-              </a:defRPr>
-            </a:lvl3pPr>
-            <a:lvl4pPr marL="987552" marR="0" indent="-329184" algn="l" defTabSz="2438400" rtl="0" eaLnBrk="1" latinLnBrk="0" hangingPunct="1">
-              <a:lnSpc>
-                <a:spcPct val="110000"/>
-              </a:lnSpc>
-              <a:spcBef>
-                <a:spcPts val="0"/>
-              </a:spcBef>
-              <a:spcAft>
-                <a:spcPts val="0"/>
-              </a:spcAft>
-              <a:buClrTx/>
-              <a:buSzPct val="100000"/>
-              <a:buFontTx/>
-              <a:buChar char="–"/>
-              <a:tabLst/>
-              <a:defRPr sz="3600" b="0" i="0" u="none" strike="noStrike" cap="none" spc="0" baseline="0">
-                <a:solidFill>
-                  <a:schemeClr val="tx1"/>
-                </a:solidFill>
-                <a:uFillTx/>
-                <a:latin typeface="+mj-lt"/>
-                <a:ea typeface="+mj-ea"/>
-                <a:cs typeface="+mj-cs"/>
-                <a:sym typeface="IBM Plex Sans Light"/>
-              </a:defRPr>
-            </a:lvl4pPr>
-            <a:lvl5pPr marL="1143000" marR="0" indent="-457200" algn="l" defTabSz="2438400" rtl="0" eaLnBrk="1" latinLnBrk="0" hangingPunct="1">
-              <a:lnSpc>
-                <a:spcPct val="110000"/>
-              </a:lnSpc>
-              <a:spcBef>
-                <a:spcPts val="2900"/>
-              </a:spcBef>
-              <a:spcAft>
-                <a:spcPts val="0"/>
-              </a:spcAft>
-              <a:buClrTx/>
-              <a:buSzPct val="100000"/>
-              <a:buFont typeface="Arial" panose="020B0604020202020204" pitchFamily="34" charset="0"/>
-              <a:buChar char="•"/>
-              <a:tabLst/>
-              <a:defRPr sz="3600" b="0" i="0" u="none" strike="noStrike" cap="none" spc="0" baseline="0">
-                <a:solidFill>
-                  <a:srgbClr val="000000"/>
-                </a:solidFill>
-                <a:uFillTx/>
-                <a:latin typeface="+mj-lt"/>
-                <a:ea typeface="+mj-ea"/>
-                <a:cs typeface="+mj-cs"/>
-                <a:sym typeface="IBM Plex Sans Light"/>
-              </a:defRPr>
-            </a:lvl5pPr>
-            <a:lvl6pPr marL="1843060" marR="0" indent="-389009" algn="l" defTabSz="2438400" rtl="0" eaLnBrk="1" latinLnBrk="0" hangingPunct="1">
-              <a:lnSpc>
-                <a:spcPct val="100000"/>
-              </a:lnSpc>
-              <a:spcBef>
-                <a:spcPts val="2900"/>
-              </a:spcBef>
-              <a:spcAft>
-                <a:spcPts val="0"/>
-              </a:spcAft>
-              <a:buClrTx/>
-              <a:buSzPct val="100000"/>
-              <a:buFontTx/>
-              <a:buChar char="»"/>
-              <a:tabLst/>
-              <a:defRPr sz="3600" b="0" i="0" u="none" strike="noStrike" cap="none" spc="0" baseline="0">
-                <a:solidFill>
-                  <a:srgbClr val="000000"/>
-                </a:solidFill>
-                <a:uFillTx/>
-                <a:latin typeface="+mj-lt"/>
-                <a:ea typeface="+mj-ea"/>
-                <a:cs typeface="+mj-cs"/>
-                <a:sym typeface="IBM Plex Sans Light"/>
-              </a:defRPr>
-            </a:lvl6pPr>
-            <a:lvl7pPr marL="2205631" marR="0" indent="-389009" algn="l" defTabSz="2438400" rtl="0" eaLnBrk="1" latinLnBrk="0" hangingPunct="1">
-              <a:lnSpc>
-                <a:spcPct val="100000"/>
-              </a:lnSpc>
-              <a:spcBef>
-                <a:spcPts val="2900"/>
-              </a:spcBef>
-              <a:spcAft>
-                <a:spcPts val="0"/>
-              </a:spcAft>
-              <a:buClrTx/>
-              <a:buSzPct val="100000"/>
-              <a:buFontTx/>
-              <a:buChar char="»"/>
-              <a:tabLst/>
-              <a:defRPr sz="3600" b="0" i="0" u="none" strike="noStrike" cap="none" spc="0" baseline="0">
-                <a:solidFill>
-                  <a:srgbClr val="000000"/>
-                </a:solidFill>
-                <a:uFillTx/>
-                <a:latin typeface="+mj-lt"/>
-                <a:ea typeface="+mj-ea"/>
-                <a:cs typeface="+mj-cs"/>
-                <a:sym typeface="IBM Plex Sans Light"/>
-              </a:defRPr>
-            </a:lvl7pPr>
-            <a:lvl8pPr marL="2568200" marR="0" indent="-389009" algn="l" defTabSz="2438400" rtl="0" eaLnBrk="1" latinLnBrk="0" hangingPunct="1">
-              <a:lnSpc>
-                <a:spcPct val="100000"/>
-              </a:lnSpc>
-              <a:spcBef>
-                <a:spcPts val="2900"/>
-              </a:spcBef>
-              <a:spcAft>
-                <a:spcPts val="0"/>
-              </a:spcAft>
-              <a:buClrTx/>
-              <a:buSzPct val="100000"/>
-              <a:buFontTx/>
-              <a:buChar char="»"/>
-              <a:tabLst/>
-              <a:defRPr sz="3600" b="0" i="0" u="none" strike="noStrike" cap="none" spc="0" baseline="0">
-                <a:solidFill>
-                  <a:srgbClr val="000000"/>
-                </a:solidFill>
-                <a:uFillTx/>
-                <a:latin typeface="+mj-lt"/>
-                <a:ea typeface="+mj-ea"/>
-                <a:cs typeface="+mj-cs"/>
-                <a:sym typeface="IBM Plex Sans Light"/>
-              </a:defRPr>
-            </a:lvl8pPr>
-            <a:lvl9pPr marL="2930769" marR="0" indent="-389009" algn="l" defTabSz="2438400" rtl="0" eaLnBrk="1" latinLnBrk="0" hangingPunct="1">
-              <a:lnSpc>
-                <a:spcPct val="100000"/>
-              </a:lnSpc>
-              <a:spcBef>
-                <a:spcPts val="2900"/>
-              </a:spcBef>
-              <a:spcAft>
-                <a:spcPts val="0"/>
-              </a:spcAft>
-              <a:buClrTx/>
-              <a:buSzPct val="100000"/>
-              <a:buFontTx/>
-              <a:buChar char="»"/>
-              <a:tabLst/>
-              <a:defRPr sz="3600" b="0" i="0" u="none" strike="noStrike" cap="none" spc="0" baseline="0">
-                <a:solidFill>
-                  <a:srgbClr val="000000"/>
-                </a:solidFill>
-                <a:uFillTx/>
-                <a:latin typeface="+mj-lt"/>
-                <a:ea typeface="+mj-ea"/>
-                <a:cs typeface="+mj-cs"/>
-                <a:sym typeface="IBM Plex Sans Light"/>
-              </a:defRPr>
-            </a:lvl9pPr>
-          </a:lstStyle>
-          <a:p>
-            <a:r>
-              <a:rPr lang="en-US" kern="0">
-                <a:solidFill>
-                  <a:srgbClr val="697077"/>
-                </a:solidFill>
-                <a:latin typeface="IBM Plex Mono" panose="020B0509050203000203" pitchFamily="49" charset="77"/>
-              </a:rPr>
-              <a:t>Qiskit Fall Fest 2025</a:t>
-            </a:r>
-            <a:endParaRPr lang="en-US" kern="0" dirty="0">
-              <a:solidFill>
-                <a:srgbClr val="697077"/>
-              </a:solidFill>
-              <a:latin typeface="IBM Plex Mono" panose="020B0509050203000203" pitchFamily="49" charset="77"/>
-            </a:endParaRPr>
-          </a:p>
-        </p:txBody>
-      </p:sp>
       <p:pic>
         <p:nvPicPr>
-          <p:cNvPr id="6" name="Graphic 6">
-            <a:extLst>
-              <a:ext uri="{FF2B5EF4-FFF2-40B4-BE49-F238E27FC236}">
-                <a16:creationId xmlns:a16="http://schemas.microsoft.com/office/drawing/2014/main" id="{DAD296D6-C5A6-8D44-8AF1-1A82C1D89DD0}"/>
+          <p:cNvPr id="10" name="Picture 9">
+            <a:extLst>
+              <a:ext uri="{FF2B5EF4-FFF2-40B4-BE49-F238E27FC236}">
+                <a16:creationId xmlns:a16="http://schemas.microsoft.com/office/drawing/2014/main" id="{C6DE6EA9-A237-01A5-8529-FAAB0F79200B}"/>
               </a:ext>
             </a:extLst>
           </p:cNvPr>
@@ -30785,14 +31519,20 @@
           <p:nvPr/>
         </p:nvPicPr>
         <p:blipFill>
-          <a:blip r:embed="rId2"/>
+          <a:blip r:embed="rId3">
+            <a:extLst>
+              <a:ext uri="{96DAC541-7B7A-43D3-8B79-37D633B846F1}">
+                <asvg:svgBlip xmlns:asvg="http://schemas.microsoft.com/office/drawing/2016/SVG/main" r:embed="rId4"/>
+              </a:ext>
+            </a:extLst>
+          </a:blip>
           <a:srcRect/>
           <a:stretch/>
         </p:blipFill>
         <p:spPr>
           <a:xfrm>
-            <a:off x="15245135" y="188681"/>
-            <a:ext cx="9142040" cy="13521000"/>
+            <a:off x="20959245" y="544513"/>
+            <a:ext cx="2859087" cy="2859087"/>
           </a:xfrm>
           <a:prstGeom prst="rect">
             <a:avLst/>
@@ -30801,10 +31541,240 @@
       </p:pic>
       <p:sp>
         <p:nvSpPr>
-          <p:cNvPr id="10" name="Title 2">
-            <a:extLst>
-              <a:ext uri="{FF2B5EF4-FFF2-40B4-BE49-F238E27FC236}">
-                <a16:creationId xmlns:a16="http://schemas.microsoft.com/office/drawing/2014/main" id="{386695A8-B8CF-613B-3440-95B7EB9FB482}"/>
+          <p:cNvPr id="4" name="TextBox 3">
+            <a:extLst>
+              <a:ext uri="{FF2B5EF4-FFF2-40B4-BE49-F238E27FC236}">
+                <a16:creationId xmlns:a16="http://schemas.microsoft.com/office/drawing/2014/main" id="{1463E015-CD20-EEC2-22EC-9941AD43B669}"/>
+              </a:ext>
+            </a:extLst>
+          </p:cNvPr>
+          <p:cNvSpPr txBox="1"/>
+          <p:nvPr/>
+        </p:nvSpPr>
+        <p:spPr>
+          <a:xfrm>
+            <a:off x="866274" y="3501189"/>
+            <a:ext cx="17000621" cy="6665495"/>
+          </a:xfrm>
+          <a:prstGeom prst="rect">
+            <a:avLst/>
+          </a:prstGeom>
+          <a:ln w="12700">
+            <a:miter lim="400000"/>
+          </a:ln>
+          <a:extLst>
+            <a:ext uri="{C572A759-6A51-4108-AA02-DFA0A04FC94B}">
+              <ma14:wrappingTextBoxFlag xmlns="" xmlns:m="http://schemas.openxmlformats.org/officeDocument/2006/math" xmlns:a14="http://schemas.microsoft.com/office/drawing/2010/main" xmlns:ma14="http://schemas.microsoft.com/office/mac/drawingml/2011/main" val="1"/>
+            </a:ext>
+          </a:extLst>
+        </p:spPr>
+        <p:txBody>
+          <a:bodyPr wrap="square" lIns="0" tIns="0" rIns="0" bIns="0" rtlCol="0">
+            <a:noAutofit/>
+          </a:bodyPr>
+          <a:lstStyle/>
+          <a:p>
+            <a:pPr algn="l" defTabSz="2438400">
+              <a:spcBef>
+                <a:spcPts val="2900"/>
+              </a:spcBef>
+              <a:buSzPct val="100000"/>
+            </a:pPr>
+            <a:r>
+              <a:rPr lang="en-US" b="1" kern="0" dirty="0">
+                <a:solidFill>
+                  <a:srgbClr val="000000"/>
+                </a:solidFill>
+                <a:ea typeface="+mj-ea"/>
+                <a:cs typeface="+mj-cs"/>
+                <a:sym typeface="IBM Plex Sans Light"/>
+              </a:rPr>
+              <a:t>Book: </a:t>
+            </a:r>
+          </a:p>
+          <a:p>
+            <a:pPr algn="l" defTabSz="2438400">
+              <a:spcBef>
+                <a:spcPts val="2900"/>
+              </a:spcBef>
+              <a:buSzPct val="100000"/>
+            </a:pPr>
+            <a:r>
+              <a:rPr lang="en-US" i="1" kern="0" dirty="0">
+                <a:solidFill>
+                  <a:srgbClr val="000000"/>
+                </a:solidFill>
+                <a:ea typeface="+mj-ea"/>
+                <a:cs typeface="+mj-cs"/>
+                <a:sym typeface="IBM Plex Sans Light"/>
+              </a:rPr>
+              <a:t>Building Quantum Computers, A Practical Introduction</a:t>
+            </a:r>
+            <a:r>
+              <a:rPr lang="en-US" kern="0" dirty="0">
+                <a:solidFill>
+                  <a:srgbClr val="000000"/>
+                </a:solidFill>
+                <a:ea typeface="+mj-ea"/>
+                <a:cs typeface="+mj-cs"/>
+                <a:sym typeface="IBM Plex Sans Light"/>
+              </a:rPr>
+              <a:t> by Shayan </a:t>
+            </a:r>
+            <a:r>
+              <a:rPr lang="en-US" kern="0" dirty="0" err="1">
+                <a:solidFill>
+                  <a:srgbClr val="000000"/>
+                </a:solidFill>
+                <a:ea typeface="+mj-ea"/>
+                <a:cs typeface="+mj-cs"/>
+                <a:sym typeface="IBM Plex Sans Light"/>
+              </a:rPr>
+              <a:t>Majidy</a:t>
+            </a:r>
+            <a:r>
+              <a:rPr lang="en-US" kern="0" dirty="0">
+                <a:solidFill>
+                  <a:srgbClr val="000000"/>
+                </a:solidFill>
+                <a:ea typeface="+mj-ea"/>
+                <a:cs typeface="+mj-cs"/>
+                <a:sym typeface="IBM Plex Sans Light"/>
+              </a:rPr>
+              <a:t>, Christopher Wilson, Raymond Laflamme</a:t>
+            </a:r>
+          </a:p>
+          <a:p>
+            <a:pPr algn="l" defTabSz="2438400">
+              <a:spcBef>
+                <a:spcPts val="2900"/>
+              </a:spcBef>
+              <a:buSzPct val="100000"/>
+            </a:pPr>
+            <a:endParaRPr lang="en-US" kern="0" dirty="0">
+              <a:solidFill>
+                <a:srgbClr val="000000"/>
+              </a:solidFill>
+              <a:ea typeface="+mj-ea"/>
+              <a:cs typeface="+mj-cs"/>
+              <a:sym typeface="IBM Plex Sans Light"/>
+            </a:endParaRPr>
+          </a:p>
+          <a:p>
+            <a:pPr algn="l" defTabSz="2438400">
+              <a:spcBef>
+                <a:spcPts val="2900"/>
+              </a:spcBef>
+              <a:buSzPct val="100000"/>
+            </a:pPr>
+            <a:r>
+              <a:rPr lang="en-US" b="1" kern="0" dirty="0">
+                <a:solidFill>
+                  <a:srgbClr val="000000"/>
+                </a:solidFill>
+                <a:ea typeface="+mj-ea"/>
+                <a:cs typeface="+mj-cs"/>
+                <a:sym typeface="IBM Plex Sans Light"/>
+              </a:rPr>
+              <a:t>Company Websites: </a:t>
+            </a:r>
+          </a:p>
+          <a:p>
+            <a:pPr algn="l" defTabSz="2438400">
+              <a:spcBef>
+                <a:spcPts val="2900"/>
+              </a:spcBef>
+              <a:buSzPct val="100000"/>
+            </a:pPr>
+            <a:r>
+              <a:rPr lang="en-US" kern="0" dirty="0">
+                <a:solidFill>
+                  <a:srgbClr val="000000"/>
+                </a:solidFill>
+                <a:ea typeface="+mj-ea"/>
+                <a:cs typeface="+mj-cs"/>
+                <a:sym typeface="IBM Plex Sans Light"/>
+              </a:rPr>
+              <a:t>have articles explaining their hardware</a:t>
+            </a:r>
+          </a:p>
+        </p:txBody>
+      </p:sp>
+    </p:spTree>
+    <p:extLst>
+      <p:ext uri="{BB962C8B-B14F-4D97-AF65-F5344CB8AC3E}">
+        <p14:creationId xmlns:p14="http://schemas.microsoft.com/office/powerpoint/2010/main" val="359153326"/>
+      </p:ext>
+    </p:extLst>
+  </p:cSld>
+  <p:clrMapOvr>
+    <a:masterClrMapping/>
+  </p:clrMapOvr>
+  <p:transition spd="med"/>
+</p:sld>
+</file>
+
+<file path=ppt/slides/slide9.xml><?xml version="1.0" encoding="utf-8"?>
+<p:sld xmlns:a="http://schemas.openxmlformats.org/drawingml/2006/main" xmlns:r="http://schemas.openxmlformats.org/officeDocument/2006/relationships" xmlns:p="http://schemas.openxmlformats.org/presentationml/2006/main">
+  <p:cSld>
+    <p:spTree>
+      <p:nvGrpSpPr>
+        <p:cNvPr id="1" name="">
+          <a:extLst>
+            <a:ext uri="{FF2B5EF4-FFF2-40B4-BE49-F238E27FC236}">
+              <a16:creationId xmlns:a16="http://schemas.microsoft.com/office/drawing/2014/main" id="{1E03897A-35E7-EB6A-7B44-E8D26BF0C7A2}"/>
+            </a:ext>
+          </a:extLst>
+        </p:cNvPr>
+        <p:cNvGrpSpPr/>
+        <p:nvPr/>
+      </p:nvGrpSpPr>
+      <p:grpSpPr>
+        <a:xfrm>
+          <a:off x="0" y="0"/>
+          <a:ext cx="0" cy="0"/>
+          <a:chOff x="0" y="0"/>
+          <a:chExt cx="0" cy="0"/>
+        </a:xfrm>
+      </p:grpSpPr>
+      <p:sp>
+        <p:nvSpPr>
+          <p:cNvPr id="9" name="Text Placeholder 8">
+            <a:extLst>
+              <a:ext uri="{FF2B5EF4-FFF2-40B4-BE49-F238E27FC236}">
+                <a16:creationId xmlns:a16="http://schemas.microsoft.com/office/drawing/2014/main" id="{3D81A7C2-BCB1-0E88-E242-C2498BBDD255}"/>
+              </a:ext>
+            </a:extLst>
+          </p:cNvPr>
+          <p:cNvSpPr>
+            <a:spLocks noGrp="1"/>
+          </p:cNvSpPr>
+          <p:nvPr>
+            <p:ph type="body" sz="quarter" idx="21"/>
+          </p:nvPr>
+        </p:nvSpPr>
+        <p:spPr/>
+        <p:txBody>
+          <a:bodyPr/>
+          <a:lstStyle/>
+          <a:p>
+            <a:r>
+              <a:rPr lang="en-US" dirty="0" err="1"/>
+              <a:t>Qiskit</a:t>
+            </a:r>
+            <a:r>
+              <a:rPr lang="en-US" dirty="0"/>
+              <a:t> Fall Fest 2025</a:t>
+            </a:r>
+          </a:p>
+        </p:txBody>
+      </p:sp>
+      <p:sp>
+        <p:nvSpPr>
+          <p:cNvPr id="2" name="Title 1">
+            <a:extLst>
+              <a:ext uri="{FF2B5EF4-FFF2-40B4-BE49-F238E27FC236}">
+                <a16:creationId xmlns:a16="http://schemas.microsoft.com/office/drawing/2014/main" id="{C8717B67-12A6-B540-C829-B8E3BEA2F1DF}"/>
               </a:ext>
             </a:extLst>
           </p:cNvPr>
@@ -30817,8 +31787,8 @@
         </p:nvSpPr>
         <p:spPr>
           <a:xfrm>
-            <a:off x="728472" y="1862328"/>
-            <a:ext cx="10099675" cy="9337675"/>
+            <a:off x="576072" y="1527048"/>
+            <a:ext cx="11044239" cy="2276856"/>
           </a:xfrm>
         </p:spPr>
         <p:txBody>
@@ -30826,192 +31796,231 @@
           <a:lstStyle/>
           <a:p>
             <a:r>
-              <a:rPr lang="en-US" sz="8600" dirty="0">
-                <a:solidFill>
-                  <a:schemeClr val="tx1"/>
-                </a:solidFill>
-              </a:rPr>
-              <a:t>Thanks for coming!!</a:t>
-            </a:r>
-            <a:br>
-              <a:rPr lang="en-US" dirty="0">
-                <a:solidFill>
-                  <a:schemeClr val="tx1"/>
-                </a:solidFill>
-                <a:latin typeface="+mj-lt"/>
-              </a:rPr>
-            </a:br>
-            <a:endParaRPr lang="en-US" dirty="0">
-              <a:solidFill>
-                <a:schemeClr val="tx1"/>
-              </a:solidFill>
-            </a:endParaRPr>
-          </a:p>
-        </p:txBody>
-      </p:sp>
-      <p:sp>
-        <p:nvSpPr>
-          <p:cNvPr id="11" name="Text Placeholder 6">
-            <a:extLst>
-              <a:ext uri="{FF2B5EF4-FFF2-40B4-BE49-F238E27FC236}">
-                <a16:creationId xmlns:a16="http://schemas.microsoft.com/office/drawing/2014/main" id="{706D5D30-73A0-97FC-E1B6-6AAB541195CB}"/>
-              </a:ext>
-            </a:extLst>
-          </p:cNvPr>
-          <p:cNvSpPr txBox="1">
-            <a:spLocks/>
-          </p:cNvSpPr>
+              <a:rPr lang="en-US" dirty="0"/>
+              <a:t>Real World Interactions w/Quantum Computing</a:t>
+            </a:r>
+          </a:p>
+        </p:txBody>
+      </p:sp>
+      <p:cxnSp>
+        <p:nvCxnSpPr>
+          <p:cNvPr id="11" name="Straight Connector 10" descr="Vertical column divider">
+            <a:extLst>
+              <a:ext uri="{FF2B5EF4-FFF2-40B4-BE49-F238E27FC236}">
+                <a16:creationId xmlns:a16="http://schemas.microsoft.com/office/drawing/2014/main" id="{D4390AED-77F5-6A9E-A812-604F815A73F1}"/>
+              </a:ext>
+              <a:ext uri="{C183D7F6-B498-43B3-948B-1728B52AA6E4}">
+                <adec:decorative xmlns:adec="http://schemas.microsoft.com/office/drawing/2017/decorative" val="0"/>
+              </a:ext>
+            </a:extLst>
+          </p:cNvPr>
+          <p:cNvCxnSpPr/>
           <p:nvPr/>
-        </p:nvSpPr>
-        <p:spPr>
-          <a:xfrm>
-            <a:off x="728472" y="6228080"/>
-            <a:ext cx="7640955" cy="4734560"/>
-          </a:xfrm>
-          <a:prstGeom prst="rect">
+        </p:nvCxnSpPr>
+        <p:spPr bwMode="auto">
+          <a:xfrm>
+            <a:off x="12192000" y="569913"/>
+            <a:ext cx="0" cy="11431587"/>
+          </a:xfrm>
+          <a:prstGeom prst="line">
             <a:avLst/>
           </a:prstGeom>
-        </p:spPr>
-        <p:txBody>
-          <a:bodyPr vert="horz" lIns="0" tIns="0" rIns="0" bIns="0" rtlCol="0" anchor="t"/>
-          <a:lstStyle>
-            <a:defPPr>
-              <a:defRPr lang="en-US"/>
-            </a:defPPr>
-            <a:lvl1pPr marL="0" algn="l" defTabSz="1829379" rtl="0" eaLnBrk="1" latinLnBrk="0" hangingPunct="1">
-              <a:defRPr sz="1600" b="0" i="0" kern="1200">
-                <a:solidFill>
-                  <a:schemeClr val="tx1"/>
-                </a:solidFill>
-                <a:latin typeface="IBM Plex Sans" panose="020B0503050203000203" pitchFamily="34" charset="0"/>
-                <a:ea typeface="+mn-ea"/>
-                <a:cs typeface="+mn-cs"/>
-              </a:defRPr>
-            </a:lvl1pPr>
-            <a:lvl2pPr marL="914688" algn="l" defTabSz="1829379" rtl="0" eaLnBrk="1" latinLnBrk="0" hangingPunct="1">
-              <a:defRPr sz="3600" kern="1200">
-                <a:solidFill>
-                  <a:schemeClr val="tx1"/>
-                </a:solidFill>
-                <a:latin typeface="+mn-lt"/>
-                <a:ea typeface="+mn-ea"/>
-                <a:cs typeface="+mn-cs"/>
-              </a:defRPr>
-            </a:lvl2pPr>
-            <a:lvl3pPr marL="1829379" algn="l" defTabSz="1829379" rtl="0" eaLnBrk="1" latinLnBrk="0" hangingPunct="1">
-              <a:defRPr sz="3600" kern="1200">
-                <a:solidFill>
-                  <a:schemeClr val="tx1"/>
-                </a:solidFill>
-                <a:latin typeface="+mn-lt"/>
-                <a:ea typeface="+mn-ea"/>
-                <a:cs typeface="+mn-cs"/>
-              </a:defRPr>
-            </a:lvl3pPr>
-            <a:lvl4pPr marL="2744068" algn="l" defTabSz="1829379" rtl="0" eaLnBrk="1" latinLnBrk="0" hangingPunct="1">
-              <a:defRPr sz="3600" kern="1200">
-                <a:solidFill>
-                  <a:schemeClr val="tx1"/>
-                </a:solidFill>
-                <a:latin typeface="+mn-lt"/>
-                <a:ea typeface="+mn-ea"/>
-                <a:cs typeface="+mn-cs"/>
-              </a:defRPr>
-            </a:lvl4pPr>
-            <a:lvl5pPr marL="3658759" algn="l" defTabSz="1829379" rtl="0" eaLnBrk="1" latinLnBrk="0" hangingPunct="1">
-              <a:defRPr sz="3600" kern="1200">
-                <a:solidFill>
-                  <a:schemeClr val="tx1"/>
-                </a:solidFill>
-                <a:latin typeface="+mn-lt"/>
-                <a:ea typeface="+mn-ea"/>
-                <a:cs typeface="+mn-cs"/>
-              </a:defRPr>
-            </a:lvl5pPr>
-            <a:lvl6pPr marL="4573447" algn="l" defTabSz="1829379" rtl="0" eaLnBrk="1" latinLnBrk="0" hangingPunct="1">
-              <a:defRPr sz="3600" kern="1200">
-                <a:solidFill>
-                  <a:schemeClr val="tx1"/>
-                </a:solidFill>
-                <a:latin typeface="+mn-lt"/>
-                <a:ea typeface="+mn-ea"/>
-                <a:cs typeface="+mn-cs"/>
-              </a:defRPr>
-            </a:lvl6pPr>
-            <a:lvl7pPr marL="5488138" algn="l" defTabSz="1829379" rtl="0" eaLnBrk="1" latinLnBrk="0" hangingPunct="1">
-              <a:defRPr sz="3600" kern="1200">
-                <a:solidFill>
-                  <a:schemeClr val="tx1"/>
-                </a:solidFill>
-                <a:latin typeface="+mn-lt"/>
-                <a:ea typeface="+mn-ea"/>
-                <a:cs typeface="+mn-cs"/>
-              </a:defRPr>
-            </a:lvl7pPr>
-            <a:lvl8pPr marL="6402827" algn="l" defTabSz="1829379" rtl="0" eaLnBrk="1" latinLnBrk="0" hangingPunct="1">
-              <a:defRPr sz="3600" kern="1200">
-                <a:solidFill>
-                  <a:schemeClr val="tx1"/>
-                </a:solidFill>
-                <a:latin typeface="+mn-lt"/>
-                <a:ea typeface="+mn-ea"/>
-                <a:cs typeface="+mn-cs"/>
-              </a:defRPr>
-            </a:lvl8pPr>
-            <a:lvl9pPr marL="7317518" algn="l" defTabSz="1829379" rtl="0" eaLnBrk="1" latinLnBrk="0" hangingPunct="1">
-              <a:defRPr sz="3600" kern="1200">
-                <a:solidFill>
-                  <a:schemeClr val="tx1"/>
-                </a:solidFill>
-                <a:latin typeface="+mn-lt"/>
-                <a:ea typeface="+mn-ea"/>
-                <a:cs typeface="+mn-cs"/>
-              </a:defRPr>
-            </a:lvl9pPr>
-          </a:lstStyle>
-          <a:p>
-            <a:r>
-              <a:rPr lang="en-US" sz="2800" dirty="0">
-                <a:latin typeface="IBM Plex Sans Medm" panose="020B0503050203000203" pitchFamily="34" charset="0"/>
+          <a:ln w="12700">
+            <a:solidFill>
+              <a:schemeClr val="tx1"/>
+            </a:solidFill>
+            <a:headEnd type="none" w="med" len="med"/>
+            <a:tailEnd type="none" w="med" len="med"/>
+          </a:ln>
+          <a:effectLst/>
+        </p:spPr>
+        <p:style>
+          <a:lnRef idx="1">
+            <a:schemeClr val="dk1"/>
+          </a:lnRef>
+          <a:fillRef idx="0">
+            <a:schemeClr val="dk1"/>
+          </a:fillRef>
+          <a:effectRef idx="0">
+            <a:schemeClr val="dk1"/>
+          </a:effectRef>
+          <a:fontRef idx="minor">
+            <a:schemeClr val="tx1"/>
+          </a:fontRef>
+        </p:style>
+      </p:cxnSp>
+      <p:sp>
+        <p:nvSpPr>
+          <p:cNvPr id="4" name="Text Placeholder 3">
+            <a:extLst>
+              <a:ext uri="{FF2B5EF4-FFF2-40B4-BE49-F238E27FC236}">
+                <a16:creationId xmlns:a16="http://schemas.microsoft.com/office/drawing/2014/main" id="{389D5D12-D9FB-E230-C371-8CA9BA82DA13}"/>
+              </a:ext>
+            </a:extLst>
+          </p:cNvPr>
+          <p:cNvSpPr>
+            <a:spLocks noGrp="1"/>
+          </p:cNvSpPr>
+          <p:nvPr>
+            <p:ph type="body" sz="quarter" idx="16"/>
+          </p:nvPr>
+        </p:nvSpPr>
+        <p:spPr/>
+        <p:txBody>
+          <a:bodyPr/>
+          <a:lstStyle/>
+          <a:p>
+            <a:r>
+              <a:rPr lang="en-US" dirty="0">
+                <a:solidFill>
+                  <a:srgbClr val="8A3FFC"/>
+                </a:solidFill>
               </a:rPr>
-              <a:t>Submissions Due: Nov 3, 10 am, PT</a:t>
-            </a:r>
-          </a:p>
-          <a:p>
-            <a:endParaRPr lang="en-US" sz="2800" dirty="0">
-              <a:latin typeface="IBM Plex Sans Medm" panose="020B0503050203000203" pitchFamily="34" charset="0"/>
-            </a:endParaRPr>
-          </a:p>
-          <a:p>
-            <a:endParaRPr lang="en-US" sz="2800" dirty="0">
-              <a:latin typeface="IBM Plex Sans Medm" panose="020B0503050203000203" pitchFamily="34" charset="0"/>
-            </a:endParaRPr>
-          </a:p>
-          <a:p>
-            <a:endParaRPr lang="en-US" sz="2800" dirty="0">
-              <a:latin typeface="IBM Plex Sans Medm" panose="020B0503050203000203" pitchFamily="34" charset="0"/>
-            </a:endParaRPr>
-          </a:p>
-          <a:p>
-            <a:br>
-              <a:rPr lang="en-US" sz="2800" dirty="0">
-                <a:effectLst/>
-                <a:latin typeface="IBM Plex Sans Light" panose="020B0403050203000203" pitchFamily="34" charset="0"/>
+              <a:t>Open Source Software Development </a:t>
+            </a:r>
+          </a:p>
+          <a:p>
+            <a:endParaRPr lang="en-US" dirty="0"/>
+          </a:p>
+          <a:p>
+            <a:r>
+              <a:rPr lang="en-US" dirty="0">
+                <a:solidFill>
+                  <a:srgbClr val="FF7EB6"/>
+                </a:solidFill>
               </a:rPr>
-            </a:br>
-            <a:r>
-              <a:rPr lang="en-US" sz="2800" dirty="0">
-                <a:effectLst/>
-                <a:latin typeface="IBM Plex Sans Medm" panose="020B0503050203000203" pitchFamily="34" charset="0"/>
+              <a:t>Extend the Power of </a:t>
+            </a:r>
+            <a:r>
+              <a:rPr lang="en-US" dirty="0" err="1">
+                <a:solidFill>
+                  <a:srgbClr val="FF7EB6"/>
+                </a:solidFill>
               </a:rPr>
-              <a:t>Next Event(s)</a:t>
-            </a:r>
-            <a:r>
-              <a:rPr lang="en-US" sz="2800" dirty="0">
-                <a:latin typeface="IBM Plex Sans Medm" panose="020B0503050203000203" pitchFamily="34" charset="0"/>
+              <a:t>Qiskit</a:t>
+            </a:r>
+            <a:r>
+              <a:rPr lang="en-US" dirty="0">
+                <a:solidFill>
+                  <a:srgbClr val="FF7EB6"/>
+                </a:solidFill>
               </a:rPr>
-              <a:t>: </a:t>
-            </a:r>
+              <a:t> </a:t>
+            </a:r>
+            <a:r>
+              <a:rPr lang="en-US" dirty="0"/>
+              <a:t>- the </a:t>
+            </a:r>
+            <a:r>
+              <a:rPr lang="en-US" dirty="0" err="1"/>
+              <a:t>Qiskit</a:t>
+            </a:r>
+            <a:r>
+              <a:rPr lang="en-US" dirty="0"/>
+              <a:t> ecosystem is a collection of tools created by researchers and developers who use </a:t>
+            </a:r>
+            <a:r>
+              <a:rPr lang="en-US" dirty="0" err="1"/>
+              <a:t>Qiskit</a:t>
+            </a:r>
+            <a:r>
+              <a:rPr lang="en-US" dirty="0"/>
+              <a:t> every day.</a:t>
+            </a:r>
+          </a:p>
+          <a:p>
+            <a:endParaRPr lang="en-US" dirty="0"/>
+          </a:p>
+          <a:p>
+            <a:r>
+              <a:rPr lang="en-US" dirty="0"/>
+              <a:t>https://www.ibm.com/quantum/ecosystem</a:t>
+            </a:r>
+          </a:p>
+          <a:p>
+            <a:endParaRPr lang="en-US" dirty="0"/>
+          </a:p>
+        </p:txBody>
+      </p:sp>
+      <p:cxnSp>
+        <p:nvCxnSpPr>
+          <p:cNvPr id="12" name="Straight Connector 11" descr="Vertical column divider">
+            <a:extLst>
+              <a:ext uri="{FF2B5EF4-FFF2-40B4-BE49-F238E27FC236}">
+                <a16:creationId xmlns:a16="http://schemas.microsoft.com/office/drawing/2014/main" id="{7DAC1B93-C3CE-7BEF-FDE4-7675061B0C89}"/>
+              </a:ext>
+              <a:ext uri="{C183D7F6-B498-43B3-948B-1728B52AA6E4}">
+                <adec:decorative xmlns:adec="http://schemas.microsoft.com/office/drawing/2017/decorative" val="0"/>
+              </a:ext>
+            </a:extLst>
+          </p:cNvPr>
+          <p:cNvCxnSpPr/>
+          <p:nvPr/>
+        </p:nvCxnSpPr>
+        <p:spPr bwMode="auto">
+          <a:xfrm>
+            <a:off x="18288000" y="569913"/>
+            <a:ext cx="0" cy="11431587"/>
+          </a:xfrm>
+          <a:prstGeom prst="line">
+            <a:avLst/>
+          </a:prstGeom>
+          <a:ln w="12700">
+            <a:solidFill>
+              <a:schemeClr val="tx1"/>
+            </a:solidFill>
+            <a:headEnd type="none" w="med" len="med"/>
+            <a:tailEnd type="none" w="med" len="med"/>
+          </a:ln>
+          <a:effectLst/>
+        </p:spPr>
+        <p:style>
+          <a:lnRef idx="1">
+            <a:schemeClr val="dk1"/>
+          </a:lnRef>
+          <a:fillRef idx="0">
+            <a:schemeClr val="dk1"/>
+          </a:fillRef>
+          <a:effectRef idx="0">
+            <a:schemeClr val="dk1"/>
+          </a:effectRef>
+          <a:fontRef idx="minor">
+            <a:schemeClr val="tx1"/>
+          </a:fontRef>
+        </p:style>
+      </p:cxnSp>
+      <p:sp>
+        <p:nvSpPr>
+          <p:cNvPr id="5" name="Text Placeholder 4">
+            <a:extLst>
+              <a:ext uri="{FF2B5EF4-FFF2-40B4-BE49-F238E27FC236}">
+                <a16:creationId xmlns:a16="http://schemas.microsoft.com/office/drawing/2014/main" id="{6714AE48-FC72-B12B-4B0E-01527A90D341}"/>
+              </a:ext>
+            </a:extLst>
+          </p:cNvPr>
+          <p:cNvSpPr>
+            <a:spLocks noGrp="1"/>
+          </p:cNvSpPr>
+          <p:nvPr>
+            <p:ph type="body" sz="quarter" idx="17"/>
+          </p:nvPr>
+        </p:nvSpPr>
+        <p:spPr/>
+        <p:txBody>
+          <a:bodyPr/>
+          <a:lstStyle/>
+          <a:p>
+            <a:r>
+              <a:rPr lang="en-US" dirty="0">
+                <a:solidFill>
+                  <a:srgbClr val="8A3FFC"/>
+                </a:solidFill>
+              </a:rPr>
+              <a:t>Tools for heterogeneous orchestration</a:t>
+            </a:r>
+          </a:p>
+          <a:p>
+            <a:endParaRPr lang="en-US" dirty="0"/>
           </a:p>
           <a:p>
             <a:pPr marL="457200" indent="-457200">
@@ -31019,10 +32028,24 @@
               <a:buChar char="-"/>
             </a:pPr>
             <a:r>
-              <a:rPr lang="en-US" sz="2800" dirty="0">
-                <a:latin typeface="IBM Plex Sans Medm" panose="020B0503050203000203" pitchFamily="34" charset="0"/>
+              <a:rPr lang="en-US" dirty="0" err="1">
+                <a:solidFill>
+                  <a:srgbClr val="FF7EB6"/>
+                </a:solidFill>
               </a:rPr>
-              <a:t>Possibly a Zoom</a:t>
+              <a:t>Qiskit</a:t>
+            </a:r>
+            <a:r>
+              <a:rPr lang="en-US" dirty="0">
+                <a:solidFill>
+                  <a:srgbClr val="FF7EB6"/>
+                </a:solidFill>
+              </a:rPr>
+              <a:t> quantum hardware </a:t>
+            </a:r>
+            <a:r>
+              <a:rPr lang="en-US" dirty="0"/>
+              <a:t>plugins, backend-agnostic </a:t>
             </a:r>
           </a:p>
           <a:p>
@@ -31031,22 +32054,585 @@
               <a:buChar char="-"/>
             </a:pPr>
             <a:r>
-              <a:rPr lang="en-US" sz="2800" dirty="0">
-                <a:latin typeface="IBM Plex Sans Medm" panose="020B0503050203000203" pitchFamily="34" charset="0"/>
+              <a:rPr lang="en-US" dirty="0">
+                <a:solidFill>
+                  <a:srgbClr val="FF7EB6"/>
+                </a:solidFill>
               </a:rPr>
-              <a:t>Possibly a Speaker on the UW Campus</a:t>
-            </a:r>
-            <a:endParaRPr lang="en-US" sz="2800" dirty="0">
-              <a:effectLst/>
-              <a:latin typeface="IBM Plex Sans Light" panose="020B0403050203000203" pitchFamily="34" charset="0"/>
+              <a:t>QRMI: </a:t>
+            </a:r>
+            <a:r>
+              <a:rPr lang="en-US" dirty="0"/>
+              <a:t>Quantum resource management interface</a:t>
+            </a:r>
+          </a:p>
+          <a:p>
+            <a:pPr marL="457200" indent="-457200">
+              <a:buFontTx/>
+              <a:buChar char="-"/>
+            </a:pPr>
+            <a:r>
+              <a:rPr lang="en-US" dirty="0" err="1">
+                <a:solidFill>
+                  <a:srgbClr val="FF7EB6"/>
+                </a:solidFill>
+              </a:rPr>
+              <a:t>Slurm</a:t>
+            </a:r>
+            <a:r>
+              <a:rPr lang="en-US" b="1" dirty="0"/>
+              <a:t> </a:t>
+            </a:r>
+            <a:r>
+              <a:rPr lang="en-US" dirty="0"/>
+              <a:t>workload manager</a:t>
+            </a:r>
+          </a:p>
+          <a:p>
+            <a:pPr marL="457200" indent="-457200">
+              <a:buFontTx/>
+              <a:buChar char="-"/>
+            </a:pPr>
+            <a:r>
+              <a:rPr lang="en-US" dirty="0" err="1">
+                <a:solidFill>
+                  <a:srgbClr val="FF7EB6"/>
+                </a:solidFill>
+              </a:rPr>
+              <a:t>Qiskit</a:t>
+            </a:r>
+            <a:r>
+              <a:rPr lang="en-US" dirty="0">
+                <a:solidFill>
+                  <a:srgbClr val="FF7EB6"/>
+                </a:solidFill>
+              </a:rPr>
+              <a:t> Serverless </a:t>
+            </a:r>
+            <a:r>
+              <a:rPr lang="en-US" dirty="0"/>
+              <a:t>for multi-cloud and supercomputer use cases </a:t>
+            </a:r>
+          </a:p>
+          <a:p>
+            <a:pPr marL="457200" indent="-457200">
+              <a:buFontTx/>
+              <a:buChar char="-"/>
+            </a:pPr>
+            <a:endParaRPr lang="en-US" dirty="0"/>
+          </a:p>
+          <a:p>
+            <a:pPr marL="457200" indent="-457200">
+              <a:buFontTx/>
+              <a:buChar char="-"/>
+            </a:pPr>
+            <a:endParaRPr lang="en-US" dirty="0"/>
+          </a:p>
+          <a:p>
+            <a:endParaRPr lang="en-US" dirty="0"/>
+          </a:p>
+        </p:txBody>
+      </p:sp>
+      <p:cxnSp>
+        <p:nvCxnSpPr>
+          <p:cNvPr id="10" name="Straight Connector 9" descr="Horizontal row divider">
+            <a:extLst>
+              <a:ext uri="{FF2B5EF4-FFF2-40B4-BE49-F238E27FC236}">
+                <a16:creationId xmlns:a16="http://schemas.microsoft.com/office/drawing/2014/main" id="{5AC5A411-2CC3-8A9A-BEC9-498C5B975F2C}"/>
+              </a:ext>
+              <a:ext uri="{C183D7F6-B498-43B3-948B-1728B52AA6E4}">
+                <adec:decorative xmlns:adec="http://schemas.microsoft.com/office/drawing/2017/decorative" val="0"/>
+              </a:ext>
+            </a:extLst>
+          </p:cNvPr>
+          <p:cNvCxnSpPr/>
+          <p:nvPr/>
+        </p:nvCxnSpPr>
+        <p:spPr bwMode="auto">
+          <a:xfrm>
+            <a:off x="12192000" y="6096000"/>
+            <a:ext cx="11622024" cy="0"/>
+          </a:xfrm>
+          <a:prstGeom prst="line">
+            <a:avLst/>
+          </a:prstGeom>
+          <a:ln w="12700">
+            <a:solidFill>
+              <a:schemeClr val="tx1"/>
+            </a:solidFill>
+            <a:headEnd type="none" w="med" len="med"/>
+            <a:tailEnd type="none" w="med" len="med"/>
+          </a:ln>
+          <a:effectLst/>
+        </p:spPr>
+        <p:style>
+          <a:lnRef idx="1">
+            <a:schemeClr val="dk1"/>
+          </a:lnRef>
+          <a:fillRef idx="0">
+            <a:schemeClr val="dk1"/>
+          </a:fillRef>
+          <a:effectRef idx="0">
+            <a:schemeClr val="dk1"/>
+          </a:effectRef>
+          <a:fontRef idx="minor">
+            <a:schemeClr val="tx1"/>
+          </a:fontRef>
+        </p:style>
+      </p:cxnSp>
+      <p:sp>
+        <p:nvSpPr>
+          <p:cNvPr id="6" name="Text Placeholder 5">
+            <a:extLst>
+              <a:ext uri="{FF2B5EF4-FFF2-40B4-BE49-F238E27FC236}">
+                <a16:creationId xmlns:a16="http://schemas.microsoft.com/office/drawing/2014/main" id="{D1EFB8C1-D45D-7F1D-0448-F928BC8992AD}"/>
+              </a:ext>
+            </a:extLst>
+          </p:cNvPr>
+          <p:cNvSpPr>
+            <a:spLocks noGrp="1"/>
+          </p:cNvSpPr>
+          <p:nvPr>
+            <p:ph type="body" sz="quarter" idx="18"/>
+          </p:nvPr>
+        </p:nvSpPr>
+        <p:spPr>
+          <a:xfrm>
+            <a:off x="12763500" y="6667500"/>
+            <a:ext cx="4953000" cy="5412740"/>
+          </a:xfrm>
+        </p:spPr>
+        <p:txBody>
+          <a:bodyPr/>
+          <a:lstStyle/>
+          <a:p>
+            <a:r>
+              <a:rPr lang="en-US" dirty="0">
+                <a:solidFill>
+                  <a:srgbClr val="8A3FFC"/>
+                </a:solidFill>
+              </a:rPr>
+              <a:t>Tools for algorithm development</a:t>
+            </a:r>
+          </a:p>
+          <a:p>
+            <a:endParaRPr lang="en-US" dirty="0"/>
+          </a:p>
+          <a:p>
+            <a:pPr marL="457200" indent="-457200">
+              <a:buFontTx/>
+              <a:buChar char="-"/>
+            </a:pPr>
+            <a:r>
+              <a:rPr lang="en-US" dirty="0" err="1">
+                <a:solidFill>
+                  <a:srgbClr val="FF7EB6"/>
+                </a:solidFill>
+              </a:rPr>
+              <a:t>Qiskit</a:t>
+            </a:r>
+            <a:r>
+              <a:rPr lang="en-US" dirty="0">
+                <a:solidFill>
+                  <a:srgbClr val="FF7EB6"/>
+                </a:solidFill>
+              </a:rPr>
+              <a:t> Addons </a:t>
+            </a:r>
+            <a:r>
+              <a:rPr lang="en-US" dirty="0"/>
+              <a:t>– combine to build algorithms; exist for mapping, optimizing and post-processing steps</a:t>
+            </a:r>
+          </a:p>
+          <a:p>
+            <a:pPr marL="457200" indent="-457200">
+              <a:buFontTx/>
+              <a:buChar char="-"/>
+            </a:pPr>
+            <a:r>
+              <a:rPr lang="en-US" dirty="0" err="1">
+                <a:solidFill>
+                  <a:srgbClr val="FF7EB6"/>
+                </a:solidFill>
+              </a:rPr>
+              <a:t>Qiskit</a:t>
+            </a:r>
+            <a:r>
+              <a:rPr lang="en-US" dirty="0">
+                <a:solidFill>
+                  <a:srgbClr val="FF7EB6"/>
+                </a:solidFill>
+              </a:rPr>
+              <a:t> Function templates </a:t>
+            </a:r>
+            <a:r>
+              <a:rPr lang="en-US" dirty="0"/>
+              <a:t>– realistic code examples utilizing </a:t>
+            </a:r>
+            <a:r>
+              <a:rPr lang="en-US" dirty="0" err="1"/>
+              <a:t>Qiskit</a:t>
+            </a:r>
+            <a:r>
+              <a:rPr lang="en-US" dirty="0"/>
+              <a:t> and </a:t>
+            </a:r>
+            <a:r>
+              <a:rPr lang="en-US" dirty="0" err="1"/>
+              <a:t>Qiskit</a:t>
+            </a:r>
+            <a:r>
+              <a:rPr lang="en-US" dirty="0"/>
+              <a:t> Addons</a:t>
+            </a:r>
+          </a:p>
+          <a:p>
+            <a:pPr marL="457200" indent="-457200">
+              <a:buFontTx/>
+              <a:buChar char="-"/>
+            </a:pPr>
+            <a:endParaRPr lang="en-US" dirty="0"/>
+          </a:p>
+          <a:p>
+            <a:endParaRPr lang="en-US" dirty="0"/>
+          </a:p>
+        </p:txBody>
+      </p:sp>
+      <p:sp>
+        <p:nvSpPr>
+          <p:cNvPr id="7" name="Text Placeholder 6">
+            <a:extLst>
+              <a:ext uri="{FF2B5EF4-FFF2-40B4-BE49-F238E27FC236}">
+                <a16:creationId xmlns:a16="http://schemas.microsoft.com/office/drawing/2014/main" id="{1185869E-389D-47E4-D397-26B5B1C05281}"/>
+              </a:ext>
+            </a:extLst>
+          </p:cNvPr>
+          <p:cNvSpPr>
+            <a:spLocks noGrp="1"/>
+          </p:cNvSpPr>
+          <p:nvPr>
+            <p:ph type="body" sz="quarter" idx="19"/>
+          </p:nvPr>
+        </p:nvSpPr>
+        <p:spPr>
+          <a:xfrm>
+            <a:off x="18859500" y="6667499"/>
+            <a:ext cx="4953000" cy="6134101"/>
+          </a:xfrm>
+        </p:spPr>
+        <p:txBody>
+          <a:bodyPr/>
+          <a:lstStyle/>
+          <a:p>
+            <a:r>
+              <a:rPr lang="en-US" dirty="0">
+                <a:solidFill>
+                  <a:srgbClr val="8A3FFC"/>
+                </a:solidFill>
+              </a:rPr>
+              <a:t>Use Cases</a:t>
+            </a:r>
+          </a:p>
+          <a:p>
+            <a:endParaRPr lang="en-US" dirty="0"/>
+          </a:p>
+          <a:p>
+            <a:pPr marL="457200" indent="-457200">
+              <a:buFontTx/>
+              <a:buChar char="-"/>
+            </a:pPr>
+            <a:r>
+              <a:rPr lang="en-US" dirty="0">
+                <a:solidFill>
+                  <a:srgbClr val="FF7EB6"/>
+                </a:solidFill>
+              </a:rPr>
+              <a:t>Optimization: </a:t>
+            </a:r>
+            <a:r>
+              <a:rPr lang="en-US" dirty="0"/>
+              <a:t>combinatorial problems</a:t>
+            </a:r>
+          </a:p>
+          <a:p>
+            <a:pPr marL="457200" indent="-457200">
+              <a:buFontTx/>
+              <a:buChar char="-"/>
+            </a:pPr>
+            <a:r>
+              <a:rPr lang="en-US" dirty="0">
+                <a:solidFill>
+                  <a:srgbClr val="FF7EB6"/>
+                </a:solidFill>
+              </a:rPr>
+              <a:t>Simulate complex systems </a:t>
+            </a:r>
+            <a:r>
+              <a:rPr lang="en-US" dirty="0"/>
+              <a:t>in nature across physics and chemistry domains</a:t>
+            </a:r>
+          </a:p>
+          <a:p>
+            <a:pPr marL="457200" indent="-457200">
+              <a:buFontTx/>
+              <a:buChar char="-"/>
+            </a:pPr>
+            <a:r>
+              <a:rPr lang="en-US" dirty="0">
+                <a:solidFill>
+                  <a:srgbClr val="FF7EB6"/>
+                </a:solidFill>
+              </a:rPr>
+              <a:t>Quantum Machine Learning</a:t>
+            </a:r>
+            <a:r>
+              <a:rPr lang="en-US" dirty="0"/>
+              <a:t>, leverage quantum kernels</a:t>
+            </a:r>
+          </a:p>
+          <a:p>
+            <a:pPr marL="457200" indent="-457200">
+              <a:buFontTx/>
+              <a:buChar char="-"/>
+            </a:pPr>
+            <a:r>
+              <a:rPr lang="en-US" dirty="0">
+                <a:solidFill>
+                  <a:srgbClr val="FF7EB6"/>
+                </a:solidFill>
+              </a:rPr>
+              <a:t>Partial differential equations</a:t>
+            </a:r>
+            <a:r>
+              <a:rPr lang="en-US" dirty="0"/>
+              <a:t>, simulate nonlinear dynamical systems</a:t>
+            </a:r>
+          </a:p>
+          <a:p>
+            <a:endParaRPr lang="en-US" dirty="0"/>
+          </a:p>
+        </p:txBody>
+      </p:sp>
+      <p:sp>
+        <p:nvSpPr>
+          <p:cNvPr id="8" name="Footer Placeholder 7">
+            <a:extLst>
+              <a:ext uri="{FF2B5EF4-FFF2-40B4-BE49-F238E27FC236}">
+                <a16:creationId xmlns:a16="http://schemas.microsoft.com/office/drawing/2014/main" id="{6C085CA5-EFE6-43A1-7DE2-EECF08C36BD6}"/>
+              </a:ext>
+            </a:extLst>
+          </p:cNvPr>
+          <p:cNvSpPr>
+            <a:spLocks noGrp="1"/>
+          </p:cNvSpPr>
+          <p:nvPr>
+            <p:ph type="ftr" sz="quarter" idx="20"/>
+          </p:nvPr>
+        </p:nvSpPr>
+        <p:spPr>
+          <a:xfrm>
+            <a:off x="576072" y="12801600"/>
+            <a:ext cx="4956176" cy="381000"/>
+          </a:xfrm>
+        </p:spPr>
+        <p:txBody>
+          <a:bodyPr/>
+          <a:lstStyle/>
+          <a:p>
+            <a:r>
+              <a:rPr lang="en-US"/>
+              <a:t>Qiskit Fall Fest 2025</a:t>
+            </a:r>
+            <a:endParaRPr lang="en-US" dirty="0"/>
+          </a:p>
+        </p:txBody>
+      </p:sp>
+      <p:sp>
+        <p:nvSpPr>
+          <p:cNvPr id="14" name="TextBox 13">
+            <a:extLst>
+              <a:ext uri="{FF2B5EF4-FFF2-40B4-BE49-F238E27FC236}">
+                <a16:creationId xmlns:a16="http://schemas.microsoft.com/office/drawing/2014/main" id="{706D3034-D3DA-72BD-8AA2-DDDB5F51F4BB}"/>
+              </a:ext>
+            </a:extLst>
+          </p:cNvPr>
+          <p:cNvSpPr txBox="1"/>
+          <p:nvPr/>
+        </p:nvSpPr>
+        <p:spPr>
+          <a:xfrm>
+            <a:off x="26273760" y="12649200"/>
+            <a:ext cx="0" cy="0"/>
+          </a:xfrm>
+          <a:prstGeom prst="rect">
+            <a:avLst/>
+          </a:prstGeom>
+          <a:ln w="12700">
+            <a:miter lim="400000"/>
+          </a:ln>
+          <a:extLst>
+            <a:ext uri="{C572A759-6A51-4108-AA02-DFA0A04FC94B}">
+              <ma14:wrappingTextBoxFlag xmlns="" xmlns:m="http://schemas.openxmlformats.org/officeDocument/2006/math" xmlns:a14="http://schemas.microsoft.com/office/drawing/2010/main" xmlns:ma14="http://schemas.microsoft.com/office/mac/drawingml/2011/main" val="1"/>
+            </a:ext>
+          </a:extLst>
+        </p:spPr>
+        <p:txBody>
+          <a:bodyPr wrap="none" lIns="0" tIns="0" rIns="0" bIns="0" rtlCol="0">
+            <a:noAutofit/>
+          </a:bodyPr>
+          <a:lstStyle/>
+          <a:p>
+            <a:pPr marL="444465" indent="-446749" algn="l" defTabSz="2438400">
+              <a:spcBef>
+                <a:spcPts val="2900"/>
+              </a:spcBef>
+              <a:buSzPct val="100000"/>
+              <a:buFontTx/>
+              <a:buChar char="–"/>
+            </a:pPr>
+            <a:endParaRPr lang="en-US" kern="0" dirty="0">
+              <a:solidFill>
+                <a:srgbClr val="000000"/>
+              </a:solidFill>
+              <a:ea typeface="+mj-ea"/>
+              <a:cs typeface="+mj-cs"/>
+              <a:sym typeface="IBM Plex Sans Light"/>
             </a:endParaRPr>
+          </a:p>
+        </p:txBody>
+      </p:sp>
+      <p:pic>
+        <p:nvPicPr>
+          <p:cNvPr id="16" name="Picture 15">
+            <a:extLst>
+              <a:ext uri="{FF2B5EF4-FFF2-40B4-BE49-F238E27FC236}">
+                <a16:creationId xmlns:a16="http://schemas.microsoft.com/office/drawing/2014/main" id="{1CAB0A6F-F43B-34C5-090E-0E5F643CAB9B}"/>
+              </a:ext>
+            </a:extLst>
+          </p:cNvPr>
+          <p:cNvPicPr>
+            <a:picLocks noChangeAspect="1"/>
+          </p:cNvPicPr>
+          <p:nvPr/>
+        </p:nvPicPr>
+        <p:blipFill>
+          <a:blip r:embed="rId2">
+            <a:extLst>
+              <a:ext uri="{96DAC541-7B7A-43D3-8B79-37D633B846F1}">
+                <asvg:svgBlip xmlns:asvg="http://schemas.microsoft.com/office/drawing/2016/SVG/main" r:embed="rId3"/>
+              </a:ext>
+            </a:extLst>
+          </a:blip>
+          <a:srcRect/>
+          <a:stretch/>
+        </p:blipFill>
+        <p:spPr>
+          <a:xfrm>
+            <a:off x="574675" y="10109200"/>
+            <a:ext cx="1892300" cy="1892300"/>
+          </a:xfrm>
+          <a:prstGeom prst="rect">
+            <a:avLst/>
+          </a:prstGeom>
+        </p:spPr>
+      </p:pic>
+      <p:sp>
+        <p:nvSpPr>
+          <p:cNvPr id="3" name="TextBox 2">
+            <a:extLst>
+              <a:ext uri="{FF2B5EF4-FFF2-40B4-BE49-F238E27FC236}">
+                <a16:creationId xmlns:a16="http://schemas.microsoft.com/office/drawing/2014/main" id="{5A602B84-FA96-8AE6-5239-F8E7EE860129}"/>
+              </a:ext>
+            </a:extLst>
+          </p:cNvPr>
+          <p:cNvSpPr txBox="1"/>
+          <p:nvPr/>
+        </p:nvSpPr>
+        <p:spPr>
+          <a:xfrm>
+            <a:off x="711200" y="4724400"/>
+            <a:ext cx="9458960" cy="2133600"/>
+          </a:xfrm>
+          <a:prstGeom prst="rect">
+            <a:avLst/>
+          </a:prstGeom>
+          <a:ln w="12700">
+            <a:miter lim="400000"/>
+          </a:ln>
+          <a:extLst>
+            <a:ext uri="{C572A759-6A51-4108-AA02-DFA0A04FC94B}">
+              <ma14:wrappingTextBoxFlag xmlns="" xmlns:m="http://schemas.openxmlformats.org/officeDocument/2006/math" xmlns:a14="http://schemas.microsoft.com/office/drawing/2010/main" xmlns:ma14="http://schemas.microsoft.com/office/mac/drawingml/2011/main" val="1"/>
+            </a:ext>
+          </a:extLst>
+        </p:spPr>
+        <p:txBody>
+          <a:bodyPr wrap="square" lIns="0" tIns="0" rIns="0" bIns="0" rtlCol="0">
+            <a:noAutofit/>
+          </a:bodyPr>
+          <a:lstStyle/>
+          <a:p>
+            <a:pPr algn="l" defTabSz="2438400">
+              <a:spcBef>
+                <a:spcPts val="2900"/>
+              </a:spcBef>
+              <a:buSzPct val="100000"/>
+            </a:pPr>
+            <a:r>
+              <a:rPr lang="en-US" kern="0" dirty="0">
+                <a:solidFill>
+                  <a:schemeClr val="accent2"/>
+                </a:solidFill>
+                <a:ea typeface="+mj-ea"/>
+                <a:cs typeface="+mj-cs"/>
+                <a:sym typeface="IBM Plex Sans Light"/>
+              </a:rPr>
+              <a:t>Parts of </a:t>
+            </a:r>
+            <a:r>
+              <a:rPr lang="en-US" kern="0" dirty="0" err="1">
+                <a:solidFill>
+                  <a:schemeClr val="accent2"/>
+                </a:solidFill>
+                <a:ea typeface="+mj-ea"/>
+                <a:cs typeface="+mj-cs"/>
+                <a:sym typeface="IBM Plex Sans Light"/>
+              </a:rPr>
+              <a:t>Qiskit</a:t>
+            </a:r>
+            <a:endParaRPr lang="en-US" kern="0" dirty="0">
+              <a:solidFill>
+                <a:schemeClr val="accent2"/>
+              </a:solidFill>
+              <a:ea typeface="+mj-ea"/>
+              <a:cs typeface="+mj-cs"/>
+              <a:sym typeface="IBM Plex Sans Light"/>
+            </a:endParaRPr>
+          </a:p>
+          <a:p>
+            <a:pPr defTabSz="2438400">
+              <a:spcBef>
+                <a:spcPts val="2900"/>
+              </a:spcBef>
+              <a:buSzPct val="100000"/>
+            </a:pPr>
+            <a:r>
+              <a:rPr lang="en-US" kern="0" dirty="0">
+                <a:solidFill>
+                  <a:srgbClr val="000000"/>
+                </a:solidFill>
+                <a:ea typeface="+mj-ea"/>
+                <a:cs typeface="+mj-cs"/>
+                <a:sym typeface="IBM Plex Sans Light"/>
+              </a:rPr>
+              <a:t>https://www.ibm.com/quantum/qiskit#ecosystem</a:t>
+            </a:r>
           </a:p>
         </p:txBody>
       </p:sp>
     </p:spTree>
     <p:extLst>
       <p:ext uri="{BB962C8B-B14F-4D97-AF65-F5344CB8AC3E}">
-        <p14:creationId xmlns:p14="http://schemas.microsoft.com/office/powerpoint/2010/main" val="282974179"/>
+        <p14:creationId xmlns:p14="http://schemas.microsoft.com/office/powerpoint/2010/main" val="3269841112"/>
       </p:ext>
     </p:extLst>
   </p:cSld>
@@ -31375,7 +32961,7 @@
         </a:ln>
         <a:extLst>
           <a:ext uri="{C572A759-6A51-4108-AA02-DFA0A04FC94B}">
-            <ma14:wrappingTextBoxFlag xmlns:ma14="http://schemas.microsoft.com/office/mac/drawingml/2011/main" xmlns:a14="http://schemas.microsoft.com/office/drawing/2010/main" xmlns:m="http://schemas.openxmlformats.org/officeDocument/2006/math" xmlns="" xmlns:p="http://schemas.openxmlformats.org/presentationml/2006/main" xmlns:r="http://schemas.openxmlformats.org/officeDocument/2006/relationships" val="1"/>
+            <ma14:wrappingTextBoxFlag xmlns:r="http://schemas.openxmlformats.org/officeDocument/2006/relationships" xmlns:p="http://schemas.openxmlformats.org/presentationml/2006/main" xmlns="" xmlns:m="http://schemas.openxmlformats.org/officeDocument/2006/math" xmlns:a14="http://schemas.microsoft.com/office/drawing/2010/main" xmlns:ma14="http://schemas.microsoft.com/office/mac/drawingml/2011/main" val="1"/>
           </a:ext>
         </a:extLst>
       </a:spPr>
@@ -31881,7 +33467,7 @@
         </a:ln>
         <a:extLst>
           <a:ext uri="{C572A759-6A51-4108-AA02-DFA0A04FC94B}">
-            <ma14:wrappingTextBoxFlag xmlns:r="http://schemas.openxmlformats.org/officeDocument/2006/relationships" xmlns:p="http://schemas.openxmlformats.org/presentationml/2006/main" xmlns="" xmlns:m="http://schemas.openxmlformats.org/officeDocument/2006/math" xmlns:a14="http://schemas.microsoft.com/office/drawing/2010/main" xmlns:ma14="http://schemas.microsoft.com/office/mac/drawingml/2011/main" val="1"/>
+            <ma14:wrappingTextBoxFlag xmlns:ma14="http://schemas.microsoft.com/office/mac/drawingml/2011/main" xmlns:a14="http://schemas.microsoft.com/office/drawing/2010/main" xmlns:m="http://schemas.openxmlformats.org/officeDocument/2006/math" xmlns="" xmlns:p="http://schemas.openxmlformats.org/presentationml/2006/main" xmlns:r="http://schemas.openxmlformats.org/officeDocument/2006/relationships" val="1"/>
           </a:ext>
         </a:extLst>
       </a:spPr>
@@ -32387,7 +33973,7 @@
         </a:ln>
         <a:extLst>
           <a:ext uri="{C572A759-6A51-4108-AA02-DFA0A04FC94B}">
-            <ma14:wrappingTextBoxFlag xmlns:r="http://schemas.openxmlformats.org/officeDocument/2006/relationships" xmlns:p="http://schemas.openxmlformats.org/presentationml/2006/main" xmlns="" xmlns:m="http://schemas.openxmlformats.org/officeDocument/2006/math" xmlns:a14="http://schemas.microsoft.com/office/drawing/2010/main" xmlns:ma14="http://schemas.microsoft.com/office/mac/drawingml/2011/main" val="1"/>
+            <ma14:wrappingTextBoxFlag xmlns:ma14="http://schemas.microsoft.com/office/mac/drawingml/2011/main" xmlns:a14="http://schemas.microsoft.com/office/drawing/2010/main" xmlns:m="http://schemas.openxmlformats.org/officeDocument/2006/math" xmlns="" xmlns:p="http://schemas.openxmlformats.org/presentationml/2006/main" xmlns:r="http://schemas.openxmlformats.org/officeDocument/2006/relationships" val="1"/>
           </a:ext>
         </a:extLst>
       </a:spPr>

--- a/SQCM_Qiskit_Fall_Fest_2025_Meetup_Oct_18.pptx
+++ b/SQCM_Qiskit_Fall_Fest_2025_Meetup_Oct_18.pptx
@@ -25080,7 +25080,7 @@
           </a:ln>
           <a:extLst>
             <a:ext uri="{C572A759-6A51-4108-AA02-DFA0A04FC94B}">
-              <ma14:wrappingTextBoxFlag xmlns:ma14="http://schemas.microsoft.com/office/mac/drawingml/2011/main" xmlns:a14="http://schemas.microsoft.com/office/drawing/2010/main" xmlns:m="http://schemas.openxmlformats.org/officeDocument/2006/math" xmlns="" val="1"/>
+              <ma14:wrappingTextBoxFlag xmlns="" xmlns:m="http://schemas.openxmlformats.org/officeDocument/2006/math" xmlns:a14="http://schemas.microsoft.com/office/drawing/2010/main" xmlns:ma14="http://schemas.microsoft.com/office/mac/drawingml/2011/main" val="1"/>
             </a:ext>
           </a:extLst>
         </p:spPr>
@@ -25118,7 +25118,7 @@
           </a:ln>
           <a:extLst>
             <a:ext uri="{C572A759-6A51-4108-AA02-DFA0A04FC94B}">
-              <ma14:wrappingTextBoxFlag xmlns:ma14="http://schemas.microsoft.com/office/mac/drawingml/2011/main" xmlns:a14="http://schemas.microsoft.com/office/drawing/2010/main" xmlns:m="http://schemas.openxmlformats.org/officeDocument/2006/math" xmlns="" val="1"/>
+              <ma14:wrappingTextBoxFlag xmlns="" xmlns:m="http://schemas.openxmlformats.org/officeDocument/2006/math" xmlns:a14="http://schemas.microsoft.com/office/drawing/2010/main" xmlns:ma14="http://schemas.microsoft.com/office/mac/drawingml/2011/main" val="1"/>
             </a:ext>
           </a:extLst>
         </p:spPr>
@@ -27310,7 +27310,7 @@
           </a:ln>
           <a:extLst>
             <a:ext uri="{C572A759-6A51-4108-AA02-DFA0A04FC94B}">
-              <ma14:wrappingTextBoxFlag xmlns="" xmlns:m="http://schemas.openxmlformats.org/officeDocument/2006/math" xmlns:a14="http://schemas.microsoft.com/office/drawing/2010/main" xmlns:ma14="http://schemas.microsoft.com/office/mac/drawingml/2011/main" val="1"/>
+              <ma14:wrappingTextBoxFlag xmlns:ma14="http://schemas.microsoft.com/office/mac/drawingml/2011/main" xmlns:a14="http://schemas.microsoft.com/office/drawing/2010/main" xmlns:m="http://schemas.openxmlformats.org/officeDocument/2006/math" xmlns="" val="1"/>
             </a:ext>
           </a:extLst>
         </p:spPr>
@@ -27364,7 +27364,7 @@
           </a:ln>
           <a:extLst>
             <a:ext uri="{C572A759-6A51-4108-AA02-DFA0A04FC94B}">
-              <ma14:wrappingTextBoxFlag xmlns="" xmlns:m="http://schemas.openxmlformats.org/officeDocument/2006/math" xmlns:a14="http://schemas.microsoft.com/office/drawing/2010/main" xmlns:ma14="http://schemas.microsoft.com/office/mac/drawingml/2011/main" val="1"/>
+              <ma14:wrappingTextBoxFlag xmlns:ma14="http://schemas.microsoft.com/office/mac/drawingml/2011/main" xmlns:a14="http://schemas.microsoft.com/office/drawing/2010/main" xmlns:m="http://schemas.openxmlformats.org/officeDocument/2006/math" xmlns="" val="1"/>
             </a:ext>
           </a:extLst>
         </p:spPr>
@@ -28589,7 +28589,7 @@
           </a:ln>
           <a:extLst>
             <a:ext uri="{C572A759-6A51-4108-AA02-DFA0A04FC94B}">
-              <ma14:wrappingTextBoxFlag xmlns:ma14="http://schemas.microsoft.com/office/mac/drawingml/2011/main" xmlns:a14="http://schemas.microsoft.com/office/drawing/2010/main" xmlns:m="http://schemas.openxmlformats.org/officeDocument/2006/math" xmlns="" val="1"/>
+              <ma14:wrappingTextBoxFlag xmlns="" xmlns:m="http://schemas.openxmlformats.org/officeDocument/2006/math" xmlns:a14="http://schemas.microsoft.com/office/drawing/2010/main" xmlns:ma14="http://schemas.microsoft.com/office/mac/drawingml/2011/main" val="1"/>
             </a:ext>
           </a:extLst>
         </p:spPr>
@@ -28894,7 +28894,7 @@
           </a:ln>
           <a:extLst>
             <a:ext uri="{C572A759-6A51-4108-AA02-DFA0A04FC94B}">
-              <ma14:wrappingTextBoxFlag xmlns="" xmlns:m="http://schemas.openxmlformats.org/officeDocument/2006/math" xmlns:a14="http://schemas.microsoft.com/office/drawing/2010/main" xmlns:ma14="http://schemas.microsoft.com/office/mac/drawingml/2011/main" val="1"/>
+              <ma14:wrappingTextBoxFlag xmlns:ma14="http://schemas.microsoft.com/office/mac/drawingml/2011/main" xmlns:a14="http://schemas.microsoft.com/office/drawing/2010/main" xmlns:m="http://schemas.openxmlformats.org/officeDocument/2006/math" xmlns="" val="1"/>
             </a:ext>
           </a:extLst>
         </p:spPr>
@@ -28962,7 +28962,7 @@
           </a:ln>
           <a:extLst>
             <a:ext uri="{C572A759-6A51-4108-AA02-DFA0A04FC94B}">
-              <ma14:wrappingTextBoxFlag xmlns="" xmlns:m="http://schemas.openxmlformats.org/officeDocument/2006/math" xmlns:a14="http://schemas.microsoft.com/office/drawing/2010/main" xmlns:ma14="http://schemas.microsoft.com/office/mac/drawingml/2011/main" val="1"/>
+              <ma14:wrappingTextBoxFlag xmlns:ma14="http://schemas.microsoft.com/office/mac/drawingml/2011/main" xmlns:a14="http://schemas.microsoft.com/office/drawing/2010/main" xmlns:m="http://schemas.openxmlformats.org/officeDocument/2006/math" xmlns="" val="1"/>
             </a:ext>
           </a:extLst>
         </p:spPr>
@@ -29016,7 +29016,7 @@
           </a:ln>
           <a:extLst>
             <a:ext uri="{C572A759-6A51-4108-AA02-DFA0A04FC94B}">
-              <ma14:wrappingTextBoxFlag xmlns="" xmlns:m="http://schemas.openxmlformats.org/officeDocument/2006/math" xmlns:a14="http://schemas.microsoft.com/office/drawing/2010/main" xmlns:ma14="http://schemas.microsoft.com/office/mac/drawingml/2011/main" val="1"/>
+              <ma14:wrappingTextBoxFlag xmlns:ma14="http://schemas.microsoft.com/office/mac/drawingml/2011/main" xmlns:a14="http://schemas.microsoft.com/office/drawing/2010/main" xmlns:m="http://schemas.openxmlformats.org/officeDocument/2006/math" xmlns="" val="1"/>
             </a:ext>
           </a:extLst>
         </p:spPr>
@@ -29238,7 +29238,7 @@
           </a:ln>
           <a:extLst>
             <a:ext uri="{C572A759-6A51-4108-AA02-DFA0A04FC94B}">
-              <ma14:wrappingTextBoxFlag xmlns="" xmlns:m="http://schemas.openxmlformats.org/officeDocument/2006/math" xmlns:a14="http://schemas.microsoft.com/office/drawing/2010/main" xmlns:ma14="http://schemas.microsoft.com/office/mac/drawingml/2011/main" val="1"/>
+              <ma14:wrappingTextBoxFlag xmlns:ma14="http://schemas.microsoft.com/office/mac/drawingml/2011/main" xmlns:a14="http://schemas.microsoft.com/office/drawing/2010/main" xmlns:m="http://schemas.openxmlformats.org/officeDocument/2006/math" xmlns="" val="1"/>
             </a:ext>
           </a:extLst>
         </p:spPr>
@@ -29419,7 +29419,7 @@
           </a:ln>
           <a:extLst>
             <a:ext uri="{C572A759-6A51-4108-AA02-DFA0A04FC94B}">
-              <ma14:wrappingTextBoxFlag xmlns="" xmlns:m="http://schemas.openxmlformats.org/officeDocument/2006/math" xmlns:a14="http://schemas.microsoft.com/office/drawing/2010/main" xmlns:ma14="http://schemas.microsoft.com/office/mac/drawingml/2011/main" val="1"/>
+              <ma14:wrappingTextBoxFlag xmlns:ma14="http://schemas.microsoft.com/office/mac/drawingml/2011/main" xmlns:a14="http://schemas.microsoft.com/office/drawing/2010/main" xmlns:m="http://schemas.openxmlformats.org/officeDocument/2006/math" xmlns="" val="1"/>
             </a:ext>
           </a:extLst>
         </p:spPr>
@@ -29653,7 +29653,7 @@
           </a:ln>
           <a:extLst>
             <a:ext uri="{C572A759-6A51-4108-AA02-DFA0A04FC94B}">
-              <ma14:wrappingTextBoxFlag xmlns="" xmlns:m="http://schemas.openxmlformats.org/officeDocument/2006/math" xmlns:a14="http://schemas.microsoft.com/office/drawing/2010/main" xmlns:ma14="http://schemas.microsoft.com/office/mac/drawingml/2011/main" val="1"/>
+              <ma14:wrappingTextBoxFlag xmlns:ma14="http://schemas.microsoft.com/office/mac/drawingml/2011/main" xmlns:a14="http://schemas.microsoft.com/office/drawing/2010/main" xmlns:m="http://schemas.openxmlformats.org/officeDocument/2006/math" xmlns="" val="1"/>
             </a:ext>
           </a:extLst>
         </p:spPr>
@@ -30287,7 +30287,7 @@
           </a:ln>
           <a:extLst>
             <a:ext uri="{C572A759-6A51-4108-AA02-DFA0A04FC94B}">
-              <ma14:wrappingTextBoxFlag xmlns="" xmlns:m="http://schemas.openxmlformats.org/officeDocument/2006/math" xmlns:a14="http://schemas.microsoft.com/office/drawing/2010/main" xmlns:ma14="http://schemas.microsoft.com/office/mac/drawingml/2011/main" val="1"/>
+              <ma14:wrappingTextBoxFlag xmlns:ma14="http://schemas.microsoft.com/office/mac/drawingml/2011/main" xmlns:a14="http://schemas.microsoft.com/office/drawing/2010/main" xmlns:m="http://schemas.openxmlformats.org/officeDocument/2006/math" xmlns="" val="1"/>
             </a:ext>
           </a:extLst>
         </p:spPr>
@@ -30341,7 +30341,7 @@
           </a:ln>
           <a:extLst>
             <a:ext uri="{C572A759-6A51-4108-AA02-DFA0A04FC94B}">
-              <ma14:wrappingTextBoxFlag xmlns="" xmlns:m="http://schemas.openxmlformats.org/officeDocument/2006/math" xmlns:a14="http://schemas.microsoft.com/office/drawing/2010/main" xmlns:ma14="http://schemas.microsoft.com/office/mac/drawingml/2011/main" val="1"/>
+              <ma14:wrappingTextBoxFlag xmlns:ma14="http://schemas.microsoft.com/office/mac/drawingml/2011/main" xmlns:a14="http://schemas.microsoft.com/office/drawing/2010/main" xmlns:m="http://schemas.openxmlformats.org/officeDocument/2006/math" xmlns="" val="1"/>
             </a:ext>
           </a:extLst>
         </p:spPr>
@@ -30531,7 +30531,7 @@
           </a:ln>
           <a:extLst>
             <a:ext uri="{C572A759-6A51-4108-AA02-DFA0A04FC94B}">
-              <ma14:wrappingTextBoxFlag xmlns="" xmlns:m="http://schemas.openxmlformats.org/officeDocument/2006/math" xmlns:a14="http://schemas.microsoft.com/office/drawing/2010/main" xmlns:ma14="http://schemas.microsoft.com/office/mac/drawingml/2011/main" val="1"/>
+              <ma14:wrappingTextBoxFlag xmlns:ma14="http://schemas.microsoft.com/office/mac/drawingml/2011/main" xmlns:a14="http://schemas.microsoft.com/office/drawing/2010/main" xmlns:m="http://schemas.openxmlformats.org/officeDocument/2006/math" xmlns="" val="1"/>
             </a:ext>
           </a:extLst>
         </p:spPr>
@@ -30755,7 +30755,7 @@
           </a:ln>
           <a:extLst>
             <a:ext uri="{C572A759-6A51-4108-AA02-DFA0A04FC94B}">
-              <ma14:wrappingTextBoxFlag xmlns="" xmlns:m="http://schemas.openxmlformats.org/officeDocument/2006/math" xmlns:a14="http://schemas.microsoft.com/office/drawing/2010/main" xmlns:ma14="http://schemas.microsoft.com/office/mac/drawingml/2011/main" val="1"/>
+              <ma14:wrappingTextBoxFlag xmlns:ma14="http://schemas.microsoft.com/office/mac/drawingml/2011/main" xmlns:a14="http://schemas.microsoft.com/office/drawing/2010/main" xmlns:m="http://schemas.openxmlformats.org/officeDocument/2006/math" xmlns="" val="1"/>
             </a:ext>
           </a:extLst>
         </p:spPr>
@@ -30888,7 +30888,7 @@
           </a:ln>
           <a:extLst>
             <a:ext uri="{C572A759-6A51-4108-AA02-DFA0A04FC94B}">
-              <ma14:wrappingTextBoxFlag xmlns="" xmlns:m="http://schemas.openxmlformats.org/officeDocument/2006/math" xmlns:a14="http://schemas.microsoft.com/office/drawing/2010/main" xmlns:ma14="http://schemas.microsoft.com/office/mac/drawingml/2011/main" val="1"/>
+              <ma14:wrappingTextBoxFlag xmlns:ma14="http://schemas.microsoft.com/office/mac/drawingml/2011/main" xmlns:a14="http://schemas.microsoft.com/office/drawing/2010/main" xmlns:m="http://schemas.openxmlformats.org/officeDocument/2006/math" xmlns="" val="1"/>
             </a:ext>
           </a:extLst>
         </p:spPr>
@@ -31224,7 +31224,7 @@
           </a:ln>
           <a:extLst>
             <a:ext uri="{C572A759-6A51-4108-AA02-DFA0A04FC94B}">
-              <ma14:wrappingTextBoxFlag xmlns="" xmlns:m="http://schemas.openxmlformats.org/officeDocument/2006/math" xmlns:a14="http://schemas.microsoft.com/office/drawing/2010/main" xmlns:ma14="http://schemas.microsoft.com/office/mac/drawingml/2011/main" val="1"/>
+              <ma14:wrappingTextBoxFlag xmlns:ma14="http://schemas.microsoft.com/office/mac/drawingml/2011/main" xmlns:a14="http://schemas.microsoft.com/office/drawing/2010/main" xmlns:m="http://schemas.openxmlformats.org/officeDocument/2006/math" xmlns="" val="1"/>
             </a:ext>
           </a:extLst>
         </p:spPr>
@@ -31278,7 +31278,7 @@
           </a:ln>
           <a:extLst>
             <a:ext uri="{C572A759-6A51-4108-AA02-DFA0A04FC94B}">
-              <ma14:wrappingTextBoxFlag xmlns="" xmlns:m="http://schemas.openxmlformats.org/officeDocument/2006/math" xmlns:a14="http://schemas.microsoft.com/office/drawing/2010/main" xmlns:ma14="http://schemas.microsoft.com/office/mac/drawingml/2011/main" val="1"/>
+              <ma14:wrappingTextBoxFlag xmlns:ma14="http://schemas.microsoft.com/office/mac/drawingml/2011/main" xmlns:a14="http://schemas.microsoft.com/office/drawing/2010/main" xmlns:m="http://schemas.openxmlformats.org/officeDocument/2006/math" xmlns="" val="1"/>
             </a:ext>
           </a:extLst>
         </p:spPr>
@@ -31554,7 +31554,7 @@
         <p:spPr>
           <a:xfrm>
             <a:off x="866274" y="3501189"/>
-            <a:ext cx="17000621" cy="6665495"/>
+            <a:ext cx="17000621" cy="9117531"/>
           </a:xfrm>
           <a:prstGeom prst="rect">
             <a:avLst/>
@@ -31564,7 +31564,7 @@
           </a:ln>
           <a:extLst>
             <a:ext uri="{C572A759-6A51-4108-AA02-DFA0A04FC94B}">
-              <ma14:wrappingTextBoxFlag xmlns="" xmlns:m="http://schemas.openxmlformats.org/officeDocument/2006/math" xmlns:a14="http://schemas.microsoft.com/office/drawing/2010/main" xmlns:ma14="http://schemas.microsoft.com/office/mac/drawingml/2011/main" val="1"/>
+              <ma14:wrappingTextBoxFlag xmlns:ma14="http://schemas.microsoft.com/office/mac/drawingml/2011/main" xmlns:a14="http://schemas.microsoft.com/office/drawing/2010/main" xmlns:m="http://schemas.openxmlformats.org/officeDocument/2006/math" xmlns="" val="1"/>
             </a:ext>
           </a:extLst>
         </p:spPr>
@@ -31696,6 +31696,83 @@
                 <a:sym typeface="IBM Plex Sans Light"/>
               </a:rPr>
               <a:t>have articles explaining their hardware</a:t>
+            </a:r>
+          </a:p>
+          <a:p>
+            <a:pPr algn="l" defTabSz="2438400">
+              <a:spcBef>
+                <a:spcPts val="2900"/>
+              </a:spcBef>
+              <a:buSzPct val="100000"/>
+            </a:pPr>
+            <a:endParaRPr lang="en-US" kern="0" dirty="0">
+              <a:solidFill>
+                <a:srgbClr val="000000"/>
+              </a:solidFill>
+              <a:ea typeface="+mj-ea"/>
+              <a:cs typeface="+mj-cs"/>
+              <a:sym typeface="IBM Plex Sans Light"/>
+            </a:endParaRPr>
+          </a:p>
+          <a:p>
+            <a:pPr algn="l" defTabSz="2438400">
+              <a:spcBef>
+                <a:spcPts val="2900"/>
+              </a:spcBef>
+              <a:buSzPct val="100000"/>
+            </a:pPr>
+            <a:r>
+              <a:rPr lang="en-US" b="1" kern="0" dirty="0">
+                <a:solidFill>
+                  <a:srgbClr val="000000"/>
+                </a:solidFill>
+                <a:ea typeface="+mj-ea"/>
+                <a:cs typeface="+mj-cs"/>
+                <a:sym typeface="IBM Plex Sans Light"/>
+              </a:rPr>
+              <a:t>YouTube: </a:t>
+            </a:r>
+          </a:p>
+          <a:p>
+            <a:pPr defTabSz="2438400">
+              <a:spcBef>
+                <a:spcPts val="2900"/>
+              </a:spcBef>
+              <a:buSzPct val="100000"/>
+            </a:pPr>
+            <a:r>
+              <a:rPr lang="en-US" dirty="0"/>
+              <a:t>The Evolution and the Future of IBM Quantum Hardware: Holger Haas | QGSS 2025</a:t>
+            </a:r>
+          </a:p>
+          <a:p>
+            <a:pPr defTabSz="2438400">
+              <a:spcBef>
+                <a:spcPts val="2900"/>
+              </a:spcBef>
+              <a:buSzPct val="100000"/>
+            </a:pPr>
+            <a:r>
+              <a:rPr lang="en-US" kern="0" dirty="0" err="1">
+                <a:solidFill>
+                  <a:srgbClr val="000000"/>
+                </a:solidFill>
+                <a:ea typeface="+mj-ea"/>
+                <a:cs typeface="+mj-cs"/>
+                <a:sym typeface="IBM Plex Sans Light"/>
+              </a:rPr>
+              <a:t>Qiskit</a:t>
+            </a:r>
+            <a:r>
+              <a:rPr lang="en-US" kern="0" dirty="0">
+                <a:solidFill>
+                  <a:srgbClr val="000000"/>
+                </a:solidFill>
+                <a:ea typeface="+mj-ea"/>
+                <a:cs typeface="+mj-cs"/>
+                <a:sym typeface="IBM Plex Sans Light"/>
+              </a:rPr>
+              <a:t> Channel: https://www.youtube.com/watch?v=0eTmqj5nf7c</a:t>
             </a:r>
           </a:p>
         </p:txBody>
@@ -32472,7 +32549,7 @@
           </a:ln>
           <a:extLst>
             <a:ext uri="{C572A759-6A51-4108-AA02-DFA0A04FC94B}">
-              <ma14:wrappingTextBoxFlag xmlns="" xmlns:m="http://schemas.openxmlformats.org/officeDocument/2006/math" xmlns:a14="http://schemas.microsoft.com/office/drawing/2010/main" xmlns:ma14="http://schemas.microsoft.com/office/mac/drawingml/2011/main" val="1"/>
+              <ma14:wrappingTextBoxFlag xmlns:ma14="http://schemas.microsoft.com/office/mac/drawingml/2011/main" xmlns:a14="http://schemas.microsoft.com/office/drawing/2010/main" xmlns:m="http://schemas.openxmlformats.org/officeDocument/2006/math" xmlns="" val="1"/>
             </a:ext>
           </a:extLst>
         </p:spPr>
@@ -32561,7 +32638,7 @@
           </a:ln>
           <a:extLst>
             <a:ext uri="{C572A759-6A51-4108-AA02-DFA0A04FC94B}">
-              <ma14:wrappingTextBoxFlag xmlns="" xmlns:m="http://schemas.openxmlformats.org/officeDocument/2006/math" xmlns:a14="http://schemas.microsoft.com/office/drawing/2010/main" xmlns:ma14="http://schemas.microsoft.com/office/mac/drawingml/2011/main" val="1"/>
+              <ma14:wrappingTextBoxFlag xmlns:ma14="http://schemas.microsoft.com/office/mac/drawingml/2011/main" xmlns:a14="http://schemas.microsoft.com/office/drawing/2010/main" xmlns:m="http://schemas.openxmlformats.org/officeDocument/2006/math" xmlns="" val="1"/>
             </a:ext>
           </a:extLst>
         </p:spPr>
@@ -32961,7 +33038,7 @@
         </a:ln>
         <a:extLst>
           <a:ext uri="{C572A759-6A51-4108-AA02-DFA0A04FC94B}">
-            <ma14:wrappingTextBoxFlag xmlns:r="http://schemas.openxmlformats.org/officeDocument/2006/relationships" xmlns:p="http://schemas.openxmlformats.org/presentationml/2006/main" xmlns="" xmlns:m="http://schemas.openxmlformats.org/officeDocument/2006/math" xmlns:a14="http://schemas.microsoft.com/office/drawing/2010/main" xmlns:ma14="http://schemas.microsoft.com/office/mac/drawingml/2011/main" val="1"/>
+            <ma14:wrappingTextBoxFlag xmlns:ma14="http://schemas.microsoft.com/office/mac/drawingml/2011/main" xmlns:a14="http://schemas.microsoft.com/office/drawing/2010/main" xmlns:m="http://schemas.openxmlformats.org/officeDocument/2006/math" xmlns="" xmlns:p="http://schemas.openxmlformats.org/presentationml/2006/main" xmlns:r="http://schemas.openxmlformats.org/officeDocument/2006/relationships" val="1"/>
           </a:ext>
         </a:extLst>
       </a:spPr>
@@ -33467,7 +33544,7 @@
         </a:ln>
         <a:extLst>
           <a:ext uri="{C572A759-6A51-4108-AA02-DFA0A04FC94B}">
-            <ma14:wrappingTextBoxFlag xmlns:ma14="http://schemas.microsoft.com/office/mac/drawingml/2011/main" xmlns:a14="http://schemas.microsoft.com/office/drawing/2010/main" xmlns:m="http://schemas.openxmlformats.org/officeDocument/2006/math" xmlns="" xmlns:p="http://schemas.openxmlformats.org/presentationml/2006/main" xmlns:r="http://schemas.openxmlformats.org/officeDocument/2006/relationships" val="1"/>
+            <ma14:wrappingTextBoxFlag xmlns:r="http://schemas.openxmlformats.org/officeDocument/2006/relationships" xmlns:p="http://schemas.openxmlformats.org/presentationml/2006/main" xmlns="" xmlns:m="http://schemas.openxmlformats.org/officeDocument/2006/math" xmlns:a14="http://schemas.microsoft.com/office/drawing/2010/main" xmlns:ma14="http://schemas.microsoft.com/office/mac/drawingml/2011/main" val="1"/>
           </a:ext>
         </a:extLst>
       </a:spPr>
@@ -33973,7 +34050,7 @@
         </a:ln>
         <a:extLst>
           <a:ext uri="{C572A759-6A51-4108-AA02-DFA0A04FC94B}">
-            <ma14:wrappingTextBoxFlag xmlns:ma14="http://schemas.microsoft.com/office/mac/drawingml/2011/main" xmlns:a14="http://schemas.microsoft.com/office/drawing/2010/main" xmlns:m="http://schemas.openxmlformats.org/officeDocument/2006/math" xmlns="" xmlns:p="http://schemas.openxmlformats.org/presentationml/2006/main" xmlns:r="http://schemas.openxmlformats.org/officeDocument/2006/relationships" val="1"/>
+            <ma14:wrappingTextBoxFlag xmlns:r="http://schemas.openxmlformats.org/officeDocument/2006/relationships" xmlns:p="http://schemas.openxmlformats.org/presentationml/2006/main" xmlns="" xmlns:m="http://schemas.openxmlformats.org/officeDocument/2006/math" xmlns:a14="http://schemas.microsoft.com/office/drawing/2010/main" xmlns:ma14="http://schemas.microsoft.com/office/mac/drawingml/2011/main" val="1"/>
           </a:ext>
         </a:extLst>
       </a:spPr>
